--- a/Plan van aanpak/presentatie.pptx
+++ b/Plan van aanpak/presentatie.pptx
@@ -5,7 +5,7 @@
     <p:sldMasterId id="2147483694" r:id="rId1"/>
   </p:sldMasterIdLst>
   <p:notesMasterIdLst>
-    <p:notesMasterId r:id="rId18"/>
+    <p:notesMasterId r:id="rId20"/>
   </p:notesMasterIdLst>
   <p:sldIdLst>
     <p:sldId id="281" r:id="rId2"/>
@@ -18,12 +18,14 @@
     <p:sldId id="267" r:id="rId9"/>
     <p:sldId id="274" r:id="rId10"/>
     <p:sldId id="260" r:id="rId11"/>
-    <p:sldId id="275" r:id="rId12"/>
-    <p:sldId id="263" r:id="rId13"/>
-    <p:sldId id="264" r:id="rId14"/>
-    <p:sldId id="268" r:id="rId15"/>
-    <p:sldId id="269" r:id="rId16"/>
-    <p:sldId id="280" r:id="rId17"/>
+    <p:sldId id="282" r:id="rId12"/>
+    <p:sldId id="283" r:id="rId13"/>
+    <p:sldId id="275" r:id="rId14"/>
+    <p:sldId id="263" r:id="rId15"/>
+    <p:sldId id="264" r:id="rId16"/>
+    <p:sldId id="268" r:id="rId17"/>
+    <p:sldId id="269" r:id="rId18"/>
+    <p:sldId id="280" r:id="rId19"/>
   </p:sldIdLst>
   <p:sldSz cx="12192000" cy="6858000"/>
   <p:notesSz cx="6858000" cy="9144000"/>
@@ -524,94 +526,8 @@
           <a:lstStyle/>
           <a:p>
             <a:r>
-              <a:rPr lang="en-US" dirty="0" err="1"/>
-              <a:t>Wie</a:t>
-            </a:r>
-            <a:r>
-              <a:rPr lang="en-US" dirty="0"/>
-              <a:t> </a:t>
-            </a:r>
-            <a:r>
-              <a:rPr lang="en-US" dirty="0" err="1"/>
-              <a:t>zijn</a:t>
-            </a:r>
-            <a:r>
-              <a:rPr lang="en-US" dirty="0"/>
-              <a:t> </a:t>
-            </a:r>
-            <a:r>
-              <a:rPr lang="en-US" dirty="0" err="1"/>
-              <a:t>wij</a:t>
-            </a:r>
-            <a:endParaRPr lang="en-US" dirty="0"/>
-          </a:p>
-          <a:p>
-            <a:r>
-              <a:rPr lang="en-US" dirty="0" err="1"/>
-              <a:t>Waarom</a:t>
-            </a:r>
-            <a:r>
-              <a:rPr lang="en-US" dirty="0"/>
-              <a:t> </a:t>
-            </a:r>
-            <a:r>
-              <a:rPr lang="en-US" dirty="0" err="1"/>
-              <a:t>doen</a:t>
-            </a:r>
-            <a:r>
-              <a:rPr lang="en-US" dirty="0"/>
-              <a:t> </a:t>
-            </a:r>
-            <a:r>
-              <a:rPr lang="en-US" dirty="0" err="1"/>
-              <a:t>wij</a:t>
-            </a:r>
-            <a:r>
-              <a:rPr lang="en-US" dirty="0"/>
-              <a:t> </a:t>
-            </a:r>
-            <a:r>
-              <a:rPr lang="en-US" dirty="0" err="1"/>
-              <a:t>dit</a:t>
-            </a:r>
-            <a:endParaRPr lang="en-US" dirty="0"/>
-          </a:p>
-          <a:p>
-            <a:r>
-              <a:rPr lang="en-US" dirty="0" err="1"/>
-              <a:t>Voor</a:t>
-            </a:r>
-            <a:r>
-              <a:rPr lang="en-US" dirty="0"/>
-              <a:t> </a:t>
-            </a:r>
-            <a:r>
-              <a:rPr lang="en-US" dirty="0" err="1"/>
-              <a:t>wie</a:t>
-            </a:r>
-            <a:r>
-              <a:rPr lang="en-US" dirty="0"/>
-              <a:t> </a:t>
-            </a:r>
-            <a:r>
-              <a:rPr lang="en-US" dirty="0" err="1"/>
-              <a:t>doen</a:t>
-            </a:r>
-            <a:r>
-              <a:rPr lang="en-US" dirty="0"/>
-              <a:t> </a:t>
-            </a:r>
-            <a:r>
-              <a:rPr lang="en-US" dirty="0" err="1"/>
-              <a:t>wij</a:t>
-            </a:r>
-            <a:r>
-              <a:rPr lang="en-US" dirty="0"/>
-              <a:t> </a:t>
-            </a:r>
-            <a:r>
-              <a:rPr lang="en-US" dirty="0" err="1"/>
-              <a:t>dit</a:t>
+              <a:rPr lang="nl-NL" dirty="0" smtClean="0"/>
+              <a:t>WOUTER</a:t>
             </a:r>
             <a:endParaRPr lang="nl-NL" dirty="0"/>
           </a:p>
@@ -634,7 +550,7 @@
           <a:p>
             <a:fld id="{3BFC775C-88C3-4B53-B6D8-E41BA19ED8D1}" type="slidenum">
               <a:rPr lang="nl-NL" smtClean="0"/>
-              <a:t>4</a:t>
+              <a:t>1</a:t>
             </a:fld>
             <a:endParaRPr lang="nl-NL"/>
           </a:p>
@@ -643,7 +559,805 @@
     </p:spTree>
     <p:extLst>
       <p:ext uri="{BB962C8B-B14F-4D97-AF65-F5344CB8AC3E}">
-        <p14:creationId xmlns:p14="http://schemas.microsoft.com/office/powerpoint/2010/main" val="454457881"/>
+        <p14:creationId xmlns:p14="http://schemas.microsoft.com/office/powerpoint/2010/main" val="1164135043"/>
+      </p:ext>
+    </p:extLst>
+  </p:cSld>
+  <p:clrMapOvr>
+    <a:masterClrMapping/>
+  </p:clrMapOvr>
+</p:notes>
+</file>
+
+<file path=ppt/notesSlides/notesSlide10.xml><?xml version="1.0" encoding="utf-8"?>
+<p:notes xmlns:a="http://schemas.openxmlformats.org/drawingml/2006/main" xmlns:r="http://schemas.openxmlformats.org/officeDocument/2006/relationships" xmlns:p="http://schemas.openxmlformats.org/presentationml/2006/main">
+  <p:cSld>
+    <p:spTree>
+      <p:nvGrpSpPr>
+        <p:cNvPr id="1" name=""/>
+        <p:cNvGrpSpPr/>
+        <p:nvPr/>
+      </p:nvGrpSpPr>
+      <p:grpSpPr>
+        <a:xfrm>
+          <a:off x="0" y="0"/>
+          <a:ext cx="0" cy="0"/>
+          <a:chOff x="0" y="0"/>
+          <a:chExt cx="0" cy="0"/>
+        </a:xfrm>
+      </p:grpSpPr>
+      <p:sp>
+        <p:nvSpPr>
+          <p:cNvPr id="2" name="Tijdelijke aanduiding voor dia-afbeelding 1"/>
+          <p:cNvSpPr>
+            <a:spLocks noGrp="1" noRot="1" noChangeAspect="1"/>
+          </p:cNvSpPr>
+          <p:nvPr>
+            <p:ph type="sldImg"/>
+          </p:nvPr>
+        </p:nvSpPr>
+        <p:spPr/>
+      </p:sp>
+      <p:sp>
+        <p:nvSpPr>
+          <p:cNvPr id="3" name="Tijdelijke aanduiding voor notities 2"/>
+          <p:cNvSpPr>
+            <a:spLocks noGrp="1"/>
+          </p:cNvSpPr>
+          <p:nvPr>
+            <p:ph type="body" idx="1"/>
+          </p:nvPr>
+        </p:nvSpPr>
+        <p:spPr/>
+        <p:txBody>
+          <a:bodyPr/>
+          <a:lstStyle/>
+          <a:p>
+            <a:r>
+              <a:rPr lang="en-US" dirty="0" smtClean="0"/>
+              <a:t>MAARTEN</a:t>
+            </a:r>
+            <a:endParaRPr lang="en-US" dirty="0"/>
+          </a:p>
+          <a:p>
+            <a:endParaRPr lang="nl-NL" dirty="0"/>
+          </a:p>
+        </p:txBody>
+      </p:sp>
+      <p:sp>
+        <p:nvSpPr>
+          <p:cNvPr id="4" name="Tijdelijke aanduiding voor dianummer 3"/>
+          <p:cNvSpPr>
+            <a:spLocks noGrp="1"/>
+          </p:cNvSpPr>
+          <p:nvPr>
+            <p:ph type="sldNum" sz="quarter" idx="10"/>
+          </p:nvPr>
+        </p:nvSpPr>
+        <p:spPr/>
+        <p:txBody>
+          <a:bodyPr/>
+          <a:lstStyle/>
+          <a:p>
+            <a:fld id="{3BFC775C-88C3-4B53-B6D8-E41BA19ED8D1}" type="slidenum">
+              <a:rPr lang="nl-NL" smtClean="0"/>
+              <a:t>10</a:t>
+            </a:fld>
+            <a:endParaRPr lang="nl-NL"/>
+          </a:p>
+        </p:txBody>
+      </p:sp>
+    </p:spTree>
+    <p:extLst>
+      <p:ext uri="{BB962C8B-B14F-4D97-AF65-F5344CB8AC3E}">
+        <p14:creationId xmlns:p14="http://schemas.microsoft.com/office/powerpoint/2010/main" val="1150814733"/>
+      </p:ext>
+    </p:extLst>
+  </p:cSld>
+  <p:clrMapOvr>
+    <a:masterClrMapping/>
+  </p:clrMapOvr>
+</p:notes>
+</file>
+
+<file path=ppt/notesSlides/notesSlide11.xml><?xml version="1.0" encoding="utf-8"?>
+<p:notes xmlns:a="http://schemas.openxmlformats.org/drawingml/2006/main" xmlns:r="http://schemas.openxmlformats.org/officeDocument/2006/relationships" xmlns:p="http://schemas.openxmlformats.org/presentationml/2006/main">
+  <p:cSld>
+    <p:spTree>
+      <p:nvGrpSpPr>
+        <p:cNvPr id="1" name=""/>
+        <p:cNvGrpSpPr/>
+        <p:nvPr/>
+      </p:nvGrpSpPr>
+      <p:grpSpPr>
+        <a:xfrm>
+          <a:off x="0" y="0"/>
+          <a:ext cx="0" cy="0"/>
+          <a:chOff x="0" y="0"/>
+          <a:chExt cx="0" cy="0"/>
+        </a:xfrm>
+      </p:grpSpPr>
+      <p:sp>
+        <p:nvSpPr>
+          <p:cNvPr id="2" name="Tijdelijke aanduiding voor dia-afbeelding 1"/>
+          <p:cNvSpPr>
+            <a:spLocks noGrp="1" noRot="1" noChangeAspect="1"/>
+          </p:cNvSpPr>
+          <p:nvPr>
+            <p:ph type="sldImg"/>
+          </p:nvPr>
+        </p:nvSpPr>
+        <p:spPr/>
+      </p:sp>
+      <p:sp>
+        <p:nvSpPr>
+          <p:cNvPr id="3" name="Tijdelijke aanduiding voor notities 2"/>
+          <p:cNvSpPr>
+            <a:spLocks noGrp="1"/>
+          </p:cNvSpPr>
+          <p:nvPr>
+            <p:ph type="body" idx="1"/>
+          </p:nvPr>
+        </p:nvSpPr>
+        <p:spPr/>
+        <p:txBody>
+          <a:bodyPr/>
+          <a:lstStyle/>
+          <a:p>
+            <a:r>
+              <a:rPr lang="nl-NL" dirty="0" smtClean="0"/>
+              <a:t>MAARTEN</a:t>
+            </a:r>
+            <a:endParaRPr lang="nl-NL" dirty="0"/>
+          </a:p>
+        </p:txBody>
+      </p:sp>
+      <p:sp>
+        <p:nvSpPr>
+          <p:cNvPr id="4" name="Tijdelijke aanduiding voor dianummer 3"/>
+          <p:cNvSpPr>
+            <a:spLocks noGrp="1"/>
+          </p:cNvSpPr>
+          <p:nvPr>
+            <p:ph type="sldNum" sz="quarter" idx="10"/>
+          </p:nvPr>
+        </p:nvSpPr>
+        <p:spPr/>
+        <p:txBody>
+          <a:bodyPr/>
+          <a:lstStyle/>
+          <a:p>
+            <a:fld id="{3BFC775C-88C3-4B53-B6D8-E41BA19ED8D1}" type="slidenum">
+              <a:rPr lang="nl-NL" smtClean="0"/>
+              <a:t>11</a:t>
+            </a:fld>
+            <a:endParaRPr lang="nl-NL"/>
+          </a:p>
+        </p:txBody>
+      </p:sp>
+    </p:spTree>
+    <p:extLst>
+      <p:ext uri="{BB962C8B-B14F-4D97-AF65-F5344CB8AC3E}">
+        <p14:creationId xmlns:p14="http://schemas.microsoft.com/office/powerpoint/2010/main" val="809103654"/>
+      </p:ext>
+    </p:extLst>
+  </p:cSld>
+  <p:clrMapOvr>
+    <a:masterClrMapping/>
+  </p:clrMapOvr>
+</p:notes>
+</file>
+
+<file path=ppt/notesSlides/notesSlide12.xml><?xml version="1.0" encoding="utf-8"?>
+<p:notes xmlns:a="http://schemas.openxmlformats.org/drawingml/2006/main" xmlns:r="http://schemas.openxmlformats.org/officeDocument/2006/relationships" xmlns:p="http://schemas.openxmlformats.org/presentationml/2006/main">
+  <p:cSld>
+    <p:spTree>
+      <p:nvGrpSpPr>
+        <p:cNvPr id="1" name=""/>
+        <p:cNvGrpSpPr/>
+        <p:nvPr/>
+      </p:nvGrpSpPr>
+      <p:grpSpPr>
+        <a:xfrm>
+          <a:off x="0" y="0"/>
+          <a:ext cx="0" cy="0"/>
+          <a:chOff x="0" y="0"/>
+          <a:chExt cx="0" cy="0"/>
+        </a:xfrm>
+      </p:grpSpPr>
+      <p:sp>
+        <p:nvSpPr>
+          <p:cNvPr id="2" name="Tijdelijke aanduiding voor dia-afbeelding 1"/>
+          <p:cNvSpPr>
+            <a:spLocks noGrp="1" noRot="1" noChangeAspect="1"/>
+          </p:cNvSpPr>
+          <p:nvPr>
+            <p:ph type="sldImg"/>
+          </p:nvPr>
+        </p:nvSpPr>
+        <p:spPr/>
+      </p:sp>
+      <p:sp>
+        <p:nvSpPr>
+          <p:cNvPr id="3" name="Tijdelijke aanduiding voor notities 2"/>
+          <p:cNvSpPr>
+            <a:spLocks noGrp="1"/>
+          </p:cNvSpPr>
+          <p:nvPr>
+            <p:ph type="body" idx="1"/>
+          </p:nvPr>
+        </p:nvSpPr>
+        <p:spPr/>
+        <p:txBody>
+          <a:bodyPr/>
+          <a:lstStyle/>
+          <a:p>
+            <a:r>
+              <a:rPr lang="en-US" dirty="0" smtClean="0"/>
+              <a:t>MAARTEN</a:t>
+            </a:r>
+            <a:endParaRPr lang="en-US" dirty="0"/>
+          </a:p>
+          <a:p>
+            <a:endParaRPr lang="nl-NL" dirty="0"/>
+          </a:p>
+        </p:txBody>
+      </p:sp>
+      <p:sp>
+        <p:nvSpPr>
+          <p:cNvPr id="4" name="Tijdelijke aanduiding voor dianummer 3"/>
+          <p:cNvSpPr>
+            <a:spLocks noGrp="1"/>
+          </p:cNvSpPr>
+          <p:nvPr>
+            <p:ph type="sldNum" sz="quarter" idx="10"/>
+          </p:nvPr>
+        </p:nvSpPr>
+        <p:spPr/>
+        <p:txBody>
+          <a:bodyPr/>
+          <a:lstStyle/>
+          <a:p>
+            <a:fld id="{3BFC775C-88C3-4B53-B6D8-E41BA19ED8D1}" type="slidenum">
+              <a:rPr lang="nl-NL" smtClean="0"/>
+              <a:t>12</a:t>
+            </a:fld>
+            <a:endParaRPr lang="nl-NL"/>
+          </a:p>
+        </p:txBody>
+      </p:sp>
+    </p:spTree>
+    <p:extLst>
+      <p:ext uri="{BB962C8B-B14F-4D97-AF65-F5344CB8AC3E}">
+        <p14:creationId xmlns:p14="http://schemas.microsoft.com/office/powerpoint/2010/main" val="55219711"/>
+      </p:ext>
+    </p:extLst>
+  </p:cSld>
+  <p:clrMapOvr>
+    <a:masterClrMapping/>
+  </p:clrMapOvr>
+</p:notes>
+</file>
+
+<file path=ppt/notesSlides/notesSlide13.xml><?xml version="1.0" encoding="utf-8"?>
+<p:notes xmlns:a="http://schemas.openxmlformats.org/drawingml/2006/main" xmlns:r="http://schemas.openxmlformats.org/officeDocument/2006/relationships" xmlns:p="http://schemas.openxmlformats.org/presentationml/2006/main">
+  <p:cSld>
+    <p:spTree>
+      <p:nvGrpSpPr>
+        <p:cNvPr id="1" name=""/>
+        <p:cNvGrpSpPr/>
+        <p:nvPr/>
+      </p:nvGrpSpPr>
+      <p:grpSpPr>
+        <a:xfrm>
+          <a:off x="0" y="0"/>
+          <a:ext cx="0" cy="0"/>
+          <a:chOff x="0" y="0"/>
+          <a:chExt cx="0" cy="0"/>
+        </a:xfrm>
+      </p:grpSpPr>
+      <p:sp>
+        <p:nvSpPr>
+          <p:cNvPr id="2" name="Tijdelijke aanduiding voor dia-afbeelding 1"/>
+          <p:cNvSpPr>
+            <a:spLocks noGrp="1" noRot="1" noChangeAspect="1"/>
+          </p:cNvSpPr>
+          <p:nvPr>
+            <p:ph type="sldImg"/>
+          </p:nvPr>
+        </p:nvSpPr>
+        <p:spPr/>
+      </p:sp>
+      <p:sp>
+        <p:nvSpPr>
+          <p:cNvPr id="3" name="Tijdelijke aanduiding voor notities 2"/>
+          <p:cNvSpPr>
+            <a:spLocks noGrp="1"/>
+          </p:cNvSpPr>
+          <p:nvPr>
+            <p:ph type="body" idx="1"/>
+          </p:nvPr>
+        </p:nvSpPr>
+        <p:spPr/>
+        <p:txBody>
+          <a:bodyPr/>
+          <a:lstStyle/>
+          <a:p>
+            <a:r>
+              <a:rPr lang="nl-NL" dirty="0" smtClean="0"/>
+              <a:t>PIM</a:t>
+            </a:r>
+            <a:endParaRPr lang="nl-NL" dirty="0"/>
+          </a:p>
+        </p:txBody>
+      </p:sp>
+      <p:sp>
+        <p:nvSpPr>
+          <p:cNvPr id="4" name="Tijdelijke aanduiding voor dianummer 3"/>
+          <p:cNvSpPr>
+            <a:spLocks noGrp="1"/>
+          </p:cNvSpPr>
+          <p:nvPr>
+            <p:ph type="sldNum" sz="quarter" idx="10"/>
+          </p:nvPr>
+        </p:nvSpPr>
+        <p:spPr/>
+        <p:txBody>
+          <a:bodyPr/>
+          <a:lstStyle/>
+          <a:p>
+            <a:fld id="{3BFC775C-88C3-4B53-B6D8-E41BA19ED8D1}" type="slidenum">
+              <a:rPr lang="nl-NL" smtClean="0"/>
+              <a:t>13</a:t>
+            </a:fld>
+            <a:endParaRPr lang="nl-NL"/>
+          </a:p>
+        </p:txBody>
+      </p:sp>
+    </p:spTree>
+    <p:extLst>
+      <p:ext uri="{BB962C8B-B14F-4D97-AF65-F5344CB8AC3E}">
+        <p14:creationId xmlns:p14="http://schemas.microsoft.com/office/powerpoint/2010/main" val="1703585878"/>
+      </p:ext>
+    </p:extLst>
+  </p:cSld>
+  <p:clrMapOvr>
+    <a:masterClrMapping/>
+  </p:clrMapOvr>
+</p:notes>
+</file>
+
+<file path=ppt/notesSlides/notesSlide14.xml><?xml version="1.0" encoding="utf-8"?>
+<p:notes xmlns:a="http://schemas.openxmlformats.org/drawingml/2006/main" xmlns:r="http://schemas.openxmlformats.org/officeDocument/2006/relationships" xmlns:p="http://schemas.openxmlformats.org/presentationml/2006/main">
+  <p:cSld>
+    <p:spTree>
+      <p:nvGrpSpPr>
+        <p:cNvPr id="1" name=""/>
+        <p:cNvGrpSpPr/>
+        <p:nvPr/>
+      </p:nvGrpSpPr>
+      <p:grpSpPr>
+        <a:xfrm>
+          <a:off x="0" y="0"/>
+          <a:ext cx="0" cy="0"/>
+          <a:chOff x="0" y="0"/>
+          <a:chExt cx="0" cy="0"/>
+        </a:xfrm>
+      </p:grpSpPr>
+      <p:sp>
+        <p:nvSpPr>
+          <p:cNvPr id="2" name="Tijdelijke aanduiding voor dia-afbeelding 1"/>
+          <p:cNvSpPr>
+            <a:spLocks noGrp="1" noRot="1" noChangeAspect="1"/>
+          </p:cNvSpPr>
+          <p:nvPr>
+            <p:ph type="sldImg"/>
+          </p:nvPr>
+        </p:nvSpPr>
+        <p:spPr/>
+      </p:sp>
+      <p:sp>
+        <p:nvSpPr>
+          <p:cNvPr id="3" name="Tijdelijke aanduiding voor notities 2"/>
+          <p:cNvSpPr>
+            <a:spLocks noGrp="1"/>
+          </p:cNvSpPr>
+          <p:nvPr>
+            <p:ph type="body" idx="1"/>
+          </p:nvPr>
+        </p:nvSpPr>
+        <p:spPr/>
+        <p:txBody>
+          <a:bodyPr/>
+          <a:lstStyle/>
+          <a:p>
+            <a:r>
+              <a:rPr lang="en-US" dirty="0" smtClean="0"/>
+              <a:t>PIM</a:t>
+            </a:r>
+            <a:endParaRPr lang="nl-NL" dirty="0"/>
+          </a:p>
+        </p:txBody>
+      </p:sp>
+      <p:sp>
+        <p:nvSpPr>
+          <p:cNvPr id="4" name="Tijdelijke aanduiding voor dianummer 3"/>
+          <p:cNvSpPr>
+            <a:spLocks noGrp="1"/>
+          </p:cNvSpPr>
+          <p:nvPr>
+            <p:ph type="sldNum" sz="quarter" idx="10"/>
+          </p:nvPr>
+        </p:nvSpPr>
+        <p:spPr/>
+        <p:txBody>
+          <a:bodyPr/>
+          <a:lstStyle/>
+          <a:p>
+            <a:fld id="{3BFC775C-88C3-4B53-B6D8-E41BA19ED8D1}" type="slidenum">
+              <a:rPr lang="nl-NL" smtClean="0"/>
+              <a:t>14</a:t>
+            </a:fld>
+            <a:endParaRPr lang="nl-NL"/>
+          </a:p>
+        </p:txBody>
+      </p:sp>
+    </p:spTree>
+    <p:extLst>
+      <p:ext uri="{BB962C8B-B14F-4D97-AF65-F5344CB8AC3E}">
+        <p14:creationId xmlns:p14="http://schemas.microsoft.com/office/powerpoint/2010/main" val="3910357824"/>
+      </p:ext>
+    </p:extLst>
+  </p:cSld>
+  <p:clrMapOvr>
+    <a:masterClrMapping/>
+  </p:clrMapOvr>
+</p:notes>
+</file>
+
+<file path=ppt/notesSlides/notesSlide15.xml><?xml version="1.0" encoding="utf-8"?>
+<p:notes xmlns:a="http://schemas.openxmlformats.org/drawingml/2006/main" xmlns:r="http://schemas.openxmlformats.org/officeDocument/2006/relationships" xmlns:p="http://schemas.openxmlformats.org/presentationml/2006/main">
+  <p:cSld>
+    <p:spTree>
+      <p:nvGrpSpPr>
+        <p:cNvPr id="1" name=""/>
+        <p:cNvGrpSpPr/>
+        <p:nvPr/>
+      </p:nvGrpSpPr>
+      <p:grpSpPr>
+        <a:xfrm>
+          <a:off x="0" y="0"/>
+          <a:ext cx="0" cy="0"/>
+          <a:chOff x="0" y="0"/>
+          <a:chExt cx="0" cy="0"/>
+        </a:xfrm>
+      </p:grpSpPr>
+      <p:sp>
+        <p:nvSpPr>
+          <p:cNvPr id="2" name="Tijdelijke aanduiding voor dia-afbeelding 1"/>
+          <p:cNvSpPr>
+            <a:spLocks noGrp="1" noRot="1" noChangeAspect="1"/>
+          </p:cNvSpPr>
+          <p:nvPr>
+            <p:ph type="sldImg"/>
+          </p:nvPr>
+        </p:nvSpPr>
+        <p:spPr/>
+      </p:sp>
+      <p:sp>
+        <p:nvSpPr>
+          <p:cNvPr id="3" name="Tijdelijke aanduiding voor notities 2"/>
+          <p:cNvSpPr>
+            <a:spLocks noGrp="1"/>
+          </p:cNvSpPr>
+          <p:nvPr>
+            <p:ph type="body" idx="1"/>
+          </p:nvPr>
+        </p:nvSpPr>
+        <p:spPr/>
+        <p:txBody>
+          <a:bodyPr/>
+          <a:lstStyle/>
+          <a:p>
+            <a:r>
+              <a:rPr lang="nl-NL" dirty="0" smtClean="0"/>
+              <a:t>PIM</a:t>
+            </a:r>
+            <a:endParaRPr lang="nl-NL" dirty="0"/>
+          </a:p>
+        </p:txBody>
+      </p:sp>
+      <p:sp>
+        <p:nvSpPr>
+          <p:cNvPr id="4" name="Tijdelijke aanduiding voor dianummer 3"/>
+          <p:cNvSpPr>
+            <a:spLocks noGrp="1"/>
+          </p:cNvSpPr>
+          <p:nvPr>
+            <p:ph type="sldNum" sz="quarter" idx="10"/>
+          </p:nvPr>
+        </p:nvSpPr>
+        <p:spPr/>
+        <p:txBody>
+          <a:bodyPr/>
+          <a:lstStyle/>
+          <a:p>
+            <a:fld id="{3BFC775C-88C3-4B53-B6D8-E41BA19ED8D1}" type="slidenum">
+              <a:rPr lang="nl-NL" smtClean="0"/>
+              <a:t>15</a:t>
+            </a:fld>
+            <a:endParaRPr lang="nl-NL"/>
+          </a:p>
+        </p:txBody>
+      </p:sp>
+    </p:spTree>
+    <p:extLst>
+      <p:ext uri="{BB962C8B-B14F-4D97-AF65-F5344CB8AC3E}">
+        <p14:creationId xmlns:p14="http://schemas.microsoft.com/office/powerpoint/2010/main" val="1023583144"/>
+      </p:ext>
+    </p:extLst>
+  </p:cSld>
+  <p:clrMapOvr>
+    <a:masterClrMapping/>
+  </p:clrMapOvr>
+</p:notes>
+</file>
+
+<file path=ppt/notesSlides/notesSlide16.xml><?xml version="1.0" encoding="utf-8"?>
+<p:notes xmlns:a="http://schemas.openxmlformats.org/drawingml/2006/main" xmlns:r="http://schemas.openxmlformats.org/officeDocument/2006/relationships" xmlns:p="http://schemas.openxmlformats.org/presentationml/2006/main">
+  <p:cSld>
+    <p:spTree>
+      <p:nvGrpSpPr>
+        <p:cNvPr id="1" name=""/>
+        <p:cNvGrpSpPr/>
+        <p:nvPr/>
+      </p:nvGrpSpPr>
+      <p:grpSpPr>
+        <a:xfrm>
+          <a:off x="0" y="0"/>
+          <a:ext cx="0" cy="0"/>
+          <a:chOff x="0" y="0"/>
+          <a:chExt cx="0" cy="0"/>
+        </a:xfrm>
+      </p:grpSpPr>
+      <p:sp>
+        <p:nvSpPr>
+          <p:cNvPr id="2" name="Tijdelijke aanduiding voor dia-afbeelding 1"/>
+          <p:cNvSpPr>
+            <a:spLocks noGrp="1" noRot="1" noChangeAspect="1"/>
+          </p:cNvSpPr>
+          <p:nvPr>
+            <p:ph type="sldImg"/>
+          </p:nvPr>
+        </p:nvSpPr>
+        <p:spPr/>
+      </p:sp>
+      <p:sp>
+        <p:nvSpPr>
+          <p:cNvPr id="3" name="Tijdelijke aanduiding voor notities 2"/>
+          <p:cNvSpPr>
+            <a:spLocks noGrp="1"/>
+          </p:cNvSpPr>
+          <p:nvPr>
+            <p:ph type="body" idx="1"/>
+          </p:nvPr>
+        </p:nvSpPr>
+        <p:spPr/>
+        <p:txBody>
+          <a:bodyPr/>
+          <a:lstStyle/>
+          <a:p>
+            <a:r>
+              <a:rPr lang="nl-NL" dirty="0" smtClean="0"/>
+              <a:t>PIM</a:t>
+            </a:r>
+            <a:endParaRPr lang="nl-NL" dirty="0"/>
+          </a:p>
+        </p:txBody>
+      </p:sp>
+      <p:sp>
+        <p:nvSpPr>
+          <p:cNvPr id="4" name="Tijdelijke aanduiding voor dianummer 3"/>
+          <p:cNvSpPr>
+            <a:spLocks noGrp="1"/>
+          </p:cNvSpPr>
+          <p:nvPr>
+            <p:ph type="sldNum" sz="quarter" idx="10"/>
+          </p:nvPr>
+        </p:nvSpPr>
+        <p:spPr/>
+        <p:txBody>
+          <a:bodyPr/>
+          <a:lstStyle/>
+          <a:p>
+            <a:fld id="{3BFC775C-88C3-4B53-B6D8-E41BA19ED8D1}" type="slidenum">
+              <a:rPr lang="nl-NL" smtClean="0"/>
+              <a:t>16</a:t>
+            </a:fld>
+            <a:endParaRPr lang="nl-NL"/>
+          </a:p>
+        </p:txBody>
+      </p:sp>
+    </p:spTree>
+    <p:extLst>
+      <p:ext uri="{BB962C8B-B14F-4D97-AF65-F5344CB8AC3E}">
+        <p14:creationId xmlns:p14="http://schemas.microsoft.com/office/powerpoint/2010/main" val="64894784"/>
+      </p:ext>
+    </p:extLst>
+  </p:cSld>
+  <p:clrMapOvr>
+    <a:masterClrMapping/>
+  </p:clrMapOvr>
+</p:notes>
+</file>
+
+<file path=ppt/notesSlides/notesSlide17.xml><?xml version="1.0" encoding="utf-8"?>
+<p:notes xmlns:a="http://schemas.openxmlformats.org/drawingml/2006/main" xmlns:r="http://schemas.openxmlformats.org/officeDocument/2006/relationships" xmlns:p="http://schemas.openxmlformats.org/presentationml/2006/main">
+  <p:cSld>
+    <p:spTree>
+      <p:nvGrpSpPr>
+        <p:cNvPr id="1" name=""/>
+        <p:cNvGrpSpPr/>
+        <p:nvPr/>
+      </p:nvGrpSpPr>
+      <p:grpSpPr>
+        <a:xfrm>
+          <a:off x="0" y="0"/>
+          <a:ext cx="0" cy="0"/>
+          <a:chOff x="0" y="0"/>
+          <a:chExt cx="0" cy="0"/>
+        </a:xfrm>
+      </p:grpSpPr>
+      <p:sp>
+        <p:nvSpPr>
+          <p:cNvPr id="2" name="Tijdelijke aanduiding voor dia-afbeelding 1"/>
+          <p:cNvSpPr>
+            <a:spLocks noGrp="1" noRot="1" noChangeAspect="1"/>
+          </p:cNvSpPr>
+          <p:nvPr>
+            <p:ph type="sldImg"/>
+          </p:nvPr>
+        </p:nvSpPr>
+        <p:spPr/>
+      </p:sp>
+      <p:sp>
+        <p:nvSpPr>
+          <p:cNvPr id="3" name="Tijdelijke aanduiding voor notities 2"/>
+          <p:cNvSpPr>
+            <a:spLocks noGrp="1"/>
+          </p:cNvSpPr>
+          <p:nvPr>
+            <p:ph type="body" idx="1"/>
+          </p:nvPr>
+        </p:nvSpPr>
+        <p:spPr/>
+        <p:txBody>
+          <a:bodyPr/>
+          <a:lstStyle/>
+          <a:p>
+            <a:r>
+              <a:rPr lang="nl-NL" dirty="0" smtClean="0"/>
+              <a:t>PIM</a:t>
+            </a:r>
+            <a:endParaRPr lang="nl-NL" dirty="0"/>
+          </a:p>
+        </p:txBody>
+      </p:sp>
+      <p:sp>
+        <p:nvSpPr>
+          <p:cNvPr id="4" name="Tijdelijke aanduiding voor dianummer 3"/>
+          <p:cNvSpPr>
+            <a:spLocks noGrp="1"/>
+          </p:cNvSpPr>
+          <p:nvPr>
+            <p:ph type="sldNum" sz="quarter" idx="10"/>
+          </p:nvPr>
+        </p:nvSpPr>
+        <p:spPr/>
+        <p:txBody>
+          <a:bodyPr/>
+          <a:lstStyle/>
+          <a:p>
+            <a:fld id="{3BFC775C-88C3-4B53-B6D8-E41BA19ED8D1}" type="slidenum">
+              <a:rPr lang="nl-NL" smtClean="0"/>
+              <a:t>17</a:t>
+            </a:fld>
+            <a:endParaRPr lang="nl-NL"/>
+          </a:p>
+        </p:txBody>
+      </p:sp>
+    </p:spTree>
+    <p:extLst>
+      <p:ext uri="{BB962C8B-B14F-4D97-AF65-F5344CB8AC3E}">
+        <p14:creationId xmlns:p14="http://schemas.microsoft.com/office/powerpoint/2010/main" val="521288225"/>
+      </p:ext>
+    </p:extLst>
+  </p:cSld>
+  <p:clrMapOvr>
+    <a:masterClrMapping/>
+  </p:clrMapOvr>
+</p:notes>
+</file>
+
+<file path=ppt/notesSlides/notesSlide18.xml><?xml version="1.0" encoding="utf-8"?>
+<p:notes xmlns:a="http://schemas.openxmlformats.org/drawingml/2006/main" xmlns:r="http://schemas.openxmlformats.org/officeDocument/2006/relationships" xmlns:p="http://schemas.openxmlformats.org/presentationml/2006/main">
+  <p:cSld>
+    <p:spTree>
+      <p:nvGrpSpPr>
+        <p:cNvPr id="1" name=""/>
+        <p:cNvGrpSpPr/>
+        <p:nvPr/>
+      </p:nvGrpSpPr>
+      <p:grpSpPr>
+        <a:xfrm>
+          <a:off x="0" y="0"/>
+          <a:ext cx="0" cy="0"/>
+          <a:chOff x="0" y="0"/>
+          <a:chExt cx="0" cy="0"/>
+        </a:xfrm>
+      </p:grpSpPr>
+      <p:sp>
+        <p:nvSpPr>
+          <p:cNvPr id="2" name="Tijdelijke aanduiding voor dia-afbeelding 1"/>
+          <p:cNvSpPr>
+            <a:spLocks noGrp="1" noRot="1" noChangeAspect="1"/>
+          </p:cNvSpPr>
+          <p:nvPr>
+            <p:ph type="sldImg"/>
+          </p:nvPr>
+        </p:nvSpPr>
+        <p:spPr/>
+      </p:sp>
+      <p:sp>
+        <p:nvSpPr>
+          <p:cNvPr id="3" name="Tijdelijke aanduiding voor notities 2"/>
+          <p:cNvSpPr>
+            <a:spLocks noGrp="1"/>
+          </p:cNvSpPr>
+          <p:nvPr>
+            <p:ph type="body" idx="1"/>
+          </p:nvPr>
+        </p:nvSpPr>
+        <p:spPr/>
+        <p:txBody>
+          <a:bodyPr/>
+          <a:lstStyle/>
+          <a:p>
+            <a:r>
+              <a:rPr lang="nl-NL" dirty="0" smtClean="0"/>
+              <a:t>WOUTER</a:t>
+            </a:r>
+            <a:endParaRPr lang="nl-NL" dirty="0"/>
+          </a:p>
+        </p:txBody>
+      </p:sp>
+      <p:sp>
+        <p:nvSpPr>
+          <p:cNvPr id="4" name="Tijdelijke aanduiding voor dianummer 3"/>
+          <p:cNvSpPr>
+            <a:spLocks noGrp="1"/>
+          </p:cNvSpPr>
+          <p:nvPr>
+            <p:ph type="sldNum" sz="quarter" idx="10"/>
+          </p:nvPr>
+        </p:nvSpPr>
+        <p:spPr/>
+        <p:txBody>
+          <a:bodyPr/>
+          <a:lstStyle/>
+          <a:p>
+            <a:fld id="{3BFC775C-88C3-4B53-B6D8-E41BA19ED8D1}" type="slidenum">
+              <a:rPr lang="nl-NL" smtClean="0"/>
+              <a:t>18</a:t>
+            </a:fld>
+            <a:endParaRPr lang="nl-NL"/>
+          </a:p>
+        </p:txBody>
+      </p:sp>
+    </p:spTree>
+    <p:extLst>
+      <p:ext uri="{BB962C8B-B14F-4D97-AF65-F5344CB8AC3E}">
+        <p14:creationId xmlns:p14="http://schemas.microsoft.com/office/powerpoint/2010/main" val="357321339"/>
       </p:ext>
     </p:extLst>
   </p:cSld>
@@ -697,31 +1411,27 @@
           <a:bodyPr/>
           <a:lstStyle/>
           <a:p>
-            <a:r>
-              <a:rPr lang="en-US" dirty="0"/>
-              <a:t>Wat </a:t>
-            </a:r>
-            <a:r>
-              <a:rPr lang="en-US" dirty="0" err="1"/>
-              <a:t>moet</a:t>
-            </a:r>
-            <a:r>
-              <a:rPr lang="en-US" dirty="0"/>
-              <a:t> het </a:t>
-            </a:r>
-            <a:r>
-              <a:rPr lang="en-US" dirty="0" err="1"/>
-              <a:t>syteem</a:t>
-            </a:r>
-            <a:r>
-              <a:rPr lang="en-US" dirty="0"/>
-              <a:t> </a:t>
-            </a:r>
-            <a:r>
-              <a:rPr lang="en-US" dirty="0" err="1"/>
-              <a:t>kunnen</a:t>
-            </a:r>
-            <a:endParaRPr lang="en-US" dirty="0"/>
+            <a:pPr marL="0" marR="0" indent="0" algn="l" defTabSz="914400" rtl="0" eaLnBrk="1" fontAlgn="auto" latinLnBrk="0" hangingPunct="1">
+              <a:lnSpc>
+                <a:spcPct val="100000"/>
+              </a:lnSpc>
+              <a:spcBef>
+                <a:spcPts val="0"/>
+              </a:spcBef>
+              <a:spcAft>
+                <a:spcPts val="0"/>
+              </a:spcAft>
+              <a:buClrTx/>
+              <a:buSzTx/>
+              <a:buFontTx/>
+              <a:buNone/>
+              <a:tabLst/>
+              <a:defRPr/>
+            </a:pPr>
+            <a:r>
+              <a:rPr lang="nl-NL" dirty="0" smtClean="0"/>
+              <a:t>WOUTER</a:t>
+            </a:r>
           </a:p>
           <a:p>
             <a:endParaRPr lang="nl-NL" dirty="0"/>
@@ -745,7 +1455,7 @@
           <a:p>
             <a:fld id="{3BFC775C-88C3-4B53-B6D8-E41BA19ED8D1}" type="slidenum">
               <a:rPr lang="nl-NL" smtClean="0"/>
-              <a:t>10</a:t>
+              <a:t>2</a:t>
             </a:fld>
             <a:endParaRPr lang="nl-NL"/>
           </a:p>
@@ -754,7 +1464,7 @@
     </p:spTree>
     <p:extLst>
       <p:ext uri="{BB962C8B-B14F-4D97-AF65-F5344CB8AC3E}">
-        <p14:creationId xmlns:p14="http://schemas.microsoft.com/office/powerpoint/2010/main" val="1150814733"/>
+        <p14:creationId xmlns:p14="http://schemas.microsoft.com/office/powerpoint/2010/main" val="1305390649"/>
       </p:ext>
     </p:extLst>
   </p:cSld>
@@ -809,67 +1519,8 @@
           <a:lstStyle/>
           <a:p>
             <a:r>
-              <a:rPr lang="en-US" dirty="0" err="1"/>
-              <a:t>Welke</a:t>
-            </a:r>
-            <a:r>
-              <a:rPr lang="en-US" dirty="0"/>
-              <a:t> </a:t>
-            </a:r>
-            <a:r>
-              <a:rPr lang="en-US" dirty="0" err="1"/>
-              <a:t>risico’s</a:t>
-            </a:r>
-            <a:r>
-              <a:rPr lang="en-US" dirty="0"/>
-              <a:t> </a:t>
-            </a:r>
-            <a:r>
-              <a:rPr lang="en-US" dirty="0" err="1"/>
-              <a:t>zijn</a:t>
-            </a:r>
-            <a:r>
-              <a:rPr lang="en-US" dirty="0"/>
-              <a:t> </a:t>
-            </a:r>
-            <a:r>
-              <a:rPr lang="en-US" dirty="0" err="1"/>
-              <a:t>er</a:t>
-            </a:r>
-            <a:endParaRPr lang="en-US" dirty="0"/>
-          </a:p>
-          <a:p>
-            <a:r>
-              <a:rPr lang="en-US" dirty="0"/>
-              <a:t>Wat </a:t>
-            </a:r>
-            <a:r>
-              <a:rPr lang="en-US" dirty="0" err="1"/>
-              <a:t>gaan</a:t>
-            </a:r>
-            <a:r>
-              <a:rPr lang="en-US" dirty="0"/>
-              <a:t> we </a:t>
-            </a:r>
-            <a:r>
-              <a:rPr lang="en-US" dirty="0" err="1"/>
-              <a:t>doen</a:t>
-            </a:r>
-            <a:r>
-              <a:rPr lang="en-US" baseline="0" dirty="0"/>
-              <a:t> </a:t>
-            </a:r>
-            <a:r>
-              <a:rPr lang="en-US" baseline="0" dirty="0" err="1"/>
-              <a:t>tegen</a:t>
-            </a:r>
-            <a:r>
-              <a:rPr lang="en-US" baseline="0" dirty="0"/>
-              <a:t> de </a:t>
-            </a:r>
-            <a:r>
-              <a:rPr lang="en-US" baseline="0" dirty="0" err="1"/>
-              <a:t>risico’s</a:t>
+              <a:rPr lang="nl-NL" dirty="0" smtClean="0"/>
+              <a:t>WOUTER</a:t>
             </a:r>
             <a:endParaRPr lang="nl-NL" dirty="0"/>
           </a:p>
@@ -892,7 +1543,7 @@
           <a:p>
             <a:fld id="{3BFC775C-88C3-4B53-B6D8-E41BA19ED8D1}" type="slidenum">
               <a:rPr lang="nl-NL" smtClean="0"/>
-              <a:t>12</a:t>
+              <a:t>3</a:t>
             </a:fld>
             <a:endParaRPr lang="nl-NL"/>
           </a:p>
@@ -901,7 +1552,535 @@
     </p:spTree>
     <p:extLst>
       <p:ext uri="{BB962C8B-B14F-4D97-AF65-F5344CB8AC3E}">
-        <p14:creationId xmlns:p14="http://schemas.microsoft.com/office/powerpoint/2010/main" val="3910357824"/>
+        <p14:creationId xmlns:p14="http://schemas.microsoft.com/office/powerpoint/2010/main" val="1007699991"/>
+      </p:ext>
+    </p:extLst>
+  </p:cSld>
+  <p:clrMapOvr>
+    <a:masterClrMapping/>
+  </p:clrMapOvr>
+</p:notes>
+</file>
+
+<file path=ppt/notesSlides/notesSlide4.xml><?xml version="1.0" encoding="utf-8"?>
+<p:notes xmlns:a="http://schemas.openxmlformats.org/drawingml/2006/main" xmlns:r="http://schemas.openxmlformats.org/officeDocument/2006/relationships" xmlns:p="http://schemas.openxmlformats.org/presentationml/2006/main">
+  <p:cSld>
+    <p:spTree>
+      <p:nvGrpSpPr>
+        <p:cNvPr id="1" name=""/>
+        <p:cNvGrpSpPr/>
+        <p:nvPr/>
+      </p:nvGrpSpPr>
+      <p:grpSpPr>
+        <a:xfrm>
+          <a:off x="0" y="0"/>
+          <a:ext cx="0" cy="0"/>
+          <a:chOff x="0" y="0"/>
+          <a:chExt cx="0" cy="0"/>
+        </a:xfrm>
+      </p:grpSpPr>
+      <p:sp>
+        <p:nvSpPr>
+          <p:cNvPr id="2" name="Tijdelijke aanduiding voor dia-afbeelding 1"/>
+          <p:cNvSpPr>
+            <a:spLocks noGrp="1" noRot="1" noChangeAspect="1"/>
+          </p:cNvSpPr>
+          <p:nvPr>
+            <p:ph type="sldImg"/>
+          </p:nvPr>
+        </p:nvSpPr>
+        <p:spPr/>
+      </p:sp>
+      <p:sp>
+        <p:nvSpPr>
+          <p:cNvPr id="3" name="Tijdelijke aanduiding voor notities 2"/>
+          <p:cNvSpPr>
+            <a:spLocks noGrp="1"/>
+          </p:cNvSpPr>
+          <p:nvPr>
+            <p:ph type="body" idx="1"/>
+          </p:nvPr>
+        </p:nvSpPr>
+        <p:spPr/>
+        <p:txBody>
+          <a:bodyPr/>
+          <a:lstStyle/>
+          <a:p>
+            <a:r>
+              <a:rPr lang="en-US" dirty="0" smtClean="0"/>
+              <a:t>WOUTER</a:t>
+            </a:r>
+            <a:endParaRPr lang="en-US" dirty="0"/>
+          </a:p>
+        </p:txBody>
+      </p:sp>
+      <p:sp>
+        <p:nvSpPr>
+          <p:cNvPr id="4" name="Tijdelijke aanduiding voor dianummer 3"/>
+          <p:cNvSpPr>
+            <a:spLocks noGrp="1"/>
+          </p:cNvSpPr>
+          <p:nvPr>
+            <p:ph type="sldNum" sz="quarter" idx="10"/>
+          </p:nvPr>
+        </p:nvSpPr>
+        <p:spPr/>
+        <p:txBody>
+          <a:bodyPr/>
+          <a:lstStyle/>
+          <a:p>
+            <a:fld id="{3BFC775C-88C3-4B53-B6D8-E41BA19ED8D1}" type="slidenum">
+              <a:rPr lang="nl-NL" smtClean="0"/>
+              <a:t>4</a:t>
+            </a:fld>
+            <a:endParaRPr lang="nl-NL"/>
+          </a:p>
+        </p:txBody>
+      </p:sp>
+    </p:spTree>
+    <p:extLst>
+      <p:ext uri="{BB962C8B-B14F-4D97-AF65-F5344CB8AC3E}">
+        <p14:creationId xmlns:p14="http://schemas.microsoft.com/office/powerpoint/2010/main" val="454457881"/>
+      </p:ext>
+    </p:extLst>
+  </p:cSld>
+  <p:clrMapOvr>
+    <a:masterClrMapping/>
+  </p:clrMapOvr>
+</p:notes>
+</file>
+
+<file path=ppt/notesSlides/notesSlide5.xml><?xml version="1.0" encoding="utf-8"?>
+<p:notes xmlns:a="http://schemas.openxmlformats.org/drawingml/2006/main" xmlns:r="http://schemas.openxmlformats.org/officeDocument/2006/relationships" xmlns:p="http://schemas.openxmlformats.org/presentationml/2006/main">
+  <p:cSld>
+    <p:spTree>
+      <p:nvGrpSpPr>
+        <p:cNvPr id="1" name=""/>
+        <p:cNvGrpSpPr/>
+        <p:nvPr/>
+      </p:nvGrpSpPr>
+      <p:grpSpPr>
+        <a:xfrm>
+          <a:off x="0" y="0"/>
+          <a:ext cx="0" cy="0"/>
+          <a:chOff x="0" y="0"/>
+          <a:chExt cx="0" cy="0"/>
+        </a:xfrm>
+      </p:grpSpPr>
+      <p:sp>
+        <p:nvSpPr>
+          <p:cNvPr id="2" name="Tijdelijke aanduiding voor dia-afbeelding 1"/>
+          <p:cNvSpPr>
+            <a:spLocks noGrp="1" noRot="1" noChangeAspect="1"/>
+          </p:cNvSpPr>
+          <p:nvPr>
+            <p:ph type="sldImg"/>
+          </p:nvPr>
+        </p:nvSpPr>
+        <p:spPr/>
+      </p:sp>
+      <p:sp>
+        <p:nvSpPr>
+          <p:cNvPr id="3" name="Tijdelijke aanduiding voor notities 2"/>
+          <p:cNvSpPr>
+            <a:spLocks noGrp="1"/>
+          </p:cNvSpPr>
+          <p:nvPr>
+            <p:ph type="body" idx="1"/>
+          </p:nvPr>
+        </p:nvSpPr>
+        <p:spPr/>
+        <p:txBody>
+          <a:bodyPr/>
+          <a:lstStyle/>
+          <a:p>
+            <a:r>
+              <a:rPr lang="nl-NL" dirty="0" smtClean="0"/>
+              <a:t>PIM</a:t>
+            </a:r>
+            <a:endParaRPr lang="nl-NL" dirty="0"/>
+          </a:p>
+        </p:txBody>
+      </p:sp>
+      <p:sp>
+        <p:nvSpPr>
+          <p:cNvPr id="4" name="Tijdelijke aanduiding voor dianummer 3"/>
+          <p:cNvSpPr>
+            <a:spLocks noGrp="1"/>
+          </p:cNvSpPr>
+          <p:nvPr>
+            <p:ph type="sldNum" sz="quarter" idx="10"/>
+          </p:nvPr>
+        </p:nvSpPr>
+        <p:spPr/>
+        <p:txBody>
+          <a:bodyPr/>
+          <a:lstStyle/>
+          <a:p>
+            <a:fld id="{3BFC775C-88C3-4B53-B6D8-E41BA19ED8D1}" type="slidenum">
+              <a:rPr lang="nl-NL" smtClean="0"/>
+              <a:t>5</a:t>
+            </a:fld>
+            <a:endParaRPr lang="nl-NL"/>
+          </a:p>
+        </p:txBody>
+      </p:sp>
+    </p:spTree>
+    <p:extLst>
+      <p:ext uri="{BB962C8B-B14F-4D97-AF65-F5344CB8AC3E}">
+        <p14:creationId xmlns:p14="http://schemas.microsoft.com/office/powerpoint/2010/main" val="860425982"/>
+      </p:ext>
+    </p:extLst>
+  </p:cSld>
+  <p:clrMapOvr>
+    <a:masterClrMapping/>
+  </p:clrMapOvr>
+</p:notes>
+</file>
+
+<file path=ppt/notesSlides/notesSlide6.xml><?xml version="1.0" encoding="utf-8"?>
+<p:notes xmlns:a="http://schemas.openxmlformats.org/drawingml/2006/main" xmlns:r="http://schemas.openxmlformats.org/officeDocument/2006/relationships" xmlns:p="http://schemas.openxmlformats.org/presentationml/2006/main">
+  <p:cSld>
+    <p:spTree>
+      <p:nvGrpSpPr>
+        <p:cNvPr id="1" name=""/>
+        <p:cNvGrpSpPr/>
+        <p:nvPr/>
+      </p:nvGrpSpPr>
+      <p:grpSpPr>
+        <a:xfrm>
+          <a:off x="0" y="0"/>
+          <a:ext cx="0" cy="0"/>
+          <a:chOff x="0" y="0"/>
+          <a:chExt cx="0" cy="0"/>
+        </a:xfrm>
+      </p:grpSpPr>
+      <p:sp>
+        <p:nvSpPr>
+          <p:cNvPr id="2" name="Tijdelijke aanduiding voor dia-afbeelding 1"/>
+          <p:cNvSpPr>
+            <a:spLocks noGrp="1" noRot="1" noChangeAspect="1"/>
+          </p:cNvSpPr>
+          <p:nvPr>
+            <p:ph type="sldImg"/>
+          </p:nvPr>
+        </p:nvSpPr>
+        <p:spPr/>
+      </p:sp>
+      <p:sp>
+        <p:nvSpPr>
+          <p:cNvPr id="3" name="Tijdelijke aanduiding voor notities 2"/>
+          <p:cNvSpPr>
+            <a:spLocks noGrp="1"/>
+          </p:cNvSpPr>
+          <p:nvPr>
+            <p:ph type="body" idx="1"/>
+          </p:nvPr>
+        </p:nvSpPr>
+        <p:spPr/>
+        <p:txBody>
+          <a:bodyPr/>
+          <a:lstStyle/>
+          <a:p>
+            <a:r>
+              <a:rPr lang="nl-NL" dirty="0" smtClean="0"/>
+              <a:t>PIM</a:t>
+            </a:r>
+            <a:endParaRPr lang="nl-NL" dirty="0"/>
+          </a:p>
+        </p:txBody>
+      </p:sp>
+      <p:sp>
+        <p:nvSpPr>
+          <p:cNvPr id="4" name="Tijdelijke aanduiding voor dianummer 3"/>
+          <p:cNvSpPr>
+            <a:spLocks noGrp="1"/>
+          </p:cNvSpPr>
+          <p:nvPr>
+            <p:ph type="sldNum" sz="quarter" idx="10"/>
+          </p:nvPr>
+        </p:nvSpPr>
+        <p:spPr/>
+        <p:txBody>
+          <a:bodyPr/>
+          <a:lstStyle/>
+          <a:p>
+            <a:fld id="{3BFC775C-88C3-4B53-B6D8-E41BA19ED8D1}" type="slidenum">
+              <a:rPr lang="nl-NL" smtClean="0"/>
+              <a:t>6</a:t>
+            </a:fld>
+            <a:endParaRPr lang="nl-NL"/>
+          </a:p>
+        </p:txBody>
+      </p:sp>
+    </p:spTree>
+    <p:extLst>
+      <p:ext uri="{BB962C8B-B14F-4D97-AF65-F5344CB8AC3E}">
+        <p14:creationId xmlns:p14="http://schemas.microsoft.com/office/powerpoint/2010/main" val="1409984716"/>
+      </p:ext>
+    </p:extLst>
+  </p:cSld>
+  <p:clrMapOvr>
+    <a:masterClrMapping/>
+  </p:clrMapOvr>
+</p:notes>
+</file>
+
+<file path=ppt/notesSlides/notesSlide7.xml><?xml version="1.0" encoding="utf-8"?>
+<p:notes xmlns:a="http://schemas.openxmlformats.org/drawingml/2006/main" xmlns:r="http://schemas.openxmlformats.org/officeDocument/2006/relationships" xmlns:p="http://schemas.openxmlformats.org/presentationml/2006/main">
+  <p:cSld>
+    <p:spTree>
+      <p:nvGrpSpPr>
+        <p:cNvPr id="1" name=""/>
+        <p:cNvGrpSpPr/>
+        <p:nvPr/>
+      </p:nvGrpSpPr>
+      <p:grpSpPr>
+        <a:xfrm>
+          <a:off x="0" y="0"/>
+          <a:ext cx="0" cy="0"/>
+          <a:chOff x="0" y="0"/>
+          <a:chExt cx="0" cy="0"/>
+        </a:xfrm>
+      </p:grpSpPr>
+      <p:sp>
+        <p:nvSpPr>
+          <p:cNvPr id="2" name="Tijdelijke aanduiding voor dia-afbeelding 1"/>
+          <p:cNvSpPr>
+            <a:spLocks noGrp="1" noRot="1" noChangeAspect="1"/>
+          </p:cNvSpPr>
+          <p:nvPr>
+            <p:ph type="sldImg"/>
+          </p:nvPr>
+        </p:nvSpPr>
+        <p:spPr/>
+      </p:sp>
+      <p:sp>
+        <p:nvSpPr>
+          <p:cNvPr id="3" name="Tijdelijke aanduiding voor notities 2"/>
+          <p:cNvSpPr>
+            <a:spLocks noGrp="1"/>
+          </p:cNvSpPr>
+          <p:nvPr>
+            <p:ph type="body" idx="1"/>
+          </p:nvPr>
+        </p:nvSpPr>
+        <p:spPr/>
+        <p:txBody>
+          <a:bodyPr/>
+          <a:lstStyle/>
+          <a:p>
+            <a:r>
+              <a:rPr lang="nl-NL" dirty="0" smtClean="0"/>
+              <a:t>PIM</a:t>
+            </a:r>
+            <a:endParaRPr lang="nl-NL" dirty="0"/>
+          </a:p>
+        </p:txBody>
+      </p:sp>
+      <p:sp>
+        <p:nvSpPr>
+          <p:cNvPr id="4" name="Tijdelijke aanduiding voor dianummer 3"/>
+          <p:cNvSpPr>
+            <a:spLocks noGrp="1"/>
+          </p:cNvSpPr>
+          <p:nvPr>
+            <p:ph type="sldNum" sz="quarter" idx="10"/>
+          </p:nvPr>
+        </p:nvSpPr>
+        <p:spPr/>
+        <p:txBody>
+          <a:bodyPr/>
+          <a:lstStyle/>
+          <a:p>
+            <a:fld id="{3BFC775C-88C3-4B53-B6D8-E41BA19ED8D1}" type="slidenum">
+              <a:rPr lang="nl-NL" smtClean="0"/>
+              <a:t>7</a:t>
+            </a:fld>
+            <a:endParaRPr lang="nl-NL"/>
+          </a:p>
+        </p:txBody>
+      </p:sp>
+    </p:spTree>
+    <p:extLst>
+      <p:ext uri="{BB962C8B-B14F-4D97-AF65-F5344CB8AC3E}">
+        <p14:creationId xmlns:p14="http://schemas.microsoft.com/office/powerpoint/2010/main" val="34353523"/>
+      </p:ext>
+    </p:extLst>
+  </p:cSld>
+  <p:clrMapOvr>
+    <a:masterClrMapping/>
+  </p:clrMapOvr>
+</p:notes>
+</file>
+
+<file path=ppt/notesSlides/notesSlide8.xml><?xml version="1.0" encoding="utf-8"?>
+<p:notes xmlns:a="http://schemas.openxmlformats.org/drawingml/2006/main" xmlns:r="http://schemas.openxmlformats.org/officeDocument/2006/relationships" xmlns:p="http://schemas.openxmlformats.org/presentationml/2006/main">
+  <p:cSld>
+    <p:spTree>
+      <p:nvGrpSpPr>
+        <p:cNvPr id="1" name=""/>
+        <p:cNvGrpSpPr/>
+        <p:nvPr/>
+      </p:nvGrpSpPr>
+      <p:grpSpPr>
+        <a:xfrm>
+          <a:off x="0" y="0"/>
+          <a:ext cx="0" cy="0"/>
+          <a:chOff x="0" y="0"/>
+          <a:chExt cx="0" cy="0"/>
+        </a:xfrm>
+      </p:grpSpPr>
+      <p:sp>
+        <p:nvSpPr>
+          <p:cNvPr id="2" name="Tijdelijke aanduiding voor dia-afbeelding 1"/>
+          <p:cNvSpPr>
+            <a:spLocks noGrp="1" noRot="1" noChangeAspect="1"/>
+          </p:cNvSpPr>
+          <p:nvPr>
+            <p:ph type="sldImg"/>
+          </p:nvPr>
+        </p:nvSpPr>
+        <p:spPr/>
+      </p:sp>
+      <p:sp>
+        <p:nvSpPr>
+          <p:cNvPr id="3" name="Tijdelijke aanduiding voor notities 2"/>
+          <p:cNvSpPr>
+            <a:spLocks noGrp="1"/>
+          </p:cNvSpPr>
+          <p:nvPr>
+            <p:ph type="body" idx="1"/>
+          </p:nvPr>
+        </p:nvSpPr>
+        <p:spPr/>
+        <p:txBody>
+          <a:bodyPr/>
+          <a:lstStyle/>
+          <a:p>
+            <a:r>
+              <a:rPr lang="nl-NL" dirty="0" smtClean="0"/>
+              <a:t>PIM</a:t>
+            </a:r>
+            <a:endParaRPr lang="nl-NL" dirty="0"/>
+          </a:p>
+        </p:txBody>
+      </p:sp>
+      <p:sp>
+        <p:nvSpPr>
+          <p:cNvPr id="4" name="Tijdelijke aanduiding voor dianummer 3"/>
+          <p:cNvSpPr>
+            <a:spLocks noGrp="1"/>
+          </p:cNvSpPr>
+          <p:nvPr>
+            <p:ph type="sldNum" sz="quarter" idx="10"/>
+          </p:nvPr>
+        </p:nvSpPr>
+        <p:spPr/>
+        <p:txBody>
+          <a:bodyPr/>
+          <a:lstStyle/>
+          <a:p>
+            <a:fld id="{3BFC775C-88C3-4B53-B6D8-E41BA19ED8D1}" type="slidenum">
+              <a:rPr lang="nl-NL" smtClean="0"/>
+              <a:t>8</a:t>
+            </a:fld>
+            <a:endParaRPr lang="nl-NL"/>
+          </a:p>
+        </p:txBody>
+      </p:sp>
+    </p:spTree>
+    <p:extLst>
+      <p:ext uri="{BB962C8B-B14F-4D97-AF65-F5344CB8AC3E}">
+        <p14:creationId xmlns:p14="http://schemas.microsoft.com/office/powerpoint/2010/main" val="1838214325"/>
+      </p:ext>
+    </p:extLst>
+  </p:cSld>
+  <p:clrMapOvr>
+    <a:masterClrMapping/>
+  </p:clrMapOvr>
+</p:notes>
+</file>
+
+<file path=ppt/notesSlides/notesSlide9.xml><?xml version="1.0" encoding="utf-8"?>
+<p:notes xmlns:a="http://schemas.openxmlformats.org/drawingml/2006/main" xmlns:r="http://schemas.openxmlformats.org/officeDocument/2006/relationships" xmlns:p="http://schemas.openxmlformats.org/presentationml/2006/main">
+  <p:cSld>
+    <p:spTree>
+      <p:nvGrpSpPr>
+        <p:cNvPr id="1" name=""/>
+        <p:cNvGrpSpPr/>
+        <p:nvPr/>
+      </p:nvGrpSpPr>
+      <p:grpSpPr>
+        <a:xfrm>
+          <a:off x="0" y="0"/>
+          <a:ext cx="0" cy="0"/>
+          <a:chOff x="0" y="0"/>
+          <a:chExt cx="0" cy="0"/>
+        </a:xfrm>
+      </p:grpSpPr>
+      <p:sp>
+        <p:nvSpPr>
+          <p:cNvPr id="2" name="Tijdelijke aanduiding voor dia-afbeelding 1"/>
+          <p:cNvSpPr>
+            <a:spLocks noGrp="1" noRot="1" noChangeAspect="1"/>
+          </p:cNvSpPr>
+          <p:nvPr>
+            <p:ph type="sldImg"/>
+          </p:nvPr>
+        </p:nvSpPr>
+        <p:spPr/>
+      </p:sp>
+      <p:sp>
+        <p:nvSpPr>
+          <p:cNvPr id="3" name="Tijdelijke aanduiding voor notities 2"/>
+          <p:cNvSpPr>
+            <a:spLocks noGrp="1"/>
+          </p:cNvSpPr>
+          <p:nvPr>
+            <p:ph type="body" idx="1"/>
+          </p:nvPr>
+        </p:nvSpPr>
+        <p:spPr/>
+        <p:txBody>
+          <a:bodyPr/>
+          <a:lstStyle/>
+          <a:p>
+            <a:r>
+              <a:rPr lang="nl-NL" dirty="0" smtClean="0"/>
+              <a:t>MAARTEN</a:t>
+            </a:r>
+            <a:endParaRPr lang="nl-NL" dirty="0"/>
+          </a:p>
+        </p:txBody>
+      </p:sp>
+      <p:sp>
+        <p:nvSpPr>
+          <p:cNvPr id="4" name="Tijdelijke aanduiding voor dianummer 3"/>
+          <p:cNvSpPr>
+            <a:spLocks noGrp="1"/>
+          </p:cNvSpPr>
+          <p:nvPr>
+            <p:ph type="sldNum" sz="quarter" idx="10"/>
+          </p:nvPr>
+        </p:nvSpPr>
+        <p:spPr/>
+        <p:txBody>
+          <a:bodyPr/>
+          <a:lstStyle/>
+          <a:p>
+            <a:fld id="{3BFC775C-88C3-4B53-B6D8-E41BA19ED8D1}" type="slidenum">
+              <a:rPr lang="nl-NL" smtClean="0"/>
+              <a:t>9</a:t>
+            </a:fld>
+            <a:endParaRPr lang="nl-NL"/>
+          </a:p>
+        </p:txBody>
+      </p:sp>
+    </p:spTree>
+    <p:extLst>
+      <p:ext uri="{BB962C8B-B14F-4D97-AF65-F5344CB8AC3E}">
+        <p14:creationId xmlns:p14="http://schemas.microsoft.com/office/powerpoint/2010/main" val="1427699276"/>
       </p:ext>
     </p:extLst>
   </p:cSld>
@@ -3699,6 +4878,14 @@
 <file path=ppt/slides/slide1.xml><?xml version="1.0" encoding="utf-8"?>
 <p:sld xmlns:a="http://schemas.openxmlformats.org/drawingml/2006/main" xmlns:r="http://schemas.openxmlformats.org/officeDocument/2006/relationships" xmlns:p="http://schemas.openxmlformats.org/presentationml/2006/main">
   <p:cSld>
+    <p:bg>
+      <p:bgPr>
+        <a:solidFill>
+          <a:schemeClr val="lt1"/>
+        </a:solidFill>
+        <a:effectLst/>
+      </p:bgPr>
+    </p:bg>
     <p:spTree>
       <p:nvGrpSpPr>
         <p:cNvPr id="1" name=""/>
@@ -4644,9 +5831,7 @@
     <p:bg>
       <p:bgPr>
         <a:solidFill>
-          <a:schemeClr val="tx1">
-            <a:lumMod val="50000"/>
-            <a:lumOff val="50000"/>
+          <a:schemeClr val="tx2">
             <a:alpha val="50000"/>
           </a:schemeClr>
         </a:solidFill>
@@ -4676,7 +5861,7 @@
           <p:nvPr/>
         </p:nvPicPr>
         <p:blipFill rotWithShape="1">
-          <a:blip r:embed="rId2">
+          <a:blip r:embed="rId3">
             <a:alphaModFix amt="30000"/>
             <a:extLst>
               <a:ext uri="{28A0092B-C50C-407E-A947-70E740481C1C}">
@@ -4689,7 +5874,7 @@
         </p:blipFill>
         <p:spPr>
           <a:xfrm>
-            <a:off x="-5768" y="0"/>
+            <a:off x="-5767" y="0"/>
             <a:ext cx="12197767" cy="6858000"/>
           </a:xfrm>
           <a:prstGeom prst="rect">
@@ -4738,7 +5923,7 @@
                 <a:cs typeface="Lato"/>
                 <a:sym typeface="Lato"/>
               </a:rPr>
-              <a:t>Taakverdeling</a:t>
+              <a:t>Risico’s</a:t>
             </a:r>
             <a:endParaRPr lang="nl" sz="4800" dirty="0">
               <a:solidFill>
@@ -4755,7 +5940,7 @@
     </p:spTree>
     <p:extLst>
       <p:ext uri="{BB962C8B-B14F-4D97-AF65-F5344CB8AC3E}">
-        <p14:creationId xmlns:p14="http://schemas.microsoft.com/office/powerpoint/2010/main" val="620031709"/>
+        <p14:creationId xmlns:p14="http://schemas.microsoft.com/office/powerpoint/2010/main" val="1754629294"/>
       </p:ext>
     </p:extLst>
   </p:cSld>
@@ -5004,9 +6189,137 @@
           </a:p>
         </p:txBody>
       </p:sp>
+      <p:sp>
+        <p:nvSpPr>
+          <p:cNvPr id="2" name="Titel 1"/>
+          <p:cNvSpPr>
+            <a:spLocks noGrp="1"/>
+          </p:cNvSpPr>
+          <p:nvPr>
+            <p:ph type="title"/>
+          </p:nvPr>
+        </p:nvSpPr>
+        <p:spPr>
+          <a:xfrm>
+            <a:off x="838200" y="365125"/>
+            <a:ext cx="10515600" cy="1325563"/>
+          </a:xfrm>
+        </p:spPr>
+        <p:txBody>
+          <a:bodyPr>
+            <a:normAutofit/>
+          </a:bodyPr>
+          <a:lstStyle/>
+          <a:p>
+            <a:r>
+              <a:rPr lang="nl-NL" dirty="0" smtClean="0"/>
+              <a:t>Risico’s</a:t>
+            </a:r>
+            <a:endParaRPr lang="nl-NL" dirty="0"/>
+          </a:p>
+        </p:txBody>
+      </p:sp>
+      <p:sp>
+        <p:nvSpPr>
+          <p:cNvPr id="3" name="Tijdelijke aanduiding voor inhoud 2"/>
+          <p:cNvSpPr>
+            <a:spLocks noGrp="1"/>
+          </p:cNvSpPr>
+          <p:nvPr>
+            <p:ph idx="1"/>
+          </p:nvPr>
+        </p:nvSpPr>
+        <p:spPr>
+          <a:xfrm>
+            <a:off x="838200" y="2012865"/>
+            <a:ext cx="4317322" cy="4164098"/>
+          </a:xfrm>
+        </p:spPr>
+        <p:txBody>
+          <a:bodyPr anchor="ctr">
+            <a:normAutofit/>
+          </a:bodyPr>
+          <a:lstStyle/>
+          <a:p>
+            <a:r>
+              <a:rPr lang="en-US" sz="2000" dirty="0" smtClean="0">
+                <a:solidFill>
+                  <a:schemeClr val="bg1"/>
+                </a:solidFill>
+              </a:rPr>
+              <a:t>De </a:t>
+            </a:r>
+            <a:r>
+              <a:rPr lang="en-US" sz="2000" dirty="0" err="1" smtClean="0">
+                <a:solidFill>
+                  <a:schemeClr val="bg1"/>
+                </a:solidFill>
+              </a:rPr>
+              <a:t>mogelijke</a:t>
+            </a:r>
+            <a:r>
+              <a:rPr lang="en-US" sz="2000" dirty="0" smtClean="0">
+                <a:solidFill>
+                  <a:schemeClr val="bg1"/>
+                </a:solidFill>
+              </a:rPr>
+              <a:t> </a:t>
+            </a:r>
+            <a:r>
+              <a:rPr lang="en-US" sz="2000" dirty="0" err="1" smtClean="0">
+                <a:solidFill>
+                  <a:schemeClr val="bg1"/>
+                </a:solidFill>
+              </a:rPr>
+              <a:t>risico’s</a:t>
+            </a:r>
+            <a:endParaRPr lang="en-US" sz="2000" dirty="0" smtClean="0">
+              <a:solidFill>
+                <a:schemeClr val="bg1"/>
+              </a:solidFill>
+            </a:endParaRPr>
+          </a:p>
+          <a:p>
+            <a:endParaRPr lang="en-US" sz="2000" dirty="0">
+              <a:solidFill>
+                <a:schemeClr val="bg1"/>
+              </a:solidFill>
+            </a:endParaRPr>
+          </a:p>
+          <a:p>
+            <a:r>
+              <a:rPr lang="en-US" sz="2000" dirty="0" err="1" smtClean="0">
+                <a:solidFill>
+                  <a:schemeClr val="bg1"/>
+                </a:solidFill>
+              </a:rPr>
+              <a:t>Maatregelen</a:t>
+            </a:r>
+            <a:endParaRPr lang="en-US" sz="2000" dirty="0" smtClean="0">
+              <a:solidFill>
+                <a:schemeClr val="bg1"/>
+              </a:solidFill>
+            </a:endParaRPr>
+          </a:p>
+          <a:p>
+            <a:endParaRPr lang="en-US" sz="2000" dirty="0">
+              <a:solidFill>
+                <a:schemeClr val="bg1"/>
+              </a:solidFill>
+            </a:endParaRPr>
+          </a:p>
+          <a:p>
+            <a:endParaRPr lang="nl-NL" sz="2000" dirty="0">
+              <a:solidFill>
+                <a:schemeClr val="bg1"/>
+              </a:solidFill>
+            </a:endParaRPr>
+          </a:p>
+        </p:txBody>
+      </p:sp>
       <p:pic>
         <p:nvPicPr>
-          <p:cNvPr id="4" name="Afbeelding 3"/>
+          <p:cNvPr id="5" name="Afbeelding 4"/>
           <p:cNvPicPr>
             <a:picLocks noChangeAspect="1"/>
           </p:cNvPicPr>
@@ -5026,216 +6339,18 @@
         </p:blipFill>
         <p:spPr>
           <a:xfrm>
-            <a:off x="7639096" y="2012865"/>
-            <a:ext cx="4145834" cy="4164098"/>
+            <a:off x="7699494" y="2189914"/>
+            <a:ext cx="3810000" cy="3810000"/>
           </a:xfrm>
-          <a:custGeom>
+          <a:prstGeom prst="rect">
             <a:avLst/>
-            <a:gdLst>
-              <a:gd name="connsiteX0" fmla="*/ 0 w 4636009"/>
-              <a:gd name="connsiteY0" fmla="*/ 0 h 5032375"/>
-              <a:gd name="connsiteX1" fmla="*/ 4636009 w 4636009"/>
-              <a:gd name="connsiteY1" fmla="*/ 0 h 5032375"/>
-              <a:gd name="connsiteX2" fmla="*/ 4636009 w 4636009"/>
-              <a:gd name="connsiteY2" fmla="*/ 5032375 h 5032375"/>
-              <a:gd name="connsiteX3" fmla="*/ 0 w 4636009"/>
-              <a:gd name="connsiteY3" fmla="*/ 5032375 h 5032375"/>
-            </a:gdLst>
-            <a:ahLst/>
-            <a:cxnLst>
-              <a:cxn ang="0">
-                <a:pos x="connsiteX0" y="connsiteY0"/>
-              </a:cxn>
-              <a:cxn ang="0">
-                <a:pos x="connsiteX1" y="connsiteY1"/>
-              </a:cxn>
-              <a:cxn ang="0">
-                <a:pos x="connsiteX2" y="connsiteY2"/>
-              </a:cxn>
-              <a:cxn ang="0">
-                <a:pos x="connsiteX3" y="connsiteY3"/>
-              </a:cxn>
-            </a:cxnLst>
-            <a:rect l="l" t="t" r="r" b="b"/>
-            <a:pathLst>
-              <a:path w="4636009" h="5032375">
-                <a:moveTo>
-                  <a:pt x="0" y="0"/>
-                </a:moveTo>
-                <a:lnTo>
-                  <a:pt x="4636009" y="0"/>
-                </a:lnTo>
-                <a:lnTo>
-                  <a:pt x="4636009" y="5032375"/>
-                </a:lnTo>
-                <a:lnTo>
-                  <a:pt x="0" y="5032375"/>
-                </a:lnTo>
-                <a:close/>
-              </a:path>
-            </a:pathLst>
-          </a:custGeom>
+          </a:prstGeom>
         </p:spPr>
       </p:pic>
-      <p:sp>
-        <p:nvSpPr>
-          <p:cNvPr id="2" name="Titel 1"/>
-          <p:cNvSpPr>
-            <a:spLocks noGrp="1"/>
-          </p:cNvSpPr>
-          <p:nvPr>
-            <p:ph type="title"/>
-          </p:nvPr>
-        </p:nvSpPr>
-        <p:spPr>
-          <a:xfrm>
-            <a:off x="838200" y="365125"/>
-            <a:ext cx="10515600" cy="1325563"/>
-          </a:xfrm>
-        </p:spPr>
-        <p:txBody>
-          <a:bodyPr>
-            <a:normAutofit/>
-          </a:bodyPr>
-          <a:lstStyle/>
-          <a:p>
-            <a:pPr>
-              <a:lnSpc>
-                <a:spcPct val="70000"/>
-              </a:lnSpc>
-            </a:pPr>
-            <a:r>
-              <a:rPr lang="nl-NL" sz="3700" dirty="0"/>
-              <a:t>Technische Informatica </a:t>
-            </a:r>
-            <a:br>
-              <a:rPr lang="nl-NL" sz="3700" dirty="0"/>
-            </a:br>
-            <a:r>
-              <a:rPr lang="nl-NL" sz="3700" dirty="0"/>
-              <a:t/>
-            </a:r>
-            <a:br>
-              <a:rPr lang="nl-NL" sz="3700" dirty="0"/>
-            </a:br>
-            <a:endParaRPr lang="nl-NL" sz="3700" dirty="0"/>
-          </a:p>
-        </p:txBody>
-      </p:sp>
-      <p:sp>
-        <p:nvSpPr>
-          <p:cNvPr id="3" name="Tijdelijke aanduiding voor inhoud 2"/>
-          <p:cNvSpPr>
-            <a:spLocks noGrp="1"/>
-          </p:cNvSpPr>
-          <p:nvPr>
-            <p:ph idx="1"/>
-          </p:nvPr>
-        </p:nvSpPr>
-        <p:spPr>
-          <a:xfrm>
-            <a:off x="838200" y="2012865"/>
-            <a:ext cx="4317322" cy="4164098"/>
-          </a:xfrm>
-        </p:spPr>
-        <p:txBody>
-          <a:bodyPr anchor="ctr">
-            <a:normAutofit/>
-          </a:bodyPr>
-          <a:lstStyle/>
-          <a:p>
-            <a:r>
-              <a:rPr lang="en-US" sz="2000" dirty="0" err="1">
-                <a:solidFill>
-                  <a:schemeClr val="bg1"/>
-                </a:solidFill>
-              </a:rPr>
-              <a:t>Leden</a:t>
-            </a:r>
-            <a:r>
-              <a:rPr lang="en-US" sz="2000" dirty="0">
-                <a:solidFill>
-                  <a:schemeClr val="bg1"/>
-                </a:solidFill>
-              </a:rPr>
-              <a:t>:</a:t>
-            </a:r>
-          </a:p>
-          <a:p>
-            <a:pPr lvl="1"/>
-            <a:r>
-              <a:rPr lang="en-US" sz="2000" dirty="0">
-                <a:solidFill>
-                  <a:schemeClr val="bg1"/>
-                </a:solidFill>
-              </a:rPr>
-              <a:t>Maarten van </a:t>
-            </a:r>
-            <a:r>
-              <a:rPr lang="en-US" sz="2000" dirty="0" err="1" smtClean="0">
-                <a:solidFill>
-                  <a:schemeClr val="bg1"/>
-                </a:solidFill>
-              </a:rPr>
-              <a:t>Dijk</a:t>
-            </a:r>
-            <a:endParaRPr lang="en-US" sz="2000" dirty="0" smtClean="0">
-              <a:solidFill>
-                <a:schemeClr val="bg1"/>
-              </a:solidFill>
-            </a:endParaRPr>
-          </a:p>
-          <a:p>
-            <a:pPr lvl="1"/>
-            <a:endParaRPr lang="en-US" sz="2000" dirty="0">
-              <a:solidFill>
-                <a:schemeClr val="bg1"/>
-              </a:solidFill>
-            </a:endParaRPr>
-          </a:p>
-          <a:p>
-            <a:r>
-              <a:rPr lang="en-US" sz="2000" dirty="0" err="1">
-                <a:solidFill>
-                  <a:schemeClr val="bg1"/>
-                </a:solidFill>
-              </a:rPr>
-              <a:t>Verantwoordelijkheden</a:t>
-            </a:r>
-            <a:endParaRPr lang="nl-NL" sz="2000" dirty="0">
-              <a:solidFill>
-                <a:schemeClr val="bg1"/>
-              </a:solidFill>
-            </a:endParaRPr>
-          </a:p>
-          <a:p>
-            <a:pPr lvl="1"/>
-            <a:r>
-              <a:rPr lang="nl-NL" sz="2000" dirty="0">
-                <a:solidFill>
-                  <a:schemeClr val="bg1"/>
-                </a:solidFill>
-              </a:rPr>
-              <a:t>Hardware infrastructuur realiseren</a:t>
-            </a:r>
-          </a:p>
-          <a:p>
-            <a:pPr lvl="1"/>
-            <a:r>
-              <a:rPr lang="nl-NL" sz="2000" dirty="0">
-                <a:solidFill>
-                  <a:schemeClr val="bg1"/>
-                </a:solidFill>
-              </a:rPr>
-              <a:t>Software met hardware koppelen</a:t>
-            </a:r>
-          </a:p>
-        </p:txBody>
-      </p:sp>
     </p:spTree>
     <p:extLst>
       <p:ext uri="{BB962C8B-B14F-4D97-AF65-F5344CB8AC3E}">
-        <p14:creationId xmlns:p14="http://schemas.microsoft.com/office/powerpoint/2010/main" val="1419179362"/>
+        <p14:creationId xmlns:p14="http://schemas.microsoft.com/office/powerpoint/2010/main" val="738659974"/>
       </p:ext>
     </p:extLst>
   </p:cSld>
@@ -5253,6 +6368,138 @@
 </file>
 
 <file path=ppt/slides/slide13.xml><?xml version="1.0" encoding="utf-8"?>
+<p:sld xmlns:a="http://schemas.openxmlformats.org/drawingml/2006/main" xmlns:r="http://schemas.openxmlformats.org/officeDocument/2006/relationships" xmlns:p="http://schemas.openxmlformats.org/presentationml/2006/main">
+  <p:cSld>
+    <p:bg>
+      <p:bgPr>
+        <a:solidFill>
+          <a:schemeClr val="tx2">
+            <a:alpha val="50000"/>
+          </a:schemeClr>
+        </a:solidFill>
+        <a:effectLst/>
+      </p:bgPr>
+    </p:bg>
+    <p:spTree>
+      <p:nvGrpSpPr>
+        <p:cNvPr id="1" name=""/>
+        <p:cNvGrpSpPr/>
+        <p:nvPr/>
+      </p:nvGrpSpPr>
+      <p:grpSpPr>
+        <a:xfrm>
+          <a:off x="0" y="0"/>
+          <a:ext cx="0" cy="0"/>
+          <a:chOff x="0" y="0"/>
+          <a:chExt cx="0" cy="0"/>
+        </a:xfrm>
+      </p:grpSpPr>
+      <p:pic>
+        <p:nvPicPr>
+          <p:cNvPr id="4" name="Afbeelding 3"/>
+          <p:cNvPicPr>
+            <a:picLocks noChangeAspect="1"/>
+          </p:cNvPicPr>
+          <p:nvPr/>
+        </p:nvPicPr>
+        <p:blipFill rotWithShape="1">
+          <a:blip r:embed="rId3">
+            <a:alphaModFix amt="30000"/>
+            <a:extLst>
+              <a:ext uri="{28A0092B-C50C-407E-A947-70E740481C1C}">
+                <a14:useLocalDpi xmlns:a14="http://schemas.microsoft.com/office/drawing/2010/main" val="0"/>
+              </a:ext>
+            </a:extLst>
+          </a:blip>
+          <a:srcRect t="5366" r="1" b="11567"/>
+          <a:stretch/>
+        </p:blipFill>
+        <p:spPr>
+          <a:xfrm>
+            <a:off x="-5768" y="0"/>
+            <a:ext cx="12197767" cy="6858000"/>
+          </a:xfrm>
+          <a:prstGeom prst="rect">
+            <a:avLst/>
+          </a:prstGeom>
+        </p:spPr>
+      </p:pic>
+      <p:sp>
+        <p:nvSpPr>
+          <p:cNvPr id="5" name="Shape 89"/>
+          <p:cNvSpPr txBox="1">
+            <a:spLocks noGrp="1"/>
+          </p:cNvSpPr>
+          <p:nvPr>
+            <p:ph type="title"/>
+          </p:nvPr>
+        </p:nvSpPr>
+        <p:spPr>
+          <a:xfrm>
+            <a:off x="3619016" y="3036300"/>
+            <a:ext cx="4948200" cy="785400"/>
+          </a:xfrm>
+          <a:prstGeom prst="rect">
+            <a:avLst/>
+          </a:prstGeom>
+        </p:spPr>
+        <p:txBody>
+          <a:bodyPr lIns="91425" tIns="91425" rIns="91425" bIns="91425" anchor="t" anchorCtr="0">
+            <a:noAutofit/>
+          </a:bodyPr>
+          <a:lstStyle/>
+          <a:p>
+            <a:pPr lvl="0" algn="ctr" rtl="0">
+              <a:spcBef>
+                <a:spcPts val="0"/>
+              </a:spcBef>
+              <a:buNone/>
+            </a:pPr>
+            <a:r>
+              <a:rPr lang="nl-NL" sz="4800" dirty="0" smtClean="0">
+                <a:solidFill>
+                  <a:srgbClr val="FFFFFF"/>
+                </a:solidFill>
+                <a:latin typeface="Lato"/>
+                <a:ea typeface="Lato"/>
+                <a:cs typeface="Lato"/>
+                <a:sym typeface="Lato"/>
+              </a:rPr>
+              <a:t>Taakverdeling</a:t>
+            </a:r>
+            <a:endParaRPr lang="nl" sz="4800" dirty="0">
+              <a:solidFill>
+                <a:srgbClr val="FFFFFF"/>
+              </a:solidFill>
+              <a:latin typeface="Lato"/>
+              <a:ea typeface="Lato"/>
+              <a:cs typeface="Lato"/>
+              <a:sym typeface="Lato"/>
+            </a:endParaRPr>
+          </a:p>
+        </p:txBody>
+      </p:sp>
+    </p:spTree>
+    <p:extLst>
+      <p:ext uri="{BB962C8B-B14F-4D97-AF65-F5344CB8AC3E}">
+        <p14:creationId xmlns:p14="http://schemas.microsoft.com/office/powerpoint/2010/main" val="620031709"/>
+      </p:ext>
+    </p:extLst>
+  </p:cSld>
+  <p:clrMapOvr>
+    <a:masterClrMapping/>
+  </p:clrMapOvr>
+  <p:timing>
+    <p:tnLst>
+      <p:par>
+        <p:cTn id="1" dur="indefinite" restart="never" nodeType="tmRoot"/>
+      </p:par>
+    </p:tnLst>
+  </p:timing>
+</p:sld>
+</file>
+
+<file path=ppt/slides/slide14.xml><?xml version="1.0" encoding="utf-8"?>
 <p:sld xmlns:a="http://schemas.openxmlformats.org/drawingml/2006/main" xmlns:r="http://schemas.openxmlformats.org/officeDocument/2006/relationships" xmlns:p="http://schemas.openxmlformats.org/presentationml/2006/main">
   <p:cSld>
     <p:spTree>
@@ -5493,7 +6740,7 @@
           <p:nvPr/>
         </p:nvPicPr>
         <p:blipFill>
-          <a:blip r:embed="rId2">
+          <a:blip r:embed="rId3">
             <a:extLst>
               <a:ext uri="{28A0092B-C50C-407E-A947-70E740481C1C}">
                 <a14:useLocalDpi xmlns:a14="http://schemas.microsoft.com/office/drawing/2010/main" val="0"/>
@@ -5506,8 +6753,8 @@
         </p:blipFill>
         <p:spPr>
           <a:xfrm>
-            <a:off x="7563721" y="2178776"/>
-            <a:ext cx="4296585" cy="3832276"/>
+            <a:off x="7639096" y="2012865"/>
+            <a:ext cx="4145834" cy="4164098"/>
           </a:xfrm>
           <a:custGeom>
             <a:avLst/>
@@ -5579,11 +6826,26 @@
           </a:bodyPr>
           <a:lstStyle/>
           <a:p>
-            <a:r>
-              <a:rPr lang="en-US" dirty="0"/>
-              <a:t>Software and Information Engineering</a:t>
-            </a:r>
-            <a:endParaRPr lang="nl-NL" dirty="0"/>
+            <a:pPr>
+              <a:lnSpc>
+                <a:spcPct val="70000"/>
+              </a:lnSpc>
+            </a:pPr>
+            <a:r>
+              <a:rPr lang="nl-NL" sz="3700" dirty="0"/>
+              <a:t>Technische Informatica </a:t>
+            </a:r>
+            <a:br>
+              <a:rPr lang="nl-NL" sz="3700" dirty="0"/>
+            </a:br>
+            <a:r>
+              <a:rPr lang="nl-NL" sz="3700" dirty="0"/>
+              <a:t/>
+            </a:r>
+            <a:br>
+              <a:rPr lang="nl-NL" sz="3700" dirty="0"/>
+            </a:br>
+            <a:endParaRPr lang="nl-NL" sz="3700" dirty="0"/>
           </a:p>
         </p:txBody>
       </p:sp>
@@ -5634,48 +6896,21 @@
                   <a:schemeClr val="bg1"/>
                 </a:solidFill>
               </a:rPr>
-              <a:t>Donald </a:t>
-            </a:r>
-            <a:r>
-              <a:rPr lang="en-US" sz="2000" dirty="0" err="1">
+              <a:t>Maarten van </a:t>
+            </a:r>
+            <a:r>
+              <a:rPr lang="en-US" sz="2000" dirty="0" err="1" smtClean="0">
                 <a:solidFill>
                   <a:schemeClr val="bg1"/>
                 </a:solidFill>
               </a:rPr>
-              <a:t>Hioe</a:t>
-            </a:r>
-            <a:endParaRPr lang="en-US" sz="2000" dirty="0">
+              <a:t>Dijk</a:t>
+            </a:r>
+            <a:endParaRPr lang="en-US" sz="2000" dirty="0" smtClean="0">
               <a:solidFill>
                 <a:schemeClr val="bg1"/>
               </a:solidFill>
             </a:endParaRPr>
-          </a:p>
-          <a:p>
-            <a:pPr lvl="1"/>
-            <a:r>
-              <a:rPr lang="en-US" sz="2000" dirty="0" err="1">
-                <a:solidFill>
-                  <a:schemeClr val="bg1"/>
-                </a:solidFill>
-              </a:rPr>
-              <a:t>Pim</a:t>
-            </a:r>
-            <a:r>
-              <a:rPr lang="en-US" sz="2000" dirty="0">
-                <a:solidFill>
-                  <a:schemeClr val="bg1"/>
-                </a:solidFill>
-              </a:rPr>
-              <a:t> </a:t>
-            </a:r>
-            <a:r>
-              <a:rPr lang="en-US" sz="2000" dirty="0" smtClean="0">
-                <a:solidFill>
-                  <a:schemeClr val="bg1"/>
-                </a:solidFill>
-              </a:rPr>
-              <a:t>Smits</a:t>
-            </a:r>
           </a:p>
           <a:p>
             <a:pPr lvl="1"/>
@@ -5692,55 +6927,7 @@
                   <a:schemeClr val="bg1"/>
                 </a:solidFill>
               </a:rPr>
-              <a:t>Verantwoordlijkheden</a:t>
-            </a:r>
-            <a:endParaRPr lang="en-US" sz="2000" dirty="0">
-              <a:solidFill>
-                <a:schemeClr val="bg1"/>
-              </a:solidFill>
-            </a:endParaRPr>
-          </a:p>
-          <a:p>
-            <a:pPr lvl="1"/>
-            <a:r>
-              <a:rPr lang="en-US" sz="2000" dirty="0">
-                <a:solidFill>
-                  <a:schemeClr val="bg1"/>
-                </a:solidFill>
-              </a:rPr>
-              <a:t>Database </a:t>
-            </a:r>
-            <a:r>
-              <a:rPr lang="en-US" sz="2000" dirty="0" err="1">
-                <a:solidFill>
-                  <a:schemeClr val="bg1"/>
-                </a:solidFill>
-              </a:rPr>
-              <a:t>realiseren</a:t>
-            </a:r>
-            <a:endParaRPr lang="en-US" sz="2000" dirty="0">
-              <a:solidFill>
-                <a:schemeClr val="bg1"/>
-              </a:solidFill>
-            </a:endParaRPr>
-          </a:p>
-          <a:p>
-            <a:pPr lvl="1"/>
-            <a:r>
-              <a:rPr lang="en-US" sz="2000" dirty="0">
-                <a:solidFill>
-                  <a:schemeClr val="bg1"/>
-                </a:solidFill>
-              </a:rPr>
-              <a:t>Smartphone app </a:t>
-            </a:r>
-            <a:r>
-              <a:rPr lang="en-US" sz="2000" dirty="0" err="1">
-                <a:solidFill>
-                  <a:schemeClr val="bg1"/>
-                </a:solidFill>
-              </a:rPr>
-              <a:t>maken</a:t>
+              <a:t>Verantwoordelijkheden</a:t>
             </a:r>
             <a:endParaRPr lang="nl-NL" sz="2000" dirty="0">
               <a:solidFill>
@@ -5748,12 +6935,34 @@
               </a:solidFill>
             </a:endParaRPr>
           </a:p>
+          <a:p>
+            <a:pPr lvl="1"/>
+            <a:r>
+              <a:rPr lang="nl-NL" sz="2000" dirty="0">
+                <a:solidFill>
+                  <a:schemeClr val="bg1"/>
+                </a:solidFill>
+              </a:rPr>
+              <a:t>Hardware infrastructuur realiseren</a:t>
+            </a:r>
+          </a:p>
+          <a:p>
+            <a:pPr lvl="1"/>
+            <a:r>
+              <a:rPr lang="nl-NL" sz="2000" dirty="0">
+                <a:solidFill>
+                  <a:schemeClr val="bg1"/>
+                </a:solidFill>
+              </a:rPr>
+              <a:t>Software met hardware koppelen</a:t>
+            </a:r>
+          </a:p>
         </p:txBody>
       </p:sp>
     </p:spTree>
     <p:extLst>
       <p:ext uri="{BB962C8B-B14F-4D97-AF65-F5344CB8AC3E}">
-        <p14:creationId xmlns:p14="http://schemas.microsoft.com/office/powerpoint/2010/main" val="1482729846"/>
+        <p14:creationId xmlns:p14="http://schemas.microsoft.com/office/powerpoint/2010/main" val="1419179362"/>
       </p:ext>
     </p:extLst>
   </p:cSld>
@@ -5770,7 +6979,7 @@
 </p:sld>
 </file>
 
-<file path=ppt/slides/slide14.xml><?xml version="1.0" encoding="utf-8"?>
+<file path=ppt/slides/slide15.xml><?xml version="1.0" encoding="utf-8"?>
 <p:sld xmlns:a="http://schemas.openxmlformats.org/drawingml/2006/main" xmlns:r="http://schemas.openxmlformats.org/officeDocument/2006/relationships" xmlns:p="http://schemas.openxmlformats.org/presentationml/2006/main">
   <p:cSld>
     <p:spTree>
@@ -6011,7 +7220,7 @@
           <p:nvPr/>
         </p:nvPicPr>
         <p:blipFill>
-          <a:blip r:embed="rId2">
+          <a:blip r:embed="rId3">
             <a:extLst>
               <a:ext uri="{28A0092B-C50C-407E-A947-70E740481C1C}">
                 <a14:useLocalDpi xmlns:a14="http://schemas.microsoft.com/office/drawing/2010/main" val="0"/>
@@ -6024,8 +7233,8 @@
         </p:blipFill>
         <p:spPr>
           <a:xfrm>
-            <a:off x="7629964" y="2012865"/>
-            <a:ext cx="4164098" cy="4164098"/>
+            <a:off x="7563721" y="2178776"/>
+            <a:ext cx="4296585" cy="3832276"/>
           </a:xfrm>
           <a:custGeom>
             <a:avLst/>
@@ -6099,7 +7308,7 @@
           <a:p>
             <a:r>
               <a:rPr lang="en-US" dirty="0"/>
-              <a:t>System and Network Engineering</a:t>
+              <a:t>Software and Information Engineering</a:t>
             </a:r>
             <a:endParaRPr lang="nl-NL" dirty="0"/>
           </a:p>
@@ -6128,76 +7337,150 @@
           <a:lstStyle/>
           <a:p>
             <a:r>
-              <a:rPr lang="en-US" sz="2000">
+              <a:rPr lang="en-US" sz="2000" dirty="0" err="1">
                 <a:solidFill>
                   <a:schemeClr val="bg1"/>
                 </a:solidFill>
               </a:rPr>
-              <a:t>Leden:</a:t>
-            </a:r>
-          </a:p>
-          <a:p>
-            <a:pPr lvl="1"/>
-            <a:r>
-              <a:rPr lang="en-US" sz="2000">
+              <a:t>Leden</a:t>
+            </a:r>
+            <a:r>
+              <a:rPr lang="en-US" sz="2000" dirty="0">
                 <a:solidFill>
                   <a:schemeClr val="bg1"/>
                 </a:solidFill>
               </a:rPr>
-              <a:t>Tony Tran</a:t>
+              <a:t>:</a:t>
             </a:r>
           </a:p>
           <a:p>
             <a:pPr lvl="1"/>
-            <a:endParaRPr lang="nl-NL" sz="2000">
+            <a:r>
+              <a:rPr lang="en-US" sz="2000" dirty="0">
+                <a:solidFill>
+                  <a:schemeClr val="bg1"/>
+                </a:solidFill>
+              </a:rPr>
+              <a:t>Donald </a:t>
+            </a:r>
+            <a:r>
+              <a:rPr lang="en-US" sz="2000" dirty="0" err="1">
+                <a:solidFill>
+                  <a:schemeClr val="bg1"/>
+                </a:solidFill>
+              </a:rPr>
+              <a:t>Hioe</a:t>
+            </a:r>
+            <a:endParaRPr lang="en-US" sz="2000" dirty="0">
               <a:solidFill>
                 <a:schemeClr val="bg1"/>
               </a:solidFill>
             </a:endParaRPr>
           </a:p>
           <a:p>
-            <a:r>
-              <a:rPr lang="en-US" sz="2000">
+            <a:pPr lvl="1"/>
+            <a:r>
+              <a:rPr lang="en-US" sz="2000" dirty="0" err="1">
                 <a:solidFill>
                   <a:schemeClr val="bg1"/>
                 </a:solidFill>
               </a:rPr>
-              <a:t>Verantwoodrelijkheden</a:t>
-            </a:r>
-            <a:endParaRPr lang="nl-NL" sz="2000">
+              <a:t>Pim</a:t>
+            </a:r>
+            <a:r>
+              <a:rPr lang="en-US" sz="2000" dirty="0">
+                <a:solidFill>
+                  <a:schemeClr val="bg1"/>
+                </a:solidFill>
+              </a:rPr>
+              <a:t> </a:t>
+            </a:r>
+            <a:r>
+              <a:rPr lang="en-US" sz="2000" dirty="0" smtClean="0">
+                <a:solidFill>
+                  <a:schemeClr val="bg1"/>
+                </a:solidFill>
+              </a:rPr>
+              <a:t>Smits</a:t>
+            </a:r>
+          </a:p>
+          <a:p>
+            <a:pPr lvl="1"/>
+            <a:endParaRPr lang="en-US" sz="2000" dirty="0">
               <a:solidFill>
                 <a:schemeClr val="bg1"/>
               </a:solidFill>
             </a:endParaRPr>
           </a:p>
           <a:p>
-            <a:pPr lvl="1"/>
-            <a:r>
-              <a:rPr lang="nl-NL" sz="2000">
+            <a:r>
+              <a:rPr lang="en-US" sz="2000" dirty="0" err="1">
                 <a:solidFill>
                   <a:schemeClr val="bg1"/>
                 </a:solidFill>
               </a:rPr>
-              <a:t>Web server realiseren </a:t>
-            </a:r>
+              <a:t>Verantwoordlijkheden</a:t>
+            </a:r>
+            <a:endParaRPr lang="en-US" sz="2000" dirty="0">
+              <a:solidFill>
+                <a:schemeClr val="bg1"/>
+              </a:solidFill>
+            </a:endParaRPr>
           </a:p>
           <a:p>
             <a:pPr lvl="1"/>
             <a:r>
-              <a:rPr lang="nl-NL" sz="2000">
+              <a:rPr lang="en-US" sz="2000" dirty="0">
                 <a:solidFill>
                   <a:schemeClr val="bg1"/>
                 </a:solidFill>
               </a:rPr>
-              <a:t>Netwerk infrastructuur realiseren</a:t>
-            </a:r>
+              <a:t>Database </a:t>
+            </a:r>
+            <a:r>
+              <a:rPr lang="en-US" sz="2000" dirty="0" err="1">
+                <a:solidFill>
+                  <a:schemeClr val="bg1"/>
+                </a:solidFill>
+              </a:rPr>
+              <a:t>realiseren</a:t>
+            </a:r>
+            <a:endParaRPr lang="en-US" sz="2000" dirty="0">
+              <a:solidFill>
+                <a:schemeClr val="bg1"/>
+              </a:solidFill>
+            </a:endParaRPr>
+          </a:p>
+          <a:p>
+            <a:pPr lvl="1"/>
+            <a:r>
+              <a:rPr lang="en-US" sz="2000" dirty="0">
+                <a:solidFill>
+                  <a:schemeClr val="bg1"/>
+                </a:solidFill>
+              </a:rPr>
+              <a:t>Smartphone app </a:t>
+            </a:r>
+            <a:r>
+              <a:rPr lang="en-US" sz="2000" dirty="0" err="1">
+                <a:solidFill>
+                  <a:schemeClr val="bg1"/>
+                </a:solidFill>
+              </a:rPr>
+              <a:t>maken</a:t>
+            </a:r>
+            <a:endParaRPr lang="nl-NL" sz="2000" dirty="0">
+              <a:solidFill>
+                <a:schemeClr val="bg1"/>
+              </a:solidFill>
+            </a:endParaRPr>
           </a:p>
         </p:txBody>
       </p:sp>
     </p:spTree>
     <p:extLst>
       <p:ext uri="{BB962C8B-B14F-4D97-AF65-F5344CB8AC3E}">
-        <p14:creationId xmlns:p14="http://schemas.microsoft.com/office/powerpoint/2010/main" val="3536758938"/>
+        <p14:creationId xmlns:p14="http://schemas.microsoft.com/office/powerpoint/2010/main" val="1482729846"/>
       </p:ext>
     </p:extLst>
   </p:cSld>
@@ -6214,7 +7497,7 @@
 </p:sld>
 </file>
 
-<file path=ppt/slides/slide15.xml><?xml version="1.0" encoding="utf-8"?>
+<file path=ppt/slides/slide16.xml><?xml version="1.0" encoding="utf-8"?>
 <p:sld xmlns:a="http://schemas.openxmlformats.org/drawingml/2006/main" xmlns:r="http://schemas.openxmlformats.org/officeDocument/2006/relationships" xmlns:p="http://schemas.openxmlformats.org/presentationml/2006/main">
   <p:cSld>
     <p:spTree>
@@ -6455,7 +7738,7 @@
           <p:nvPr/>
         </p:nvPicPr>
         <p:blipFill>
-          <a:blip r:embed="rId2">
+          <a:blip r:embed="rId3">
             <a:extLst>
               <a:ext uri="{28A0092B-C50C-407E-A947-70E740481C1C}">
                 <a14:useLocalDpi xmlns:a14="http://schemas.microsoft.com/office/drawing/2010/main" val="0"/>
@@ -6468,8 +7751,8 @@
         </p:blipFill>
         <p:spPr>
           <a:xfrm>
-            <a:off x="7563721" y="2983173"/>
-            <a:ext cx="4296585" cy="2223482"/>
+            <a:off x="7629964" y="2012865"/>
+            <a:ext cx="4164098" cy="4164098"/>
           </a:xfrm>
           <a:custGeom>
             <a:avLst/>
@@ -6543,11 +7826,8 @@
           <a:p>
             <a:r>
               <a:rPr lang="en-US" dirty="0"/>
-              <a:t>Business IT and Management</a:t>
-            </a:r>
-            <a:br>
-              <a:rPr lang="en-US" dirty="0"/>
-            </a:br>
+              <a:t>System and Network Engineering</a:t>
+            </a:r>
             <a:endParaRPr lang="nl-NL" dirty="0"/>
           </a:p>
         </p:txBody>
@@ -6575,174 +7855,76 @@
           <a:lstStyle/>
           <a:p>
             <a:r>
-              <a:rPr lang="en-US" sz="2000" dirty="0" err="1">
+              <a:rPr lang="en-US" sz="2000">
                 <a:solidFill>
                   <a:schemeClr val="bg1"/>
                 </a:solidFill>
               </a:rPr>
-              <a:t>Leden</a:t>
-            </a:r>
-            <a:r>
-              <a:rPr lang="en-US" sz="2000" dirty="0">
+              <a:t>Leden:</a:t>
+            </a:r>
+          </a:p>
+          <a:p>
+            <a:pPr lvl="1"/>
+            <a:r>
+              <a:rPr lang="en-US" sz="2000">
                 <a:solidFill>
                   <a:schemeClr val="bg1"/>
                 </a:solidFill>
               </a:rPr>
-              <a:t>:</a:t>
+              <a:t>Tony Tran</a:t>
             </a:r>
           </a:p>
           <a:p>
             <a:pPr lvl="1"/>
-            <a:r>
-              <a:rPr lang="en-US" sz="2000" dirty="0" err="1">
+            <a:endParaRPr lang="nl-NL" sz="2000">
+              <a:solidFill>
+                <a:schemeClr val="bg1"/>
+              </a:solidFill>
+            </a:endParaRPr>
+          </a:p>
+          <a:p>
+            <a:r>
+              <a:rPr lang="en-US" sz="2000">
                 <a:solidFill>
                   <a:schemeClr val="bg1"/>
                 </a:solidFill>
               </a:rPr>
-              <a:t>Wouter</a:t>
-            </a:r>
-            <a:r>
-              <a:rPr lang="en-US" sz="2000" dirty="0">
+              <a:t>Verantwoodrelijkheden</a:t>
+            </a:r>
+            <a:endParaRPr lang="nl-NL" sz="2000">
+              <a:solidFill>
+                <a:schemeClr val="bg1"/>
+              </a:solidFill>
+            </a:endParaRPr>
+          </a:p>
+          <a:p>
+            <a:pPr lvl="1"/>
+            <a:r>
+              <a:rPr lang="nl-NL" sz="2000">
                 <a:solidFill>
                   <a:schemeClr val="bg1"/>
                 </a:solidFill>
               </a:rPr>
-              <a:t> van Eden</a:t>
+              <a:t>Web server realiseren </a:t>
             </a:r>
           </a:p>
           <a:p>
             <a:pPr lvl="1"/>
             <a:r>
-              <a:rPr lang="en-US" sz="2000" dirty="0">
+              <a:rPr lang="nl-NL" sz="2000">
                 <a:solidFill>
                   <a:schemeClr val="bg1"/>
                 </a:solidFill>
               </a:rPr>
-              <a:t>Max </a:t>
-            </a:r>
-            <a:r>
-              <a:rPr lang="en-US" sz="2000" dirty="0" err="1" smtClean="0">
-                <a:solidFill>
-                  <a:schemeClr val="bg1"/>
-                </a:solidFill>
-              </a:rPr>
-              <a:t>Weggemans</a:t>
-            </a:r>
-            <a:endParaRPr lang="en-US" sz="2000" dirty="0" smtClean="0">
-              <a:solidFill>
-                <a:schemeClr val="bg1"/>
-              </a:solidFill>
-            </a:endParaRPr>
-          </a:p>
-          <a:p>
-            <a:pPr lvl="1"/>
-            <a:endParaRPr lang="en-US" sz="2000" dirty="0">
-              <a:solidFill>
-                <a:schemeClr val="bg1"/>
-              </a:solidFill>
-            </a:endParaRPr>
-          </a:p>
-          <a:p>
-            <a:r>
-              <a:rPr lang="en-US" sz="2000" dirty="0" err="1">
-                <a:solidFill>
-                  <a:schemeClr val="bg1"/>
-                </a:solidFill>
-              </a:rPr>
-              <a:t>Verantwoordelijkheden</a:t>
-            </a:r>
-            <a:endParaRPr lang="en-US" sz="2000" dirty="0">
-              <a:solidFill>
-                <a:schemeClr val="bg1"/>
-              </a:solidFill>
-            </a:endParaRPr>
-          </a:p>
-          <a:p>
-            <a:pPr lvl="1"/>
-            <a:r>
-              <a:rPr lang="en-US" sz="2000" dirty="0" err="1">
-                <a:solidFill>
-                  <a:schemeClr val="bg1"/>
-                </a:solidFill>
-              </a:rPr>
-              <a:t>Een</a:t>
-            </a:r>
-            <a:r>
-              <a:rPr lang="en-US" sz="2000" dirty="0">
-                <a:solidFill>
-                  <a:schemeClr val="bg1"/>
-                </a:solidFill>
-              </a:rPr>
-              <a:t> </a:t>
-            </a:r>
-            <a:r>
-              <a:rPr lang="en-US" sz="2000" dirty="0" err="1">
-                <a:solidFill>
-                  <a:schemeClr val="bg1"/>
-                </a:solidFill>
-              </a:rPr>
-              <a:t>marktonderzoek</a:t>
-            </a:r>
-            <a:r>
-              <a:rPr lang="en-US" sz="2000" dirty="0">
-                <a:solidFill>
-                  <a:schemeClr val="bg1"/>
-                </a:solidFill>
-              </a:rPr>
-              <a:t> </a:t>
-            </a:r>
-            <a:r>
-              <a:rPr lang="en-US" sz="2000" dirty="0" err="1">
-                <a:solidFill>
-                  <a:schemeClr val="bg1"/>
-                </a:solidFill>
-              </a:rPr>
-              <a:t>doen</a:t>
-            </a:r>
-            <a:endParaRPr lang="en-US" sz="2000" dirty="0">
-              <a:solidFill>
-                <a:schemeClr val="bg1"/>
-              </a:solidFill>
-            </a:endParaRPr>
-          </a:p>
-          <a:p>
-            <a:pPr lvl="1"/>
-            <a:r>
-              <a:rPr lang="en-US" sz="2000" dirty="0" err="1">
-                <a:solidFill>
-                  <a:schemeClr val="bg1"/>
-                </a:solidFill>
-              </a:rPr>
-              <a:t>Investeringsbegroting</a:t>
-            </a:r>
-            <a:r>
-              <a:rPr lang="en-US" sz="2000" dirty="0">
-                <a:solidFill>
-                  <a:schemeClr val="bg1"/>
-                </a:solidFill>
-              </a:rPr>
-              <a:t> </a:t>
-            </a:r>
-            <a:r>
-              <a:rPr lang="en-US" sz="2000" dirty="0" err="1">
-                <a:solidFill>
-                  <a:schemeClr val="bg1"/>
-                </a:solidFill>
-              </a:rPr>
-              <a:t>maken</a:t>
-            </a:r>
-            <a:endParaRPr lang="nl-NL" sz="2000" dirty="0">
-              <a:solidFill>
-                <a:schemeClr val="bg1"/>
-              </a:solidFill>
-            </a:endParaRPr>
+              <a:t>Netwerk infrastructuur realiseren</a:t>
+            </a:r>
           </a:p>
         </p:txBody>
       </p:sp>
     </p:spTree>
     <p:extLst>
       <p:ext uri="{BB962C8B-B14F-4D97-AF65-F5344CB8AC3E}">
-        <p14:creationId xmlns:p14="http://schemas.microsoft.com/office/powerpoint/2010/main" val="1281145064"/>
+        <p14:creationId xmlns:p14="http://schemas.microsoft.com/office/powerpoint/2010/main" val="3536758938"/>
       </p:ext>
     </p:extLst>
   </p:cSld>
@@ -6759,21 +7941,9 @@
 </p:sld>
 </file>
 
-<file path=ppt/slides/slide16.xml><?xml version="1.0" encoding="utf-8"?>
+<file path=ppt/slides/slide17.xml><?xml version="1.0" encoding="utf-8"?>
 <p:sld xmlns:a="http://schemas.openxmlformats.org/drawingml/2006/main" xmlns:r="http://schemas.openxmlformats.org/officeDocument/2006/relationships" xmlns:p="http://schemas.openxmlformats.org/presentationml/2006/main">
   <p:cSld>
-    <p:bg>
-      <p:bgPr>
-        <a:solidFill>
-          <a:schemeClr val="tx1">
-            <a:lumMod val="50000"/>
-            <a:lumOff val="50000"/>
-            <a:alpha val="50000"/>
-          </a:schemeClr>
-        </a:solidFill>
-        <a:effectLst/>
-      </p:bgPr>
-    </p:bg>
     <p:spTree>
       <p:nvGrpSpPr>
         <p:cNvPr id="1" name=""/>
@@ -6788,139 +7958,9 @@
           <a:chExt cx="0" cy="0"/>
         </a:xfrm>
       </p:grpSpPr>
-      <p:pic>
-        <p:nvPicPr>
-          <p:cNvPr id="4" name="Afbeelding 3"/>
-          <p:cNvPicPr>
-            <a:picLocks noChangeAspect="1"/>
-          </p:cNvPicPr>
-          <p:nvPr/>
-        </p:nvPicPr>
-        <p:blipFill rotWithShape="1">
-          <a:blip r:embed="rId2">
-            <a:alphaModFix amt="30000"/>
-            <a:extLst>
-              <a:ext uri="{28A0092B-C50C-407E-A947-70E740481C1C}">
-                <a14:useLocalDpi xmlns:a14="http://schemas.microsoft.com/office/drawing/2010/main" val="0"/>
-              </a:ext>
-            </a:extLst>
-          </a:blip>
-          <a:srcRect t="5366" r="1" b="11567"/>
-          <a:stretch/>
-        </p:blipFill>
-        <p:spPr>
-          <a:xfrm>
-            <a:off x="-5768" y="0"/>
-            <a:ext cx="12197767" cy="6858000"/>
-          </a:xfrm>
-          <a:prstGeom prst="rect">
-            <a:avLst/>
-          </a:prstGeom>
-        </p:spPr>
-      </p:pic>
-      <p:sp>
-        <p:nvSpPr>
-          <p:cNvPr id="5" name="Shape 89"/>
-          <p:cNvSpPr txBox="1">
-            <a:spLocks noGrp="1"/>
-          </p:cNvSpPr>
-          <p:nvPr>
-            <p:ph type="title"/>
-          </p:nvPr>
-        </p:nvSpPr>
-        <p:spPr>
-          <a:xfrm>
-            <a:off x="1205489" y="3036300"/>
-            <a:ext cx="9775252" cy="785400"/>
-          </a:xfrm>
-          <a:prstGeom prst="rect">
-            <a:avLst/>
-          </a:prstGeom>
-        </p:spPr>
-        <p:txBody>
-          <a:bodyPr lIns="91425" tIns="91425" rIns="91425" bIns="91425" anchor="t" anchorCtr="0">
-            <a:noAutofit/>
-          </a:bodyPr>
-          <a:lstStyle/>
-          <a:p>
-            <a:pPr lvl="0" algn="ctr" rtl="0">
-              <a:spcBef>
-                <a:spcPts val="0"/>
-              </a:spcBef>
-              <a:buNone/>
-            </a:pPr>
-            <a:r>
-              <a:rPr lang="nl-NL" sz="4800" dirty="0" smtClean="0">
-                <a:solidFill>
-                  <a:srgbClr val="FFFFFF"/>
-                </a:solidFill>
-                <a:latin typeface="Lato"/>
-                <a:ea typeface="Lato"/>
-                <a:cs typeface="Lato"/>
-                <a:sym typeface="Lato"/>
-              </a:rPr>
-              <a:t>Slot &amp; Vragen</a:t>
-            </a:r>
-            <a:endParaRPr lang="nl" sz="4800" dirty="0">
-              <a:solidFill>
-                <a:srgbClr val="FFFFFF"/>
-              </a:solidFill>
-              <a:latin typeface="Lato"/>
-              <a:ea typeface="Lato"/>
-              <a:cs typeface="Lato"/>
-              <a:sym typeface="Lato"/>
-            </a:endParaRPr>
-          </a:p>
-        </p:txBody>
-      </p:sp>
-    </p:spTree>
-    <p:extLst>
-      <p:ext uri="{BB962C8B-B14F-4D97-AF65-F5344CB8AC3E}">
-        <p14:creationId xmlns:p14="http://schemas.microsoft.com/office/powerpoint/2010/main" val="1919441387"/>
-      </p:ext>
-    </p:extLst>
-  </p:cSld>
-  <p:clrMapOvr>
-    <a:masterClrMapping/>
-  </p:clrMapOvr>
-  <p:timing>
-    <p:tnLst>
-      <p:par>
-        <p:cTn id="1" dur="indefinite" restart="never" nodeType="tmRoot"/>
-      </p:par>
-    </p:tnLst>
-  </p:timing>
-</p:sld>
-</file>
-
-<file path=ppt/slides/slide2.xml><?xml version="1.0" encoding="utf-8"?>
-<p:sld xmlns:a="http://schemas.openxmlformats.org/drawingml/2006/main" xmlns:r="http://schemas.openxmlformats.org/officeDocument/2006/relationships" xmlns:p="http://schemas.openxmlformats.org/presentationml/2006/main">
-  <p:cSld>
-    <p:bg>
-      <p:bgPr>
-        <a:solidFill>
-          <a:schemeClr val="bg1"/>
-        </a:solidFill>
-        <a:effectLst/>
-      </p:bgPr>
-    </p:bg>
-    <p:spTree>
-      <p:nvGrpSpPr>
-        <p:cNvPr id="1" name=""/>
-        <p:cNvGrpSpPr/>
-        <p:nvPr/>
-      </p:nvGrpSpPr>
-      <p:grpSpPr>
-        <a:xfrm>
-          <a:off x="0" y="0"/>
-          <a:ext cx="0" cy="0"/>
-          <a:chOff x="0" y="0"/>
-          <a:chExt cx="0" cy="0"/>
-        </a:xfrm>
-      </p:grpSpPr>
-      <p:sp>
-        <p:nvSpPr>
-          <p:cNvPr id="9" name="Freeform 12"/>
+      <p:sp>
+        <p:nvSpPr>
+          <p:cNvPr id="6" name="Freeform 12"/>
           <p:cNvSpPr>
             <a:spLocks noGrp="1" noRot="1" noChangeAspect="1" noMove="1" noResize="1" noEditPoints="1" noAdjustHandles="1" noChangeArrowheads="1" noChangeShapeType="1" noTextEdit="1"/>
           </p:cNvSpPr>
@@ -7035,7 +8075,7 @@
       </p:sp>
       <p:sp>
         <p:nvSpPr>
-          <p:cNvPr id="10" name="Freeform 11"/>
+          <p:cNvPr id="7" name="Freeform 11"/>
           <p:cNvSpPr>
             <a:spLocks noGrp="1" noRot="1" noChangeAspect="1" noMove="1" noResize="1" noEditPoints="1" noAdjustHandles="1" noChangeArrowheads="1" noChangeShapeType="1" noTextEdit="1"/>
           </p:cNvSpPr>
@@ -7142,7 +8182,7 @@
           <p:nvPr/>
         </p:nvPicPr>
         <p:blipFill>
-          <a:blip r:embed="rId2">
+          <a:blip r:embed="rId3">
             <a:extLst>
               <a:ext uri="{28A0092B-C50C-407E-A947-70E740481C1C}">
                 <a14:useLocalDpi xmlns:a14="http://schemas.microsoft.com/office/drawing/2010/main" val="0"/>
@@ -7155,8 +8195,8 @@
         </p:blipFill>
         <p:spPr>
           <a:xfrm>
-            <a:off x="7661195" y="2012865"/>
-            <a:ext cx="4101636" cy="4164098"/>
+            <a:off x="7563721" y="2983173"/>
+            <a:ext cx="4296585" cy="2223482"/>
           </a:xfrm>
           <a:custGeom>
             <a:avLst/>
@@ -7229,9 +8269,12 @@
           <a:lstStyle/>
           <a:p>
             <a:r>
-              <a:rPr lang="en-US" dirty="0" err="1"/>
-              <a:t>Inhoudsopgave</a:t>
-            </a:r>
+              <a:rPr lang="en-US" dirty="0"/>
+              <a:t>Business IT and Management</a:t>
+            </a:r>
+            <a:br>
+              <a:rPr lang="en-US" dirty="0"/>
+            </a:br>
             <a:endParaRPr lang="nl-NL" dirty="0"/>
           </a:p>
         </p:txBody>
@@ -7259,100 +8302,174 @@
           <a:lstStyle/>
           <a:p>
             <a:r>
-              <a:rPr lang="en-US" sz="2000">
+              <a:rPr lang="en-US" sz="2000" dirty="0" err="1">
                 <a:solidFill>
                   <a:schemeClr val="bg1"/>
                 </a:solidFill>
               </a:rPr>
-              <a:t>Huidige situatie</a:t>
-            </a:r>
-          </a:p>
-          <a:p>
-            <a:endParaRPr lang="en-US" sz="2000">
+              <a:t>Leden</a:t>
+            </a:r>
+            <a:r>
+              <a:rPr lang="en-US" sz="2000" dirty="0">
+                <a:solidFill>
+                  <a:schemeClr val="bg1"/>
+                </a:solidFill>
+              </a:rPr>
+              <a:t>:</a:t>
+            </a:r>
+          </a:p>
+          <a:p>
+            <a:pPr lvl="1"/>
+            <a:r>
+              <a:rPr lang="en-US" sz="2000" dirty="0" err="1">
+                <a:solidFill>
+                  <a:schemeClr val="bg1"/>
+                </a:solidFill>
+              </a:rPr>
+              <a:t>Wouter</a:t>
+            </a:r>
+            <a:r>
+              <a:rPr lang="en-US" sz="2000" dirty="0">
+                <a:solidFill>
+                  <a:schemeClr val="bg1"/>
+                </a:solidFill>
+              </a:rPr>
+              <a:t> van Eden</a:t>
+            </a:r>
+          </a:p>
+          <a:p>
+            <a:pPr lvl="1"/>
+            <a:r>
+              <a:rPr lang="en-US" sz="2000" dirty="0">
+                <a:solidFill>
+                  <a:schemeClr val="bg1"/>
+                </a:solidFill>
+              </a:rPr>
+              <a:t>Max </a:t>
+            </a:r>
+            <a:r>
+              <a:rPr lang="en-US" sz="2000" dirty="0" err="1" smtClean="0">
+                <a:solidFill>
+                  <a:schemeClr val="bg1"/>
+                </a:solidFill>
+              </a:rPr>
+              <a:t>Weggemans</a:t>
+            </a:r>
+            <a:endParaRPr lang="en-US" sz="2000" dirty="0" smtClean="0">
               <a:solidFill>
                 <a:schemeClr val="bg1"/>
               </a:solidFill>
             </a:endParaRPr>
           </a:p>
           <a:p>
-            <a:r>
-              <a:rPr lang="nl-NL" sz="2000">
+            <a:pPr lvl="1"/>
+            <a:endParaRPr lang="en-US" sz="2000" dirty="0">
+              <a:solidFill>
+                <a:schemeClr val="bg1"/>
+              </a:solidFill>
+            </a:endParaRPr>
+          </a:p>
+          <a:p>
+            <a:r>
+              <a:rPr lang="en-US" sz="2000" dirty="0" err="1">
                 <a:solidFill>
                   <a:schemeClr val="bg1"/>
                 </a:solidFill>
               </a:rPr>
-              <a:t>Doelstellingen</a:t>
-            </a:r>
-          </a:p>
-          <a:p>
-            <a:endParaRPr lang="nl-NL" sz="2000">
+              <a:t>Verantwoordelijkheden</a:t>
+            </a:r>
+            <a:endParaRPr lang="en-US" sz="2000" dirty="0">
               <a:solidFill>
                 <a:schemeClr val="bg1"/>
               </a:solidFill>
             </a:endParaRPr>
           </a:p>
           <a:p>
-            <a:r>
-              <a:rPr lang="en-US" sz="2000">
+            <a:pPr lvl="1"/>
+            <a:r>
+              <a:rPr lang="en-US" sz="2000" dirty="0" err="1">
                 <a:solidFill>
                   <a:schemeClr val="bg1"/>
                 </a:solidFill>
               </a:rPr>
-              <a:t>Gewenste situatie</a:t>
-            </a:r>
-          </a:p>
-          <a:p>
-            <a:endParaRPr lang="en-US" sz="2000">
+              <a:t>Een</a:t>
+            </a:r>
+            <a:r>
+              <a:rPr lang="en-US" sz="2000" dirty="0">
+                <a:solidFill>
+                  <a:schemeClr val="bg1"/>
+                </a:solidFill>
+              </a:rPr>
+              <a:t> </a:t>
+            </a:r>
+            <a:r>
+              <a:rPr lang="en-US" sz="2000" dirty="0" err="1">
+                <a:solidFill>
+                  <a:schemeClr val="bg1"/>
+                </a:solidFill>
+              </a:rPr>
+              <a:t>marktonderzoek</a:t>
+            </a:r>
+            <a:r>
+              <a:rPr lang="en-US" sz="2000" dirty="0">
+                <a:solidFill>
+                  <a:schemeClr val="bg1"/>
+                </a:solidFill>
+              </a:rPr>
+              <a:t> </a:t>
+            </a:r>
+            <a:r>
+              <a:rPr lang="en-US" sz="2000" dirty="0" err="1">
+                <a:solidFill>
+                  <a:schemeClr val="bg1"/>
+                </a:solidFill>
+              </a:rPr>
+              <a:t>doen</a:t>
+            </a:r>
+            <a:endParaRPr lang="en-US" sz="2000" dirty="0">
               <a:solidFill>
                 <a:schemeClr val="bg1"/>
               </a:solidFill>
             </a:endParaRPr>
           </a:p>
           <a:p>
-            <a:r>
-              <a:rPr lang="en-US" sz="2000">
+            <a:pPr lvl="1"/>
+            <a:r>
+              <a:rPr lang="en-US" sz="2000" dirty="0" err="1">
                 <a:solidFill>
                   <a:schemeClr val="bg1"/>
                 </a:solidFill>
               </a:rPr>
-              <a:t>Proof of concept</a:t>
-            </a:r>
-          </a:p>
-          <a:p>
-            <a:endParaRPr lang="nl-NL" sz="2000">
+              <a:t>Investeringsbegroting</a:t>
+            </a:r>
+            <a:r>
+              <a:rPr lang="en-US" sz="2000" dirty="0">
+                <a:solidFill>
+                  <a:schemeClr val="bg1"/>
+                </a:solidFill>
+              </a:rPr>
+              <a:t> </a:t>
+            </a:r>
+            <a:r>
+              <a:rPr lang="en-US" sz="2000" dirty="0" err="1">
+                <a:solidFill>
+                  <a:schemeClr val="bg1"/>
+                </a:solidFill>
+              </a:rPr>
+              <a:t>maken</a:t>
+            </a:r>
+            <a:endParaRPr lang="nl-NL" sz="2000" dirty="0">
               <a:solidFill>
                 <a:schemeClr val="bg1"/>
               </a:solidFill>
             </a:endParaRPr>
           </a:p>
-          <a:p>
-            <a:r>
-              <a:rPr lang="en-US" sz="2000">
-                <a:solidFill>
-                  <a:schemeClr val="bg1"/>
-                </a:solidFill>
-              </a:rPr>
-              <a:t>Taakverdeling</a:t>
-            </a:r>
-            <a:endParaRPr lang="nl-NL" sz="2000">
-              <a:solidFill>
-                <a:schemeClr val="bg1"/>
-              </a:solidFill>
-            </a:endParaRPr>
-          </a:p>
-          <a:p>
-            <a:endParaRPr lang="nl-NL" sz="2000">
-              <a:solidFill>
-                <a:schemeClr val="bg1"/>
-              </a:solidFill>
-            </a:endParaRPr>
-          </a:p>
         </p:txBody>
       </p:sp>
     </p:spTree>
     <p:extLst>
       <p:ext uri="{BB962C8B-B14F-4D97-AF65-F5344CB8AC3E}">
-        <p14:creationId xmlns:p14="http://schemas.microsoft.com/office/powerpoint/2010/main" val="725058707"/>
+        <p14:creationId xmlns:p14="http://schemas.microsoft.com/office/powerpoint/2010/main" val="1281145064"/>
       </p:ext>
     </p:extLst>
   </p:cSld>
@@ -7369,15 +8486,13 @@
 </p:sld>
 </file>
 
-<file path=ppt/slides/slide3.xml><?xml version="1.0" encoding="utf-8"?>
+<file path=ppt/slides/slide18.xml><?xml version="1.0" encoding="utf-8"?>
 <p:sld xmlns:a="http://schemas.openxmlformats.org/drawingml/2006/main" xmlns:r="http://schemas.openxmlformats.org/officeDocument/2006/relationships" xmlns:p="http://schemas.openxmlformats.org/presentationml/2006/main">
   <p:cSld>
     <p:bg>
       <p:bgPr>
         <a:solidFill>
-          <a:schemeClr val="tx1">
-            <a:lumMod val="50000"/>
-            <a:lumOff val="50000"/>
+          <a:schemeClr val="tx2">
             <a:alpha val="50000"/>
           </a:schemeClr>
         </a:solidFill>
@@ -7407,7 +8522,7 @@
           <p:nvPr/>
         </p:nvPicPr>
         <p:blipFill rotWithShape="1">
-          <a:blip r:embed="rId2">
+          <a:blip r:embed="rId3">
             <a:alphaModFix amt="30000"/>
             <a:extLst>
               <a:ext uri="{28A0092B-C50C-407E-A947-70E740481C1C}">
@@ -7440,8 +8555,8 @@
         </p:nvSpPr>
         <p:spPr>
           <a:xfrm>
-            <a:off x="3619016" y="3036300"/>
-            <a:ext cx="4948200" cy="785400"/>
+            <a:off x="1205489" y="3036300"/>
+            <a:ext cx="9775252" cy="785400"/>
           </a:xfrm>
           <a:prstGeom prst="rect">
             <a:avLst/>
@@ -7469,19 +8584,8 @@
                 <a:cs typeface="Lato"/>
                 <a:sym typeface="Lato"/>
               </a:rPr>
-              <a:t>Huidige situatie </a:t>
-            </a:r>
-            <a:br>
-              <a:rPr lang="nl-NL" sz="4800" dirty="0" smtClean="0">
-                <a:solidFill>
-                  <a:srgbClr val="FFFFFF"/>
-                </a:solidFill>
-                <a:latin typeface="Lato"/>
-                <a:ea typeface="Lato"/>
-                <a:cs typeface="Lato"/>
-                <a:sym typeface="Lato"/>
-              </a:rPr>
-            </a:br>
+              <a:t>Slot &amp; Vragen</a:t>
+            </a:r>
             <a:endParaRPr lang="nl" sz="4800" dirty="0">
               <a:solidFill>
                 <a:srgbClr val="FFFFFF"/>
@@ -7497,7 +8601,7 @@
     </p:spTree>
     <p:extLst>
       <p:ext uri="{BB962C8B-B14F-4D97-AF65-F5344CB8AC3E}">
-        <p14:creationId xmlns:p14="http://schemas.microsoft.com/office/powerpoint/2010/main" val="2020371813"/>
+        <p14:creationId xmlns:p14="http://schemas.microsoft.com/office/powerpoint/2010/main" val="1919441387"/>
       </p:ext>
     </p:extLst>
   </p:cSld>
@@ -7514,9 +8618,17 @@
 </p:sld>
 </file>
 
-<file path=ppt/slides/slide4.xml><?xml version="1.0" encoding="utf-8"?>
+<file path=ppt/slides/slide2.xml><?xml version="1.0" encoding="utf-8"?>
 <p:sld xmlns:a="http://schemas.openxmlformats.org/drawingml/2006/main" xmlns:r="http://schemas.openxmlformats.org/officeDocument/2006/relationships" xmlns:p="http://schemas.openxmlformats.org/presentationml/2006/main">
   <p:cSld>
+    <p:bg>
+      <p:bgPr>
+        <a:solidFill>
+          <a:schemeClr val="bg1"/>
+        </a:solidFill>
+        <a:effectLst/>
+      </p:bgPr>
+    </p:bg>
     <p:spTree>
       <p:nvGrpSpPr>
         <p:cNvPr id="1" name=""/>
@@ -7533,7 +8645,7 @@
       </p:grpSpPr>
       <p:sp>
         <p:nvSpPr>
-          <p:cNvPr id="10" name="Freeform 12"/>
+          <p:cNvPr id="14" name="Freeform 12"/>
           <p:cNvSpPr>
             <a:spLocks noGrp="1" noRot="1" noChangeAspect="1" noMove="1" noResize="1" noEditPoints="1" noAdjustHandles="1" noChangeArrowheads="1" noChangeShapeType="1" noTextEdit="1"/>
           </p:cNvSpPr>
@@ -7648,7 +8760,7 @@
       </p:sp>
       <p:sp>
         <p:nvSpPr>
-          <p:cNvPr id="11" name="Freeform 11"/>
+          <p:cNvPr id="15" name="Freeform 11"/>
           <p:cNvSpPr>
             <a:spLocks noGrp="1" noRot="1" noChangeAspect="1" noMove="1" noResize="1" noEditPoints="1" noAdjustHandles="1" noChangeArrowheads="1" noChangeShapeType="1" noTextEdit="1"/>
           </p:cNvSpPr>
@@ -7748,7 +8860,7 @@
       </p:sp>
       <p:pic>
         <p:nvPicPr>
-          <p:cNvPr id="5" name="Afbeelding 4"/>
+          <p:cNvPr id="4" name="Afbeelding 3"/>
           <p:cNvPicPr>
             <a:picLocks noChangeAspect="1"/>
           </p:cNvPicPr>
@@ -7768,8 +8880,8 @@
         </p:blipFill>
         <p:spPr>
           <a:xfrm>
-            <a:off x="2827867" y="3214232"/>
-            <a:ext cx="10228095" cy="4295798"/>
+            <a:off x="7661195" y="2012865"/>
+            <a:ext cx="4101636" cy="4164098"/>
           </a:xfrm>
           <a:custGeom>
             <a:avLst/>
@@ -7843,7 +8955,7 @@
           <a:p>
             <a:r>
               <a:rPr lang="en-US"/>
-              <a:t>Huidige situatie</a:t>
+              <a:t>Inhoudsopgave</a:t>
             </a:r>
             <a:endParaRPr lang="nl-NL"/>
           </a:p>
@@ -7861,44 +8973,65 @@
         </p:nvSpPr>
         <p:spPr>
           <a:xfrm>
-            <a:off x="838200" y="2012865"/>
+            <a:off x="838200" y="2207027"/>
             <a:ext cx="4317322" cy="4164098"/>
           </a:xfrm>
         </p:spPr>
         <p:txBody>
           <a:bodyPr anchor="ctr">
-            <a:normAutofit/>
+            <a:normAutofit lnSpcReduction="10000"/>
           </a:bodyPr>
           <a:lstStyle/>
           <a:p>
             <a:r>
-              <a:rPr lang="en-US" sz="2000">
+              <a:rPr lang="en-US" sz="2000" dirty="0" err="1">
                 <a:solidFill>
                   <a:schemeClr val="bg1"/>
                 </a:solidFill>
               </a:rPr>
-              <a:t>Zorggroep</a:t>
-            </a:r>
-          </a:p>
-          <a:p>
-            <a:endParaRPr lang="en-US" sz="2000">
+              <a:t>Huidige</a:t>
+            </a:r>
+            <a:r>
+              <a:rPr lang="en-US" sz="2000" dirty="0">
+                <a:solidFill>
+                  <a:schemeClr val="bg1"/>
+                </a:solidFill>
+              </a:rPr>
+              <a:t> </a:t>
+            </a:r>
+            <a:r>
+              <a:rPr lang="en-US" sz="2000" dirty="0" err="1">
+                <a:solidFill>
+                  <a:schemeClr val="bg1"/>
+                </a:solidFill>
+              </a:rPr>
+              <a:t>situatie</a:t>
+            </a:r>
+            <a:endParaRPr lang="en-US" sz="2000" dirty="0">
               <a:solidFill>
                 <a:schemeClr val="bg1"/>
               </a:solidFill>
             </a:endParaRPr>
           </a:p>
           <a:p>
-            <a:r>
-              <a:rPr lang="en-US" sz="2000">
+            <a:endParaRPr lang="en-US" sz="2000" dirty="0">
+              <a:solidFill>
+                <a:schemeClr val="bg1"/>
+              </a:solidFill>
+            </a:endParaRPr>
+          </a:p>
+          <a:p>
+            <a:r>
+              <a:rPr lang="nl-NL" sz="2000" dirty="0">
                 <a:solidFill>
                   <a:schemeClr val="bg1"/>
                 </a:solidFill>
               </a:rPr>
-              <a:t>Aanleiding</a:t>
-            </a:r>
-          </a:p>
-          <a:p>
-            <a:endParaRPr lang="en-US" sz="2000">
+              <a:t>Doelstellingen</a:t>
+            </a:r>
+          </a:p>
+          <a:p>
+            <a:endParaRPr lang="nl-NL" sz="2000" dirty="0">
               <a:solidFill>
                 <a:schemeClr val="bg1"/>
               </a:solidFill>
@@ -7906,20 +9039,169 @@
           </a:p>
           <a:p>
             <a:r>
-              <a:rPr lang="en-US" sz="2000">
+              <a:rPr lang="en-US" sz="2000" dirty="0" err="1">
                 <a:solidFill>
                   <a:schemeClr val="bg1"/>
                 </a:solidFill>
               </a:rPr>
-              <a:t>Opdracht</a:t>
-            </a:r>
+              <a:t>Gewenste</a:t>
+            </a:r>
+            <a:r>
+              <a:rPr lang="en-US" sz="2000" dirty="0">
+                <a:solidFill>
+                  <a:schemeClr val="bg1"/>
+                </a:solidFill>
+              </a:rPr>
+              <a:t> </a:t>
+            </a:r>
+            <a:r>
+              <a:rPr lang="en-US" sz="2000" dirty="0" err="1">
+                <a:solidFill>
+                  <a:schemeClr val="bg1"/>
+                </a:solidFill>
+              </a:rPr>
+              <a:t>situatie</a:t>
+            </a:r>
+            <a:endParaRPr lang="en-US" sz="2000" dirty="0">
+              <a:solidFill>
+                <a:schemeClr val="bg1"/>
+              </a:solidFill>
+            </a:endParaRPr>
+          </a:p>
+          <a:p>
+            <a:endParaRPr lang="en-US" sz="2000" dirty="0">
+              <a:solidFill>
+                <a:schemeClr val="bg1"/>
+              </a:solidFill>
+            </a:endParaRPr>
+          </a:p>
+          <a:p>
+            <a:r>
+              <a:rPr lang="en-US" sz="2000" dirty="0">
+                <a:solidFill>
+                  <a:schemeClr val="bg1"/>
+                </a:solidFill>
+              </a:rPr>
+              <a:t>Proof of </a:t>
+            </a:r>
+            <a:r>
+              <a:rPr lang="en-US" sz="2000" dirty="0" smtClean="0">
+                <a:solidFill>
+                  <a:schemeClr val="bg1"/>
+                </a:solidFill>
+              </a:rPr>
+              <a:t>concept</a:t>
+            </a:r>
+          </a:p>
+          <a:p>
+            <a:endParaRPr lang="en-US" sz="2000" dirty="0">
+              <a:solidFill>
+                <a:schemeClr val="bg1"/>
+              </a:solidFill>
+            </a:endParaRPr>
+          </a:p>
+          <a:p>
+            <a:r>
+              <a:rPr lang="en-US" sz="2000" dirty="0" err="1" smtClean="0">
+                <a:solidFill>
+                  <a:schemeClr val="bg1"/>
+                </a:solidFill>
+              </a:rPr>
+              <a:t>Risico’s</a:t>
+            </a:r>
+            <a:endParaRPr lang="en-US" sz="2000" dirty="0">
+              <a:solidFill>
+                <a:schemeClr val="bg1"/>
+              </a:solidFill>
+            </a:endParaRPr>
+          </a:p>
+          <a:p>
+            <a:endParaRPr lang="nl-NL" sz="2000" dirty="0">
+              <a:solidFill>
+                <a:schemeClr val="bg1"/>
+              </a:solidFill>
+            </a:endParaRPr>
+          </a:p>
+          <a:p>
+            <a:r>
+              <a:rPr lang="en-US" sz="2000" dirty="0" err="1">
+                <a:solidFill>
+                  <a:schemeClr val="bg1"/>
+                </a:solidFill>
+              </a:rPr>
+              <a:t>Taakverdeling</a:t>
+            </a:r>
+            <a:endParaRPr lang="nl-NL" sz="2000" dirty="0">
+              <a:solidFill>
+                <a:schemeClr val="bg1"/>
+              </a:solidFill>
+            </a:endParaRPr>
+          </a:p>
+          <a:p>
+            <a:endParaRPr lang="nl-NL" sz="2000" dirty="0">
+              <a:solidFill>
+                <a:schemeClr val="bg1"/>
+              </a:solidFill>
+            </a:endParaRPr>
+          </a:p>
+        </p:txBody>
+      </p:sp>
+      <p:sp>
+        <p:nvSpPr>
+          <p:cNvPr id="5" name="Tekstvak 4"/>
+          <p:cNvSpPr txBox="1"/>
+          <p:nvPr/>
+        </p:nvSpPr>
+        <p:spPr>
+          <a:xfrm>
+            <a:off x="14376400" y="541867"/>
+            <a:ext cx="184731" cy="369332"/>
+          </a:xfrm>
+          <a:prstGeom prst="rect">
+            <a:avLst/>
+          </a:prstGeom>
+          <a:noFill/>
+        </p:spPr>
+        <p:txBody>
+          <a:bodyPr wrap="none" rtlCol="0">
+            <a:spAutoFit/>
+          </a:bodyPr>
+          <a:lstStyle/>
+          <a:p>
+            <a:endParaRPr lang="nl-NL"/>
+          </a:p>
+        </p:txBody>
+      </p:sp>
+      <p:sp>
+        <p:nvSpPr>
+          <p:cNvPr id="6" name="Tekstvak 5"/>
+          <p:cNvSpPr txBox="1"/>
+          <p:nvPr/>
+        </p:nvSpPr>
+        <p:spPr>
+          <a:xfrm>
+            <a:off x="3014133" y="4622800"/>
+            <a:ext cx="184731" cy="369332"/>
+          </a:xfrm>
+          <a:prstGeom prst="rect">
+            <a:avLst/>
+          </a:prstGeom>
+          <a:noFill/>
+        </p:spPr>
+        <p:txBody>
+          <a:bodyPr wrap="none" rtlCol="0">
+            <a:spAutoFit/>
+          </a:bodyPr>
+          <a:lstStyle/>
+          <a:p>
+            <a:endParaRPr lang="nl-NL" dirty="0"/>
           </a:p>
         </p:txBody>
       </p:sp>
     </p:spTree>
     <p:extLst>
       <p:ext uri="{BB962C8B-B14F-4D97-AF65-F5344CB8AC3E}">
-        <p14:creationId xmlns:p14="http://schemas.microsoft.com/office/powerpoint/2010/main" val="1633994240"/>
+        <p14:creationId xmlns:p14="http://schemas.microsoft.com/office/powerpoint/2010/main" val="1859940802"/>
       </p:ext>
     </p:extLst>
   </p:cSld>
@@ -7936,15 +9218,13 @@
 </p:sld>
 </file>
 
-<file path=ppt/slides/slide5.xml><?xml version="1.0" encoding="utf-8"?>
+<file path=ppt/slides/slide3.xml><?xml version="1.0" encoding="utf-8"?>
 <p:sld xmlns:a="http://schemas.openxmlformats.org/drawingml/2006/main" xmlns:r="http://schemas.openxmlformats.org/officeDocument/2006/relationships" xmlns:p="http://schemas.openxmlformats.org/presentationml/2006/main">
   <p:cSld>
     <p:bg>
       <p:bgPr>
         <a:solidFill>
-          <a:schemeClr val="tx1">
-            <a:lumMod val="50000"/>
-            <a:lumOff val="50000"/>
+          <a:schemeClr val="tx2">
             <a:alpha val="50000"/>
           </a:schemeClr>
         </a:solidFill>
@@ -7974,7 +9254,7 @@
           <p:nvPr/>
         </p:nvPicPr>
         <p:blipFill rotWithShape="1">
-          <a:blip r:embed="rId2">
+          <a:blip r:embed="rId3">
             <a:alphaModFix amt="30000"/>
             <a:extLst>
               <a:ext uri="{28A0092B-C50C-407E-A947-70E740481C1C}">
@@ -8036,8 +9316,19 @@
                 <a:cs typeface="Lato"/>
                 <a:sym typeface="Lato"/>
               </a:rPr>
-              <a:t>Doelstellingen</a:t>
-            </a:r>
+              <a:t>Huidige situatie </a:t>
+            </a:r>
+            <a:br>
+              <a:rPr lang="nl-NL" sz="4800" dirty="0" smtClean="0">
+                <a:solidFill>
+                  <a:srgbClr val="FFFFFF"/>
+                </a:solidFill>
+                <a:latin typeface="Lato"/>
+                <a:ea typeface="Lato"/>
+                <a:cs typeface="Lato"/>
+                <a:sym typeface="Lato"/>
+              </a:rPr>
+            </a:br>
             <a:endParaRPr lang="nl" sz="4800" dirty="0">
               <a:solidFill>
                 <a:srgbClr val="FFFFFF"/>
@@ -8053,7 +9344,7 @@
     </p:spTree>
     <p:extLst>
       <p:ext uri="{BB962C8B-B14F-4D97-AF65-F5344CB8AC3E}">
-        <p14:creationId xmlns:p14="http://schemas.microsoft.com/office/powerpoint/2010/main" val="1315766716"/>
+        <p14:creationId xmlns:p14="http://schemas.microsoft.com/office/powerpoint/2010/main" val="2020371813"/>
       </p:ext>
     </p:extLst>
   </p:cSld>
@@ -8070,7 +9361,7 @@
 </p:sld>
 </file>
 
-<file path=ppt/slides/slide6.xml><?xml version="1.0" encoding="utf-8"?>
+<file path=ppt/slides/slide4.xml><?xml version="1.0" encoding="utf-8"?>
 <p:sld xmlns:a="http://schemas.openxmlformats.org/drawingml/2006/main" xmlns:r="http://schemas.openxmlformats.org/officeDocument/2006/relationships" xmlns:p="http://schemas.openxmlformats.org/presentationml/2006/main">
   <p:cSld>
     <p:spTree>
@@ -8089,7 +9380,7 @@
       </p:grpSpPr>
       <p:sp>
         <p:nvSpPr>
-          <p:cNvPr id="9" name="Freeform 12"/>
+          <p:cNvPr id="10" name="Freeform 12"/>
           <p:cNvSpPr>
             <a:spLocks noGrp="1" noRot="1" noChangeAspect="1" noMove="1" noResize="1" noEditPoints="1" noAdjustHandles="1" noChangeArrowheads="1" noChangeShapeType="1" noTextEdit="1"/>
           </p:cNvSpPr>
@@ -8204,7 +9495,7 @@
       </p:sp>
       <p:sp>
         <p:nvSpPr>
-          <p:cNvPr id="10" name="Freeform 11"/>
+          <p:cNvPr id="11" name="Freeform 11"/>
           <p:cNvSpPr>
             <a:spLocks noGrp="1" noRot="1" noChangeAspect="1" noMove="1" noResize="1" noEditPoints="1" noAdjustHandles="1" noChangeArrowheads="1" noChangeShapeType="1" noTextEdit="1"/>
           </p:cNvSpPr>
@@ -8311,7 +9602,7 @@
           <p:nvPr/>
         </p:nvPicPr>
         <p:blipFill>
-          <a:blip r:embed="rId2">
+          <a:blip r:embed="rId3">
             <a:extLst>
               <a:ext uri="{28A0092B-C50C-407E-A947-70E740481C1C}">
                 <a14:useLocalDpi xmlns:a14="http://schemas.microsoft.com/office/drawing/2010/main" val="0"/>
@@ -8324,8 +9615,8 @@
         </p:blipFill>
         <p:spPr>
           <a:xfrm>
-            <a:off x="7027333" y="3214113"/>
-            <a:ext cx="4832973" cy="1981519"/>
+            <a:off x="2827867" y="3214232"/>
+            <a:ext cx="10228095" cy="4295798"/>
           </a:xfrm>
           <a:custGeom>
             <a:avLst/>
@@ -8398,10 +9689,10 @@
           <a:lstStyle/>
           <a:p>
             <a:r>
-              <a:rPr lang="en-US" dirty="0" err="1"/>
-              <a:t>Doelstellingen</a:t>
-            </a:r>
-            <a:endParaRPr lang="nl-NL" dirty="0"/>
+              <a:rPr lang="en-US"/>
+              <a:t>Huidige situatie</a:t>
+            </a:r>
+            <a:endParaRPr lang="nl-NL"/>
           </a:p>
         </p:txBody>
       </p:sp>
@@ -8428,59 +9719,54 @@
           <a:lstStyle/>
           <a:p>
             <a:r>
-              <a:rPr lang="nl-NL" sz="2000">
-                <a:solidFill>
-                  <a:schemeClr val="bg1"/>
-                </a:solidFill>
-              </a:rPr>
-              <a:t>Een functioneel proof of concept opleveren</a:t>
-            </a:r>
-          </a:p>
-          <a:p>
-            <a:endParaRPr lang="nl-NL" sz="2000">
-              <a:solidFill>
-                <a:schemeClr val="bg1"/>
-              </a:solidFill>
-            </a:endParaRPr>
-          </a:p>
-          <a:p>
-            <a:r>
-              <a:rPr lang="nl-NL" sz="2000">
-                <a:solidFill>
-                  <a:schemeClr val="bg1"/>
-                </a:solidFill>
-              </a:rPr>
-              <a:t>Duidelijke documentatie opstellen</a:t>
-            </a:r>
-          </a:p>
-          <a:p>
-            <a:endParaRPr lang="nl-NL" sz="2000">
-              <a:solidFill>
-                <a:schemeClr val="bg1"/>
-              </a:solidFill>
-            </a:endParaRPr>
-          </a:p>
-          <a:p>
-            <a:r>
               <a:rPr lang="en-US" sz="2000">
                 <a:solidFill>
                   <a:schemeClr val="bg1"/>
                 </a:solidFill>
               </a:rPr>
-              <a:t>Kosten laag houden</a:t>
-            </a:r>
-            <a:endParaRPr lang="nl-NL" sz="2000">
+              <a:t>Zorggroep</a:t>
+            </a:r>
+          </a:p>
+          <a:p>
+            <a:endParaRPr lang="en-US" sz="2000">
               <a:solidFill>
                 <a:schemeClr val="bg1"/>
               </a:solidFill>
             </a:endParaRPr>
           </a:p>
+          <a:p>
+            <a:r>
+              <a:rPr lang="en-US" sz="2000">
+                <a:solidFill>
+                  <a:schemeClr val="bg1"/>
+                </a:solidFill>
+              </a:rPr>
+              <a:t>Aanleiding</a:t>
+            </a:r>
+          </a:p>
+          <a:p>
+            <a:endParaRPr lang="en-US" sz="2000">
+              <a:solidFill>
+                <a:schemeClr val="bg1"/>
+              </a:solidFill>
+            </a:endParaRPr>
+          </a:p>
+          <a:p>
+            <a:r>
+              <a:rPr lang="en-US" sz="2000">
+                <a:solidFill>
+                  <a:schemeClr val="bg1"/>
+                </a:solidFill>
+              </a:rPr>
+              <a:t>Opdracht</a:t>
+            </a:r>
+          </a:p>
         </p:txBody>
       </p:sp>
     </p:spTree>
     <p:extLst>
       <p:ext uri="{BB962C8B-B14F-4D97-AF65-F5344CB8AC3E}">
-        <p14:creationId xmlns:p14="http://schemas.microsoft.com/office/powerpoint/2010/main" val="3204348668"/>
+        <p14:creationId xmlns:p14="http://schemas.microsoft.com/office/powerpoint/2010/main" val="1633994240"/>
       </p:ext>
     </p:extLst>
   </p:cSld>
@@ -8497,15 +9783,13 @@
 </p:sld>
 </file>
 
-<file path=ppt/slides/slide7.xml><?xml version="1.0" encoding="utf-8"?>
+<file path=ppt/slides/slide5.xml><?xml version="1.0" encoding="utf-8"?>
 <p:sld xmlns:a="http://schemas.openxmlformats.org/drawingml/2006/main" xmlns:r="http://schemas.openxmlformats.org/officeDocument/2006/relationships" xmlns:p="http://schemas.openxmlformats.org/presentationml/2006/main">
   <p:cSld>
     <p:bg>
       <p:bgPr>
         <a:solidFill>
-          <a:schemeClr val="tx1">
-            <a:lumMod val="50000"/>
-            <a:lumOff val="50000"/>
+          <a:schemeClr val="tx2">
             <a:alpha val="50000"/>
           </a:schemeClr>
         </a:solidFill>
@@ -8535,7 +9819,7 @@
           <p:nvPr/>
         </p:nvPicPr>
         <p:blipFill rotWithShape="1">
-          <a:blip r:embed="rId2">
+          <a:blip r:embed="rId3">
             <a:alphaModFix amt="30000"/>
             <a:extLst>
               <a:ext uri="{28A0092B-C50C-407E-A947-70E740481C1C}">
@@ -8597,19 +9881,8 @@
                 <a:cs typeface="Lato"/>
                 <a:sym typeface="Lato"/>
               </a:rPr>
-              <a:t>Gewenste situatie</a:t>
-            </a:r>
-            <a:br>
-              <a:rPr lang="nl-NL" sz="4800" dirty="0" smtClean="0">
-                <a:solidFill>
-                  <a:srgbClr val="FFFFFF"/>
-                </a:solidFill>
-                <a:latin typeface="Lato"/>
-                <a:ea typeface="Lato"/>
-                <a:cs typeface="Lato"/>
-                <a:sym typeface="Lato"/>
-              </a:rPr>
-            </a:br>
+              <a:t>Doelstellingen</a:t>
+            </a:r>
             <a:endParaRPr lang="nl" sz="4800" dirty="0">
               <a:solidFill>
                 <a:srgbClr val="FFFFFF"/>
@@ -8625,7 +9898,7 @@
     </p:spTree>
     <p:extLst>
       <p:ext uri="{BB962C8B-B14F-4D97-AF65-F5344CB8AC3E}">
-        <p14:creationId xmlns:p14="http://schemas.microsoft.com/office/powerpoint/2010/main" val="1452082653"/>
+        <p14:creationId xmlns:p14="http://schemas.microsoft.com/office/powerpoint/2010/main" val="1315766716"/>
       </p:ext>
     </p:extLst>
   </p:cSld>
@@ -8642,7 +9915,7 @@
 </p:sld>
 </file>
 
-<file path=ppt/slides/slide8.xml><?xml version="1.0" encoding="utf-8"?>
+<file path=ppt/slides/slide6.xml><?xml version="1.0" encoding="utf-8"?>
 <p:sld xmlns:a="http://schemas.openxmlformats.org/drawingml/2006/main" xmlns:r="http://schemas.openxmlformats.org/officeDocument/2006/relationships" xmlns:p="http://schemas.openxmlformats.org/presentationml/2006/main">
   <p:cSld>
     <p:spTree>
@@ -8661,7 +9934,7 @@
       </p:grpSpPr>
       <p:sp>
         <p:nvSpPr>
-          <p:cNvPr id="6" name="Freeform 12"/>
+          <p:cNvPr id="9" name="Freeform 12"/>
           <p:cNvSpPr>
             <a:spLocks noGrp="1" noRot="1" noChangeAspect="1" noMove="1" noResize="1" noEditPoints="1" noAdjustHandles="1" noChangeArrowheads="1" noChangeShapeType="1" noTextEdit="1"/>
           </p:cNvSpPr>
@@ -8776,7 +10049,7 @@
       </p:sp>
       <p:sp>
         <p:nvSpPr>
-          <p:cNvPr id="7" name="Freeform 11"/>
+          <p:cNvPr id="10" name="Freeform 11"/>
           <p:cNvSpPr>
             <a:spLocks noGrp="1" noRot="1" noChangeAspect="1" noMove="1" noResize="1" noEditPoints="1" noAdjustHandles="1" noChangeArrowheads="1" noChangeShapeType="1" noTextEdit="1"/>
           </p:cNvSpPr>
@@ -8876,6 +10149,576 @@
       </p:sp>
       <p:pic>
         <p:nvPicPr>
+          <p:cNvPr id="5" name="Afbeelding 4"/>
+          <p:cNvPicPr>
+            <a:picLocks noChangeAspect="1"/>
+          </p:cNvPicPr>
+          <p:nvPr/>
+        </p:nvPicPr>
+        <p:blipFill>
+          <a:blip r:embed="rId3">
+            <a:extLst>
+              <a:ext uri="{28A0092B-C50C-407E-A947-70E740481C1C}">
+                <a14:useLocalDpi xmlns:a14="http://schemas.microsoft.com/office/drawing/2010/main" val="0"/>
+              </a:ext>
+            </a:extLst>
+          </a:blip>
+          <a:stretch>
+            <a:fillRect/>
+          </a:stretch>
+        </p:blipFill>
+        <p:spPr>
+          <a:xfrm>
+            <a:off x="7027333" y="3214113"/>
+            <a:ext cx="4832973" cy="1981519"/>
+          </a:xfrm>
+          <a:custGeom>
+            <a:avLst/>
+            <a:gdLst>
+              <a:gd name="connsiteX0" fmla="*/ 0 w 4636009"/>
+              <a:gd name="connsiteY0" fmla="*/ 0 h 5032375"/>
+              <a:gd name="connsiteX1" fmla="*/ 4636009 w 4636009"/>
+              <a:gd name="connsiteY1" fmla="*/ 0 h 5032375"/>
+              <a:gd name="connsiteX2" fmla="*/ 4636009 w 4636009"/>
+              <a:gd name="connsiteY2" fmla="*/ 5032375 h 5032375"/>
+              <a:gd name="connsiteX3" fmla="*/ 0 w 4636009"/>
+              <a:gd name="connsiteY3" fmla="*/ 5032375 h 5032375"/>
+            </a:gdLst>
+            <a:ahLst/>
+            <a:cxnLst>
+              <a:cxn ang="0">
+                <a:pos x="connsiteX0" y="connsiteY0"/>
+              </a:cxn>
+              <a:cxn ang="0">
+                <a:pos x="connsiteX1" y="connsiteY1"/>
+              </a:cxn>
+              <a:cxn ang="0">
+                <a:pos x="connsiteX2" y="connsiteY2"/>
+              </a:cxn>
+              <a:cxn ang="0">
+                <a:pos x="connsiteX3" y="connsiteY3"/>
+              </a:cxn>
+            </a:cxnLst>
+            <a:rect l="l" t="t" r="r" b="b"/>
+            <a:pathLst>
+              <a:path w="4636009" h="5032375">
+                <a:moveTo>
+                  <a:pt x="0" y="0"/>
+                </a:moveTo>
+                <a:lnTo>
+                  <a:pt x="4636009" y="0"/>
+                </a:lnTo>
+                <a:lnTo>
+                  <a:pt x="4636009" y="5032375"/>
+                </a:lnTo>
+                <a:lnTo>
+                  <a:pt x="0" y="5032375"/>
+                </a:lnTo>
+                <a:close/>
+              </a:path>
+            </a:pathLst>
+          </a:custGeom>
+        </p:spPr>
+      </p:pic>
+      <p:sp>
+        <p:nvSpPr>
+          <p:cNvPr id="2" name="Titel 1"/>
+          <p:cNvSpPr>
+            <a:spLocks noGrp="1"/>
+          </p:cNvSpPr>
+          <p:nvPr>
+            <p:ph type="title"/>
+          </p:nvPr>
+        </p:nvSpPr>
+        <p:spPr>
+          <a:xfrm>
+            <a:off x="838200" y="365125"/>
+            <a:ext cx="10515600" cy="1325563"/>
+          </a:xfrm>
+        </p:spPr>
+        <p:txBody>
+          <a:bodyPr>
+            <a:normAutofit/>
+          </a:bodyPr>
+          <a:lstStyle/>
+          <a:p>
+            <a:r>
+              <a:rPr lang="en-US" dirty="0" err="1"/>
+              <a:t>Doelstellingen</a:t>
+            </a:r>
+            <a:endParaRPr lang="nl-NL" dirty="0"/>
+          </a:p>
+        </p:txBody>
+      </p:sp>
+      <p:sp>
+        <p:nvSpPr>
+          <p:cNvPr id="3" name="Tijdelijke aanduiding voor inhoud 2"/>
+          <p:cNvSpPr>
+            <a:spLocks noGrp="1"/>
+          </p:cNvSpPr>
+          <p:nvPr>
+            <p:ph idx="1"/>
+          </p:nvPr>
+        </p:nvSpPr>
+        <p:spPr>
+          <a:xfrm>
+            <a:off x="838200" y="2012865"/>
+            <a:ext cx="4317322" cy="4164098"/>
+          </a:xfrm>
+        </p:spPr>
+        <p:txBody>
+          <a:bodyPr anchor="ctr">
+            <a:normAutofit/>
+          </a:bodyPr>
+          <a:lstStyle/>
+          <a:p>
+            <a:r>
+              <a:rPr lang="nl-NL" sz="2000">
+                <a:solidFill>
+                  <a:schemeClr val="bg1"/>
+                </a:solidFill>
+              </a:rPr>
+              <a:t>Een functioneel proof of concept opleveren</a:t>
+            </a:r>
+          </a:p>
+          <a:p>
+            <a:endParaRPr lang="nl-NL" sz="2000">
+              <a:solidFill>
+                <a:schemeClr val="bg1"/>
+              </a:solidFill>
+            </a:endParaRPr>
+          </a:p>
+          <a:p>
+            <a:r>
+              <a:rPr lang="nl-NL" sz="2000">
+                <a:solidFill>
+                  <a:schemeClr val="bg1"/>
+                </a:solidFill>
+              </a:rPr>
+              <a:t>Duidelijke documentatie opstellen</a:t>
+            </a:r>
+          </a:p>
+          <a:p>
+            <a:endParaRPr lang="nl-NL" sz="2000">
+              <a:solidFill>
+                <a:schemeClr val="bg1"/>
+              </a:solidFill>
+            </a:endParaRPr>
+          </a:p>
+          <a:p>
+            <a:r>
+              <a:rPr lang="en-US" sz="2000">
+                <a:solidFill>
+                  <a:schemeClr val="bg1"/>
+                </a:solidFill>
+              </a:rPr>
+              <a:t>Kosten laag houden</a:t>
+            </a:r>
+            <a:endParaRPr lang="nl-NL" sz="2000">
+              <a:solidFill>
+                <a:schemeClr val="bg1"/>
+              </a:solidFill>
+            </a:endParaRPr>
+          </a:p>
+        </p:txBody>
+      </p:sp>
+    </p:spTree>
+    <p:extLst>
+      <p:ext uri="{BB962C8B-B14F-4D97-AF65-F5344CB8AC3E}">
+        <p14:creationId xmlns:p14="http://schemas.microsoft.com/office/powerpoint/2010/main" val="3204348668"/>
+      </p:ext>
+    </p:extLst>
+  </p:cSld>
+  <p:clrMapOvr>
+    <a:masterClrMapping/>
+  </p:clrMapOvr>
+  <p:timing>
+    <p:tnLst>
+      <p:par>
+        <p:cTn id="1" dur="indefinite" restart="never" nodeType="tmRoot"/>
+      </p:par>
+    </p:tnLst>
+  </p:timing>
+</p:sld>
+</file>
+
+<file path=ppt/slides/slide7.xml><?xml version="1.0" encoding="utf-8"?>
+<p:sld xmlns:a="http://schemas.openxmlformats.org/drawingml/2006/main" xmlns:r="http://schemas.openxmlformats.org/officeDocument/2006/relationships" xmlns:p="http://schemas.openxmlformats.org/presentationml/2006/main">
+  <p:cSld>
+    <p:bg>
+      <p:bgPr>
+        <a:solidFill>
+          <a:schemeClr val="tx2">
+            <a:alpha val="50000"/>
+          </a:schemeClr>
+        </a:solidFill>
+        <a:effectLst/>
+      </p:bgPr>
+    </p:bg>
+    <p:spTree>
+      <p:nvGrpSpPr>
+        <p:cNvPr id="1" name=""/>
+        <p:cNvGrpSpPr/>
+        <p:nvPr/>
+      </p:nvGrpSpPr>
+      <p:grpSpPr>
+        <a:xfrm>
+          <a:off x="0" y="0"/>
+          <a:ext cx="0" cy="0"/>
+          <a:chOff x="0" y="0"/>
+          <a:chExt cx="0" cy="0"/>
+        </a:xfrm>
+      </p:grpSpPr>
+      <p:pic>
+        <p:nvPicPr>
+          <p:cNvPr id="4" name="Afbeelding 3"/>
+          <p:cNvPicPr>
+            <a:picLocks noChangeAspect="1"/>
+          </p:cNvPicPr>
+          <p:nvPr/>
+        </p:nvPicPr>
+        <p:blipFill rotWithShape="1">
+          <a:blip r:embed="rId3">
+            <a:alphaModFix amt="30000"/>
+            <a:extLst>
+              <a:ext uri="{28A0092B-C50C-407E-A947-70E740481C1C}">
+                <a14:useLocalDpi xmlns:a14="http://schemas.microsoft.com/office/drawing/2010/main" val="0"/>
+              </a:ext>
+            </a:extLst>
+          </a:blip>
+          <a:srcRect t="5366" r="1" b="11567"/>
+          <a:stretch/>
+        </p:blipFill>
+        <p:spPr>
+          <a:xfrm>
+            <a:off x="-5768" y="0"/>
+            <a:ext cx="12197767" cy="6858000"/>
+          </a:xfrm>
+          <a:prstGeom prst="rect">
+            <a:avLst/>
+          </a:prstGeom>
+        </p:spPr>
+      </p:pic>
+      <p:sp>
+        <p:nvSpPr>
+          <p:cNvPr id="5" name="Shape 89"/>
+          <p:cNvSpPr txBox="1">
+            <a:spLocks noGrp="1"/>
+          </p:cNvSpPr>
+          <p:nvPr>
+            <p:ph type="title"/>
+          </p:nvPr>
+        </p:nvSpPr>
+        <p:spPr>
+          <a:xfrm>
+            <a:off x="3619016" y="3036300"/>
+            <a:ext cx="4948200" cy="785400"/>
+          </a:xfrm>
+          <a:prstGeom prst="rect">
+            <a:avLst/>
+          </a:prstGeom>
+        </p:spPr>
+        <p:txBody>
+          <a:bodyPr lIns="91425" tIns="91425" rIns="91425" bIns="91425" anchor="t" anchorCtr="0">
+            <a:noAutofit/>
+          </a:bodyPr>
+          <a:lstStyle/>
+          <a:p>
+            <a:pPr lvl="0" algn="ctr" rtl="0">
+              <a:spcBef>
+                <a:spcPts val="0"/>
+              </a:spcBef>
+              <a:buNone/>
+            </a:pPr>
+            <a:r>
+              <a:rPr lang="nl-NL" sz="4800" dirty="0" smtClean="0">
+                <a:solidFill>
+                  <a:srgbClr val="FFFFFF"/>
+                </a:solidFill>
+                <a:latin typeface="Lato"/>
+                <a:ea typeface="Lato"/>
+                <a:cs typeface="Lato"/>
+                <a:sym typeface="Lato"/>
+              </a:rPr>
+              <a:t>Gewenste situatie</a:t>
+            </a:r>
+            <a:br>
+              <a:rPr lang="nl-NL" sz="4800" dirty="0" smtClean="0">
+                <a:solidFill>
+                  <a:srgbClr val="FFFFFF"/>
+                </a:solidFill>
+                <a:latin typeface="Lato"/>
+                <a:ea typeface="Lato"/>
+                <a:cs typeface="Lato"/>
+                <a:sym typeface="Lato"/>
+              </a:rPr>
+            </a:br>
+            <a:endParaRPr lang="nl" sz="4800" dirty="0">
+              <a:solidFill>
+                <a:srgbClr val="FFFFFF"/>
+              </a:solidFill>
+              <a:latin typeface="Lato"/>
+              <a:ea typeface="Lato"/>
+              <a:cs typeface="Lato"/>
+              <a:sym typeface="Lato"/>
+            </a:endParaRPr>
+          </a:p>
+        </p:txBody>
+      </p:sp>
+    </p:spTree>
+    <p:extLst>
+      <p:ext uri="{BB962C8B-B14F-4D97-AF65-F5344CB8AC3E}">
+        <p14:creationId xmlns:p14="http://schemas.microsoft.com/office/powerpoint/2010/main" val="1452082653"/>
+      </p:ext>
+    </p:extLst>
+  </p:cSld>
+  <p:clrMapOvr>
+    <a:masterClrMapping/>
+  </p:clrMapOvr>
+  <p:timing>
+    <p:tnLst>
+      <p:par>
+        <p:cTn id="1" dur="indefinite" restart="never" nodeType="tmRoot"/>
+      </p:par>
+    </p:tnLst>
+  </p:timing>
+</p:sld>
+</file>
+
+<file path=ppt/slides/slide8.xml><?xml version="1.0" encoding="utf-8"?>
+<p:sld xmlns:a="http://schemas.openxmlformats.org/drawingml/2006/main" xmlns:r="http://schemas.openxmlformats.org/officeDocument/2006/relationships" xmlns:p="http://schemas.openxmlformats.org/presentationml/2006/main">
+  <p:cSld>
+    <p:spTree>
+      <p:nvGrpSpPr>
+        <p:cNvPr id="1" name=""/>
+        <p:cNvGrpSpPr/>
+        <p:nvPr/>
+      </p:nvGrpSpPr>
+      <p:grpSpPr>
+        <a:xfrm>
+          <a:off x="0" y="0"/>
+          <a:ext cx="0" cy="0"/>
+          <a:chOff x="0" y="0"/>
+          <a:chExt cx="0" cy="0"/>
+        </a:xfrm>
+      </p:grpSpPr>
+      <p:sp>
+        <p:nvSpPr>
+          <p:cNvPr id="6" name="Freeform 12"/>
+          <p:cNvSpPr>
+            <a:spLocks noGrp="1" noRot="1" noChangeAspect="1" noMove="1" noResize="1" noEditPoints="1" noAdjustHandles="1" noChangeArrowheads="1" noChangeShapeType="1" noTextEdit="1"/>
+          </p:cNvSpPr>
+          <p:nvPr>
+            <p:extLst>
+              <p:ext uri="{386F3935-93C4-4BCD-93E2-E3B085C9AB24}">
+                <p16:designElem xmlns:p16="http://schemas.microsoft.com/office/powerpoint/2015/main" val="1"/>
+              </p:ext>
+            </p:extLst>
+          </p:nvPr>
+        </p:nvSpPr>
+        <p:spPr>
+          <a:xfrm>
+            <a:off x="4948518" y="1690688"/>
+            <a:ext cx="7243482" cy="5167312"/>
+          </a:xfrm>
+          <a:custGeom>
+            <a:avLst/>
+            <a:gdLst>
+              <a:gd name="connsiteX0" fmla="*/ 0 w 7243482"/>
+              <a:gd name="connsiteY0" fmla="*/ 0 h 5167312"/>
+              <a:gd name="connsiteX1" fmla="*/ 7243482 w 7243482"/>
+              <a:gd name="connsiteY1" fmla="*/ 0 h 5167312"/>
+              <a:gd name="connsiteX2" fmla="*/ 7243482 w 7243482"/>
+              <a:gd name="connsiteY2" fmla="*/ 5167312 h 5167312"/>
+              <a:gd name="connsiteX3" fmla="*/ 221324 w 7243482"/>
+              <a:gd name="connsiteY3" fmla="*/ 5167312 h 5167312"/>
+              <a:gd name="connsiteX4" fmla="*/ 2615203 w 7243482"/>
+              <a:gd name="connsiteY4" fmla="*/ 952 h 5167312"/>
+              <a:gd name="connsiteX5" fmla="*/ 0 w 7243482"/>
+              <a:gd name="connsiteY5" fmla="*/ 952 h 5167312"/>
+            </a:gdLst>
+            <a:ahLst/>
+            <a:cxnLst>
+              <a:cxn ang="0">
+                <a:pos x="connsiteX0" y="connsiteY0"/>
+              </a:cxn>
+              <a:cxn ang="0">
+                <a:pos x="connsiteX1" y="connsiteY1"/>
+              </a:cxn>
+              <a:cxn ang="0">
+                <a:pos x="connsiteX2" y="connsiteY2"/>
+              </a:cxn>
+              <a:cxn ang="0">
+                <a:pos x="connsiteX3" y="connsiteY3"/>
+              </a:cxn>
+              <a:cxn ang="0">
+                <a:pos x="connsiteX4" y="connsiteY4"/>
+              </a:cxn>
+              <a:cxn ang="0">
+                <a:pos x="connsiteX5" y="connsiteY5"/>
+              </a:cxn>
+            </a:cxnLst>
+            <a:rect l="l" t="t" r="r" b="b"/>
+            <a:pathLst>
+              <a:path w="7243482" h="5167312">
+                <a:moveTo>
+                  <a:pt x="0" y="0"/>
+                </a:moveTo>
+                <a:lnTo>
+                  <a:pt x="7243482" y="0"/>
+                </a:lnTo>
+                <a:lnTo>
+                  <a:pt x="7243482" y="5167312"/>
+                </a:lnTo>
+                <a:lnTo>
+                  <a:pt x="221324" y="5167312"/>
+                </a:lnTo>
+                <a:lnTo>
+                  <a:pt x="2615203" y="952"/>
+                </a:lnTo>
+                <a:lnTo>
+                  <a:pt x="0" y="952"/>
+                </a:lnTo>
+                <a:close/>
+              </a:path>
+            </a:pathLst>
+          </a:custGeom>
+          <a:solidFill>
+            <a:schemeClr val="bg2"/>
+          </a:solidFill>
+          <a:ln>
+            <a:noFill/>
+          </a:ln>
+        </p:spPr>
+        <p:style>
+          <a:lnRef idx="2">
+            <a:schemeClr val="accent1">
+              <a:shade val="50000"/>
+            </a:schemeClr>
+          </a:lnRef>
+          <a:fillRef idx="1">
+            <a:schemeClr val="accent1"/>
+          </a:fillRef>
+          <a:effectRef idx="0">
+            <a:schemeClr val="accent1"/>
+          </a:effectRef>
+          <a:fontRef idx="minor">
+            <a:schemeClr val="lt1"/>
+          </a:fontRef>
+        </p:style>
+        <p:txBody>
+          <a:bodyPr wrap="square" rtlCol="0" anchor="ctr">
+            <a:noAutofit/>
+          </a:bodyPr>
+          <a:lstStyle/>
+          <a:p>
+            <a:pPr algn="ctr"/>
+            <a:endParaRPr lang="en-US"/>
+          </a:p>
+        </p:txBody>
+      </p:sp>
+      <p:sp>
+        <p:nvSpPr>
+          <p:cNvPr id="7" name="Freeform 11"/>
+          <p:cNvSpPr>
+            <a:spLocks noGrp="1" noRot="1" noChangeAspect="1" noMove="1" noResize="1" noEditPoints="1" noAdjustHandles="1" noChangeArrowheads="1" noChangeShapeType="1" noTextEdit="1"/>
+          </p:cNvSpPr>
+          <p:nvPr>
+            <p:extLst>
+              <p:ext uri="{386F3935-93C4-4BCD-93E2-E3B085C9AB24}">
+                <p16:designElem xmlns:p16="http://schemas.microsoft.com/office/powerpoint/2015/main" val="1"/>
+              </p:ext>
+            </p:extLst>
+          </p:nvPr>
+        </p:nvSpPr>
+        <p:spPr>
+          <a:xfrm>
+            <a:off x="0" y="1691640"/>
+            <a:ext cx="7399176" cy="5166360"/>
+          </a:xfrm>
+          <a:custGeom>
+            <a:avLst/>
+            <a:gdLst>
+              <a:gd name="connsiteX0" fmla="*/ 0 w 7399176"/>
+              <a:gd name="connsiteY0" fmla="*/ 0 h 5166360"/>
+              <a:gd name="connsiteX1" fmla="*/ 7399176 w 7399176"/>
+              <a:gd name="connsiteY1" fmla="*/ 0 h 5166360"/>
+              <a:gd name="connsiteX2" fmla="*/ 5005297 w 7399176"/>
+              <a:gd name="connsiteY2" fmla="*/ 5166360 h 5166360"/>
+              <a:gd name="connsiteX3" fmla="*/ 0 w 7399176"/>
+              <a:gd name="connsiteY3" fmla="*/ 5166360 h 5166360"/>
+            </a:gdLst>
+            <a:ahLst/>
+            <a:cxnLst>
+              <a:cxn ang="0">
+                <a:pos x="connsiteX0" y="connsiteY0"/>
+              </a:cxn>
+              <a:cxn ang="0">
+                <a:pos x="connsiteX1" y="connsiteY1"/>
+              </a:cxn>
+              <a:cxn ang="0">
+                <a:pos x="connsiteX2" y="connsiteY2"/>
+              </a:cxn>
+              <a:cxn ang="0">
+                <a:pos x="connsiteX3" y="connsiteY3"/>
+              </a:cxn>
+            </a:cxnLst>
+            <a:rect l="l" t="t" r="r" b="b"/>
+            <a:pathLst>
+              <a:path w="7399176" h="5166360">
+                <a:moveTo>
+                  <a:pt x="0" y="0"/>
+                </a:moveTo>
+                <a:lnTo>
+                  <a:pt x="7399176" y="0"/>
+                </a:lnTo>
+                <a:lnTo>
+                  <a:pt x="5005297" y="5166360"/>
+                </a:lnTo>
+                <a:lnTo>
+                  <a:pt x="0" y="5166360"/>
+                </a:lnTo>
+                <a:close/>
+              </a:path>
+            </a:pathLst>
+          </a:custGeom>
+          <a:solidFill>
+            <a:schemeClr val="tx1">
+              <a:lumMod val="85000"/>
+              <a:lumOff val="15000"/>
+            </a:schemeClr>
+          </a:solidFill>
+          <a:ln>
+            <a:noFill/>
+          </a:ln>
+        </p:spPr>
+        <p:style>
+          <a:lnRef idx="2">
+            <a:schemeClr val="accent1">
+              <a:shade val="50000"/>
+            </a:schemeClr>
+          </a:lnRef>
+          <a:fillRef idx="1">
+            <a:schemeClr val="accent1"/>
+          </a:fillRef>
+          <a:effectRef idx="0">
+            <a:schemeClr val="accent1"/>
+          </a:effectRef>
+          <a:fontRef idx="minor">
+            <a:schemeClr val="lt1"/>
+          </a:fontRef>
+        </p:style>
+        <p:txBody>
+          <a:bodyPr rtlCol="0" anchor="ctr"/>
+          <a:lstStyle/>
+          <a:p>
+            <a:pPr algn="ctr"/>
+            <a:endParaRPr lang="en-US"/>
+          </a:p>
+        </p:txBody>
+      </p:sp>
+      <p:pic>
+        <p:nvPicPr>
           <p:cNvPr id="4" name="Afbeelding 3"/>
           <p:cNvPicPr>
             <a:picLocks noChangeAspect="1"/>
@@ -8883,7 +10726,7 @@
           <p:nvPr/>
         </p:nvPicPr>
         <p:blipFill>
-          <a:blip r:embed="rId2">
+          <a:blip r:embed="rId3">
             <a:extLst>
               <a:ext uri="{28A0092B-C50C-407E-A947-70E740481C1C}">
                 <a14:useLocalDpi xmlns:a14="http://schemas.microsoft.com/office/drawing/2010/main" val="0"/>
@@ -9085,9 +10928,7 @@
     <p:bg>
       <p:bgPr>
         <a:solidFill>
-          <a:schemeClr val="tx1">
-            <a:lumMod val="50000"/>
-            <a:lumOff val="50000"/>
+          <a:schemeClr val="tx2">
             <a:alpha val="50000"/>
           </a:schemeClr>
         </a:solidFill>
@@ -9117,7 +10958,7 @@
           <p:nvPr/>
         </p:nvPicPr>
         <p:blipFill rotWithShape="1">
-          <a:blip r:embed="rId2">
+          <a:blip r:embed="rId3">
             <a:alphaModFix amt="30000"/>
             <a:extLst>
               <a:ext uri="{28A0092B-C50C-407E-A947-70E740481C1C}">
@@ -9216,15 +11057,15 @@
 <file path=ppt/theme/theme1.xml><?xml version="1.0" encoding="utf-8"?>
 <a:theme xmlns:a="http://schemas.openxmlformats.org/drawingml/2006/main" name="Office-thema">
   <a:themeElements>
-    <a:clrScheme name="Office">
+    <a:clrScheme name="Aangepast 5">
       <a:dk1>
-        <a:sysClr val="windowText" lastClr="000000"/>
+        <a:srgbClr val="50647F"/>
       </a:dk1>
       <a:lt1>
-        <a:sysClr val="window" lastClr="FFFFFF"/>
+        <a:srgbClr val="FFFFFF"/>
       </a:lt1>
       <a:dk2>
-        <a:srgbClr val="44546A"/>
+        <a:srgbClr val="50647F"/>
       </a:dk2>
       <a:lt2>
         <a:srgbClr val="E7E6E6"/>

--- a/Plan van aanpak/presentatie.pptx
+++ b/Plan van aanpak/presentatie.pptx
@@ -214,7 +214,7 @@
           <a:p>
             <a:fld id="{40FD5536-45A9-4A0A-8973-D0AAC2308B84}" type="datetimeFigureOut">
               <a:rPr lang="nl-NL" smtClean="0"/>
-              <a:t>19-01-17</a:t>
+              <a:t>19-1-2017</a:t>
             </a:fld>
             <a:endParaRPr lang="nl-NL"/>
           </a:p>
@@ -2221,7 +2221,7 @@
           <a:p>
             <a:fld id="{021453AD-7F2F-4858-ACFA-D0542B02A171}" type="datetimeFigureOut">
               <a:rPr lang="nl-NL" smtClean="0"/>
-              <a:t>19-01-17</a:t>
+              <a:t>19-1-2017</a:t>
             </a:fld>
             <a:endParaRPr lang="nl-NL"/>
           </a:p>
@@ -2386,7 +2386,7 @@
           <a:p>
             <a:fld id="{021453AD-7F2F-4858-ACFA-D0542B02A171}" type="datetimeFigureOut">
               <a:rPr lang="nl-NL" smtClean="0"/>
-              <a:t>19-01-17</a:t>
+              <a:t>19-1-2017</a:t>
             </a:fld>
             <a:endParaRPr lang="nl-NL"/>
           </a:p>
@@ -2561,7 +2561,7 @@
           <a:p>
             <a:fld id="{021453AD-7F2F-4858-ACFA-D0542B02A171}" type="datetimeFigureOut">
               <a:rPr lang="nl-NL" smtClean="0"/>
-              <a:t>19-01-17</a:t>
+              <a:t>19-1-2017</a:t>
             </a:fld>
             <a:endParaRPr lang="nl-NL"/>
           </a:p>
@@ -2726,7 +2726,7 @@
           <a:p>
             <a:fld id="{021453AD-7F2F-4858-ACFA-D0542B02A171}" type="datetimeFigureOut">
               <a:rPr lang="nl-NL" smtClean="0"/>
-              <a:t>19-01-17</a:t>
+              <a:t>19-1-2017</a:t>
             </a:fld>
             <a:endParaRPr lang="nl-NL"/>
           </a:p>
@@ -2967,7 +2967,7 @@
           <a:p>
             <a:fld id="{021453AD-7F2F-4858-ACFA-D0542B02A171}" type="datetimeFigureOut">
               <a:rPr lang="nl-NL" smtClean="0"/>
-              <a:t>19-01-17</a:t>
+              <a:t>19-1-2017</a:t>
             </a:fld>
             <a:endParaRPr lang="nl-NL"/>
           </a:p>
@@ -3194,7 +3194,7 @@
           <a:p>
             <a:fld id="{021453AD-7F2F-4858-ACFA-D0542B02A171}" type="datetimeFigureOut">
               <a:rPr lang="nl-NL" smtClean="0"/>
-              <a:t>19-01-17</a:t>
+              <a:t>19-1-2017</a:t>
             </a:fld>
             <a:endParaRPr lang="nl-NL"/>
           </a:p>
@@ -3556,7 +3556,7 @@
           <a:p>
             <a:fld id="{021453AD-7F2F-4858-ACFA-D0542B02A171}" type="datetimeFigureOut">
               <a:rPr lang="nl-NL" smtClean="0"/>
-              <a:t>19-01-17</a:t>
+              <a:t>19-1-2017</a:t>
             </a:fld>
             <a:endParaRPr lang="nl-NL"/>
           </a:p>
@@ -3669,7 +3669,7 @@
           <a:p>
             <a:fld id="{021453AD-7F2F-4858-ACFA-D0542B02A171}" type="datetimeFigureOut">
               <a:rPr lang="nl-NL" smtClean="0"/>
-              <a:t>19-01-17</a:t>
+              <a:t>19-1-2017</a:t>
             </a:fld>
             <a:endParaRPr lang="nl-NL"/>
           </a:p>
@@ -3759,7 +3759,7 @@
           <a:p>
             <a:fld id="{021453AD-7F2F-4858-ACFA-D0542B02A171}" type="datetimeFigureOut">
               <a:rPr lang="nl-NL" smtClean="0"/>
-              <a:t>19-01-17</a:t>
+              <a:t>19-1-2017</a:t>
             </a:fld>
             <a:endParaRPr lang="nl-NL"/>
           </a:p>
@@ -4031,7 +4031,7 @@
           <a:p>
             <a:fld id="{021453AD-7F2F-4858-ACFA-D0542B02A171}" type="datetimeFigureOut">
               <a:rPr lang="nl-NL" smtClean="0"/>
-              <a:t>19-01-17</a:t>
+              <a:t>19-1-2017</a:t>
             </a:fld>
             <a:endParaRPr lang="nl-NL"/>
           </a:p>
@@ -4279,7 +4279,7 @@
           <a:p>
             <a:fld id="{021453AD-7F2F-4858-ACFA-D0542B02A171}" type="datetimeFigureOut">
               <a:rPr lang="nl-NL" smtClean="0"/>
-              <a:t>19-01-17</a:t>
+              <a:t>19-1-2017</a:t>
             </a:fld>
             <a:endParaRPr lang="nl-NL"/>
           </a:p>
@@ -4487,7 +4487,7 @@
           <a:p>
             <a:fld id="{021453AD-7F2F-4858-ACFA-D0542B02A171}" type="datetimeFigureOut">
               <a:rPr lang="nl-NL" smtClean="0"/>
-              <a:t>19-01-17</a:t>
+              <a:t>19-1-2017</a:t>
             </a:fld>
             <a:endParaRPr lang="nl-NL"/>
           </a:p>
@@ -4909,7 +4909,7 @@
           <p:nvPr>
             <p:extLst>
               <p:ext uri="{386F3935-93C4-4BCD-93E2-E3B085C9AB24}">
-                <p16:designElem xmlns:p16="http://schemas.microsoft.com/office/powerpoint/2015/main" val="1"/>
+                <p16:designElem xmlns:p16="http://schemas.microsoft.com/office/powerpoint/2015/main" xmlns="" val="1"/>
               </p:ext>
             </p:extLst>
           </p:nvPr>
@@ -5024,7 +5024,7 @@
           <p:nvPr>
             <p:extLst>
               <p:ext uri="{386F3935-93C4-4BCD-93E2-E3B085C9AB24}">
-                <p16:designElem xmlns:p16="http://schemas.microsoft.com/office/powerpoint/2015/main" val="1"/>
+                <p16:designElem xmlns:p16="http://schemas.microsoft.com/office/powerpoint/2015/main" xmlns="" val="1"/>
               </p:ext>
             </p:extLst>
           </p:nvPr>
@@ -5386,7 +5386,7 @@
           <p:nvPr>
             <p:extLst>
               <p:ext uri="{386F3935-93C4-4BCD-93E2-E3B085C9AB24}">
-                <p16:designElem xmlns:p16="http://schemas.microsoft.com/office/powerpoint/2015/main" val="1"/>
+                <p16:designElem xmlns:p16="http://schemas.microsoft.com/office/powerpoint/2015/main" xmlns="" val="1"/>
               </p:ext>
             </p:extLst>
           </p:nvPr>
@@ -5501,7 +5501,7 @@
           <p:nvPr>
             <p:extLst>
               <p:ext uri="{386F3935-93C4-4BCD-93E2-E3B085C9AB24}">
-                <p16:designElem xmlns:p16="http://schemas.microsoft.com/office/powerpoint/2015/main" val="1"/>
+                <p16:designElem xmlns:p16="http://schemas.microsoft.com/office/powerpoint/2015/main" xmlns="" val="1"/>
               </p:ext>
             </p:extLst>
           </p:nvPr>
@@ -5751,6 +5751,59 @@
           </a:p>
           <a:p>
             <a:r>
+              <a:rPr lang="nl-NL" sz="2000" dirty="0" smtClean="0">
+                <a:solidFill>
+                  <a:schemeClr val="bg1"/>
+                </a:solidFill>
+              </a:rPr>
+              <a:t>Randvoorwaarde</a:t>
+            </a:r>
+            <a:endParaRPr lang="nl-NL" sz="2000" dirty="0">
+              <a:solidFill>
+                <a:schemeClr val="bg1"/>
+              </a:solidFill>
+            </a:endParaRPr>
+          </a:p>
+          <a:p>
+            <a:pPr lvl="1"/>
+            <a:r>
+              <a:rPr lang="nl-NL" sz="2000" dirty="0">
+                <a:solidFill>
+                  <a:schemeClr val="bg1"/>
+                </a:solidFill>
+              </a:rPr>
+              <a:t>Wat biedt het systeem aan de bewoner</a:t>
+            </a:r>
+          </a:p>
+          <a:p>
+            <a:pPr lvl="1"/>
+            <a:r>
+              <a:rPr lang="nl-NL" sz="2000" dirty="0">
+                <a:solidFill>
+                  <a:schemeClr val="bg1"/>
+                </a:solidFill>
+              </a:rPr>
+              <a:t>Wat biedt het systeem aan de </a:t>
+            </a:r>
+            <a:r>
+              <a:rPr lang="nl-NL" sz="2000" dirty="0" smtClean="0">
+                <a:solidFill>
+                  <a:schemeClr val="bg1"/>
+                </a:solidFill>
+              </a:rPr>
+              <a:t>operators</a:t>
+            </a:r>
+          </a:p>
+          <a:p>
+            <a:pPr lvl="1"/>
+            <a:endParaRPr lang="nl-NL" sz="2000" dirty="0" smtClean="0">
+              <a:solidFill>
+                <a:schemeClr val="bg1"/>
+              </a:solidFill>
+            </a:endParaRPr>
+          </a:p>
+          <a:p>
+            <a:r>
               <a:rPr lang="en-US" sz="2000" dirty="0" err="1" smtClean="0">
                 <a:solidFill>
                   <a:schemeClr val="bg1"/>
@@ -5758,13 +5811,6 @@
               </a:rPr>
               <a:t>Mogelijkheden</a:t>
             </a:r>
-            <a:endParaRPr lang="en-US" sz="2000" dirty="0" smtClean="0">
-              <a:solidFill>
-                <a:schemeClr val="bg1"/>
-              </a:solidFill>
-            </a:endParaRPr>
-          </a:p>
-          <a:p>
             <a:endParaRPr lang="en-US" sz="2000" dirty="0">
               <a:solidFill>
                 <a:schemeClr val="bg1"/>
@@ -5772,36 +5818,14 @@
             </a:endParaRPr>
           </a:p>
           <a:p>
-            <a:r>
-              <a:rPr lang="nl-NL" sz="2000" dirty="0">
-                <a:solidFill>
-                  <a:schemeClr val="bg1"/>
-                </a:solidFill>
-              </a:rPr>
-              <a:t>Randvoorwaarde</a:t>
-            </a:r>
-          </a:p>
-          <a:p>
-            <a:pPr lvl="1"/>
-            <a:r>
-              <a:rPr lang="nl-NL" sz="2000" dirty="0">
-                <a:solidFill>
-                  <a:schemeClr val="bg1"/>
-                </a:solidFill>
-              </a:rPr>
-              <a:t>Wat biedt het systeem aan de bewoner</a:t>
-            </a:r>
-          </a:p>
-          <a:p>
-            <a:pPr lvl="1"/>
-            <a:r>
-              <a:rPr lang="nl-NL" sz="2000" dirty="0">
-                <a:solidFill>
-                  <a:schemeClr val="bg1"/>
-                </a:solidFill>
-              </a:rPr>
-              <a:t>Wat biedt het systeem aan de operators</a:t>
-            </a:r>
+            <a:pPr marL="457200" lvl="1" indent="0">
+              <a:buNone/>
+            </a:pPr>
+            <a:endParaRPr lang="nl-NL" sz="2000" b="1" dirty="0">
+              <a:solidFill>
+                <a:schemeClr val="bg1"/>
+              </a:solidFill>
+            </a:endParaRPr>
           </a:p>
         </p:txBody>
       </p:sp>
@@ -5983,7 +6007,7 @@
           <p:nvPr>
             <p:extLst>
               <p:ext uri="{386F3935-93C4-4BCD-93E2-E3B085C9AB24}">
-                <p16:designElem xmlns:p16="http://schemas.microsoft.com/office/powerpoint/2015/main" val="1"/>
+                <p16:designElem xmlns:p16="http://schemas.microsoft.com/office/powerpoint/2015/main" xmlns="" val="1"/>
               </p:ext>
             </p:extLst>
           </p:nvPr>
@@ -6098,7 +6122,7 @@
           <p:nvPr>
             <p:extLst>
               <p:ext uri="{386F3935-93C4-4BCD-93E2-E3B085C9AB24}">
-                <p16:designElem xmlns:p16="http://schemas.microsoft.com/office/powerpoint/2015/main" val="1"/>
+                <p16:designElem xmlns:p16="http://schemas.microsoft.com/office/powerpoint/2015/main" xmlns="" val="1"/>
               </p:ext>
             </p:extLst>
           </p:nvPr>
@@ -6525,7 +6549,7 @@
           <p:nvPr>
             <p:extLst>
               <p:ext uri="{386F3935-93C4-4BCD-93E2-E3B085C9AB24}">
-                <p16:designElem xmlns:p16="http://schemas.microsoft.com/office/powerpoint/2015/main" val="1"/>
+                <p16:designElem xmlns:p16="http://schemas.microsoft.com/office/powerpoint/2015/main" xmlns="" val="1"/>
               </p:ext>
             </p:extLst>
           </p:nvPr>
@@ -6640,7 +6664,7 @@
           <p:nvPr>
             <p:extLst>
               <p:ext uri="{386F3935-93C4-4BCD-93E2-E3B085C9AB24}">
-                <p16:designElem xmlns:p16="http://schemas.microsoft.com/office/powerpoint/2015/main" val="1"/>
+                <p16:designElem xmlns:p16="http://schemas.microsoft.com/office/powerpoint/2015/main" xmlns="" val="1"/>
               </p:ext>
             </p:extLst>
           </p:nvPr>
@@ -7005,7 +7029,7 @@
           <p:nvPr>
             <p:extLst>
               <p:ext uri="{386F3935-93C4-4BCD-93E2-E3B085C9AB24}">
-                <p16:designElem xmlns:p16="http://schemas.microsoft.com/office/powerpoint/2015/main" val="1"/>
+                <p16:designElem xmlns:p16="http://schemas.microsoft.com/office/powerpoint/2015/main" xmlns="" val="1"/>
               </p:ext>
             </p:extLst>
           </p:nvPr>
@@ -7120,7 +7144,7 @@
           <p:nvPr>
             <p:extLst>
               <p:ext uri="{386F3935-93C4-4BCD-93E2-E3B085C9AB24}">
-                <p16:designElem xmlns:p16="http://schemas.microsoft.com/office/powerpoint/2015/main" val="1"/>
+                <p16:designElem xmlns:p16="http://schemas.microsoft.com/office/powerpoint/2015/main" xmlns="" val="1"/>
               </p:ext>
             </p:extLst>
           </p:nvPr>
@@ -7523,7 +7547,7 @@
           <p:nvPr>
             <p:extLst>
               <p:ext uri="{386F3935-93C4-4BCD-93E2-E3B085C9AB24}">
-                <p16:designElem xmlns:p16="http://schemas.microsoft.com/office/powerpoint/2015/main" val="1"/>
+                <p16:designElem xmlns:p16="http://schemas.microsoft.com/office/powerpoint/2015/main" xmlns="" val="1"/>
               </p:ext>
             </p:extLst>
           </p:nvPr>
@@ -7638,7 +7662,7 @@
           <p:nvPr>
             <p:extLst>
               <p:ext uri="{386F3935-93C4-4BCD-93E2-E3B085C9AB24}">
-                <p16:designElem xmlns:p16="http://schemas.microsoft.com/office/powerpoint/2015/main" val="1"/>
+                <p16:designElem xmlns:p16="http://schemas.microsoft.com/office/powerpoint/2015/main" xmlns="" val="1"/>
               </p:ext>
             </p:extLst>
           </p:nvPr>
@@ -7967,7 +7991,7 @@
           <p:nvPr>
             <p:extLst>
               <p:ext uri="{386F3935-93C4-4BCD-93E2-E3B085C9AB24}">
-                <p16:designElem xmlns:p16="http://schemas.microsoft.com/office/powerpoint/2015/main" val="1"/>
+                <p16:designElem xmlns:p16="http://schemas.microsoft.com/office/powerpoint/2015/main" xmlns="" val="1"/>
               </p:ext>
             </p:extLst>
           </p:nvPr>
@@ -8082,7 +8106,7 @@
           <p:nvPr>
             <p:extLst>
               <p:ext uri="{386F3935-93C4-4BCD-93E2-E3B085C9AB24}">
-                <p16:designElem xmlns:p16="http://schemas.microsoft.com/office/powerpoint/2015/main" val="1"/>
+                <p16:designElem xmlns:p16="http://schemas.microsoft.com/office/powerpoint/2015/main" xmlns="" val="1"/>
               </p:ext>
             </p:extLst>
           </p:nvPr>
@@ -8652,7 +8676,7 @@
           <p:nvPr>
             <p:extLst>
               <p:ext uri="{386F3935-93C4-4BCD-93E2-E3B085C9AB24}">
-                <p16:designElem xmlns:p16="http://schemas.microsoft.com/office/powerpoint/2015/main" val="1"/>
+                <p16:designElem xmlns:p16="http://schemas.microsoft.com/office/powerpoint/2015/main" xmlns="" val="1"/>
               </p:ext>
             </p:extLst>
           </p:nvPr>
@@ -8767,7 +8791,7 @@
           <p:nvPr>
             <p:extLst>
               <p:ext uri="{386F3935-93C4-4BCD-93E2-E3B085C9AB24}">
-                <p16:designElem xmlns:p16="http://schemas.microsoft.com/office/powerpoint/2015/main" val="1"/>
+                <p16:designElem xmlns:p16="http://schemas.microsoft.com/office/powerpoint/2015/main" xmlns="" val="1"/>
               </p:ext>
             </p:extLst>
           </p:nvPr>
@@ -9387,7 +9411,7 @@
           <p:nvPr>
             <p:extLst>
               <p:ext uri="{386F3935-93C4-4BCD-93E2-E3B085C9AB24}">
-                <p16:designElem xmlns:p16="http://schemas.microsoft.com/office/powerpoint/2015/main" val="1"/>
+                <p16:designElem xmlns:p16="http://schemas.microsoft.com/office/powerpoint/2015/main" xmlns="" val="1"/>
               </p:ext>
             </p:extLst>
           </p:nvPr>
@@ -9502,7 +9526,7 @@
           <p:nvPr>
             <p:extLst>
               <p:ext uri="{386F3935-93C4-4BCD-93E2-E3B085C9AB24}">
-                <p16:designElem xmlns:p16="http://schemas.microsoft.com/office/powerpoint/2015/main" val="1"/>
+                <p16:designElem xmlns:p16="http://schemas.microsoft.com/office/powerpoint/2015/main" xmlns="" val="1"/>
               </p:ext>
             </p:extLst>
           </p:nvPr>
@@ -9941,7 +9965,7 @@
           <p:nvPr>
             <p:extLst>
               <p:ext uri="{386F3935-93C4-4BCD-93E2-E3B085C9AB24}">
-                <p16:designElem xmlns:p16="http://schemas.microsoft.com/office/powerpoint/2015/main" val="1"/>
+                <p16:designElem xmlns:p16="http://schemas.microsoft.com/office/powerpoint/2015/main" xmlns="" val="1"/>
               </p:ext>
             </p:extLst>
           </p:nvPr>
@@ -10056,7 +10080,7 @@
           <p:nvPr>
             <p:extLst>
               <p:ext uri="{386F3935-93C4-4BCD-93E2-E3B085C9AB24}">
-                <p16:designElem xmlns:p16="http://schemas.microsoft.com/office/powerpoint/2015/main" val="1"/>
+                <p16:designElem xmlns:p16="http://schemas.microsoft.com/office/powerpoint/2015/main" xmlns="" val="1"/>
               </p:ext>
             </p:extLst>
           </p:nvPr>
@@ -10511,7 +10535,7 @@
           <p:nvPr>
             <p:extLst>
               <p:ext uri="{386F3935-93C4-4BCD-93E2-E3B085C9AB24}">
-                <p16:designElem xmlns:p16="http://schemas.microsoft.com/office/powerpoint/2015/main" val="1"/>
+                <p16:designElem xmlns:p16="http://schemas.microsoft.com/office/powerpoint/2015/main" xmlns="" val="1"/>
               </p:ext>
             </p:extLst>
           </p:nvPr>
@@ -10626,7 +10650,7 @@
           <p:nvPr>
             <p:extLst>
               <p:ext uri="{386F3935-93C4-4BCD-93E2-E3B085C9AB24}">
-                <p16:designElem xmlns:p16="http://schemas.microsoft.com/office/powerpoint/2015/main" val="1"/>
+                <p16:designElem xmlns:p16="http://schemas.microsoft.com/office/powerpoint/2015/main" xmlns="" val="1"/>
               </p:ext>
             </p:extLst>
           </p:nvPr>
@@ -10726,7 +10750,7 @@
           <p:nvPr/>
         </p:nvPicPr>
         <p:blipFill>
-          <a:blip r:embed="rId3">
+          <a:blip r:embed="rId3" cstate="print">
             <a:extLst>
               <a:ext uri="{28A0092B-C50C-407E-A947-70E740481C1C}">
                 <a14:useLocalDpi xmlns:a14="http://schemas.microsoft.com/office/drawing/2010/main" val="0"/>

--- a/Plan van aanpak/presentatie.pptx
+++ b/Plan van aanpak/presentatie.pptx
@@ -214,7 +214,7 @@
           <a:p>
             <a:fld id="{40FD5536-45A9-4A0A-8973-D0AAC2308B84}" type="datetimeFigureOut">
               <a:rPr lang="nl-NL" smtClean="0"/>
-              <a:t>19-1-2017</a:t>
+              <a:t>19-01-17</a:t>
             </a:fld>
             <a:endParaRPr lang="nl-NL"/>
           </a:p>
@@ -2221,7 +2221,7 @@
           <a:p>
             <a:fld id="{021453AD-7F2F-4858-ACFA-D0542B02A171}" type="datetimeFigureOut">
               <a:rPr lang="nl-NL" smtClean="0"/>
-              <a:t>19-1-2017</a:t>
+              <a:t>19-01-17</a:t>
             </a:fld>
             <a:endParaRPr lang="nl-NL"/>
           </a:p>
@@ -2386,7 +2386,7 @@
           <a:p>
             <a:fld id="{021453AD-7F2F-4858-ACFA-D0542B02A171}" type="datetimeFigureOut">
               <a:rPr lang="nl-NL" smtClean="0"/>
-              <a:t>19-1-2017</a:t>
+              <a:t>19-01-17</a:t>
             </a:fld>
             <a:endParaRPr lang="nl-NL"/>
           </a:p>
@@ -2561,7 +2561,7 @@
           <a:p>
             <a:fld id="{021453AD-7F2F-4858-ACFA-D0542B02A171}" type="datetimeFigureOut">
               <a:rPr lang="nl-NL" smtClean="0"/>
-              <a:t>19-1-2017</a:t>
+              <a:t>19-01-17</a:t>
             </a:fld>
             <a:endParaRPr lang="nl-NL"/>
           </a:p>
@@ -2726,7 +2726,7 @@
           <a:p>
             <a:fld id="{021453AD-7F2F-4858-ACFA-D0542B02A171}" type="datetimeFigureOut">
               <a:rPr lang="nl-NL" smtClean="0"/>
-              <a:t>19-1-2017</a:t>
+              <a:t>19-01-17</a:t>
             </a:fld>
             <a:endParaRPr lang="nl-NL"/>
           </a:p>
@@ -2967,7 +2967,7 @@
           <a:p>
             <a:fld id="{021453AD-7F2F-4858-ACFA-D0542B02A171}" type="datetimeFigureOut">
               <a:rPr lang="nl-NL" smtClean="0"/>
-              <a:t>19-1-2017</a:t>
+              <a:t>19-01-17</a:t>
             </a:fld>
             <a:endParaRPr lang="nl-NL"/>
           </a:p>
@@ -3194,7 +3194,7 @@
           <a:p>
             <a:fld id="{021453AD-7F2F-4858-ACFA-D0542B02A171}" type="datetimeFigureOut">
               <a:rPr lang="nl-NL" smtClean="0"/>
-              <a:t>19-1-2017</a:t>
+              <a:t>19-01-17</a:t>
             </a:fld>
             <a:endParaRPr lang="nl-NL"/>
           </a:p>
@@ -3556,7 +3556,7 @@
           <a:p>
             <a:fld id="{021453AD-7F2F-4858-ACFA-D0542B02A171}" type="datetimeFigureOut">
               <a:rPr lang="nl-NL" smtClean="0"/>
-              <a:t>19-1-2017</a:t>
+              <a:t>19-01-17</a:t>
             </a:fld>
             <a:endParaRPr lang="nl-NL"/>
           </a:p>
@@ -3669,7 +3669,7 @@
           <a:p>
             <a:fld id="{021453AD-7F2F-4858-ACFA-D0542B02A171}" type="datetimeFigureOut">
               <a:rPr lang="nl-NL" smtClean="0"/>
-              <a:t>19-1-2017</a:t>
+              <a:t>19-01-17</a:t>
             </a:fld>
             <a:endParaRPr lang="nl-NL"/>
           </a:p>
@@ -3759,7 +3759,7 @@
           <a:p>
             <a:fld id="{021453AD-7F2F-4858-ACFA-D0542B02A171}" type="datetimeFigureOut">
               <a:rPr lang="nl-NL" smtClean="0"/>
-              <a:t>19-1-2017</a:t>
+              <a:t>19-01-17</a:t>
             </a:fld>
             <a:endParaRPr lang="nl-NL"/>
           </a:p>
@@ -4031,7 +4031,7 @@
           <a:p>
             <a:fld id="{021453AD-7F2F-4858-ACFA-D0542B02A171}" type="datetimeFigureOut">
               <a:rPr lang="nl-NL" smtClean="0"/>
-              <a:t>19-1-2017</a:t>
+              <a:t>19-01-17</a:t>
             </a:fld>
             <a:endParaRPr lang="nl-NL"/>
           </a:p>
@@ -4279,7 +4279,7 @@
           <a:p>
             <a:fld id="{021453AD-7F2F-4858-ACFA-D0542B02A171}" type="datetimeFigureOut">
               <a:rPr lang="nl-NL" smtClean="0"/>
-              <a:t>19-1-2017</a:t>
+              <a:t>19-01-17</a:t>
             </a:fld>
             <a:endParaRPr lang="nl-NL"/>
           </a:p>
@@ -4487,7 +4487,7 @@
           <a:p>
             <a:fld id="{021453AD-7F2F-4858-ACFA-D0542B02A171}" type="datetimeFigureOut">
               <a:rPr lang="nl-NL" smtClean="0"/>
-              <a:t>19-1-2017</a:t>
+              <a:t>19-01-17</a:t>
             </a:fld>
             <a:endParaRPr lang="nl-NL"/>
           </a:p>
@@ -4909,7 +4909,7 @@
           <p:nvPr>
             <p:extLst>
               <p:ext uri="{386F3935-93C4-4BCD-93E2-E3B085C9AB24}">
-                <p16:designElem xmlns:p16="http://schemas.microsoft.com/office/powerpoint/2015/main" xmlns="" val="1"/>
+                <p16:designElem xmlns:p16="http://schemas.microsoft.com/office/powerpoint/2015/main" val="1"/>
               </p:ext>
             </p:extLst>
           </p:nvPr>
@@ -5024,7 +5024,7 @@
           <p:nvPr>
             <p:extLst>
               <p:ext uri="{386F3935-93C4-4BCD-93E2-E3B085C9AB24}">
-                <p16:designElem xmlns:p16="http://schemas.microsoft.com/office/powerpoint/2015/main" xmlns="" val="1"/>
+                <p16:designElem xmlns:p16="http://schemas.microsoft.com/office/powerpoint/2015/main" val="1"/>
               </p:ext>
             </p:extLst>
           </p:nvPr>
@@ -5386,7 +5386,7 @@
           <p:nvPr>
             <p:extLst>
               <p:ext uri="{386F3935-93C4-4BCD-93E2-E3B085C9AB24}">
-                <p16:designElem xmlns:p16="http://schemas.microsoft.com/office/powerpoint/2015/main" xmlns="" val="1"/>
+                <p16:designElem xmlns:p16="http://schemas.microsoft.com/office/powerpoint/2015/main" val="1"/>
               </p:ext>
             </p:extLst>
           </p:nvPr>
@@ -5501,7 +5501,7 @@
           <p:nvPr>
             <p:extLst>
               <p:ext uri="{386F3935-93C4-4BCD-93E2-E3B085C9AB24}">
-                <p16:designElem xmlns:p16="http://schemas.microsoft.com/office/powerpoint/2015/main" xmlns="" val="1"/>
+                <p16:designElem xmlns:p16="http://schemas.microsoft.com/office/powerpoint/2015/main" val="1"/>
               </p:ext>
             </p:extLst>
           </p:nvPr>
@@ -5751,18 +5751,35 @@
           </a:p>
           <a:p>
             <a:r>
-              <a:rPr lang="nl-NL" sz="2000" dirty="0" smtClean="0">
+              <a:rPr lang="en-US" sz="2000" dirty="0" err="1" smtClean="0">
+                <a:solidFill>
+                  <a:schemeClr val="bg1"/>
+                </a:solidFill>
+              </a:rPr>
+              <a:t>Mogelijkheden</a:t>
+            </a:r>
+            <a:endParaRPr lang="en-US" sz="2000" dirty="0" smtClean="0">
+              <a:solidFill>
+                <a:schemeClr val="bg1"/>
+              </a:solidFill>
+            </a:endParaRPr>
+          </a:p>
+          <a:p>
+            <a:endParaRPr lang="en-US" sz="2000" dirty="0">
+              <a:solidFill>
+                <a:schemeClr val="bg1"/>
+              </a:solidFill>
+            </a:endParaRPr>
+          </a:p>
+          <a:p>
+            <a:r>
+              <a:rPr lang="nl-NL" sz="2000" dirty="0">
                 <a:solidFill>
                   <a:schemeClr val="bg1"/>
                 </a:solidFill>
               </a:rPr>
               <a:t>Randvoorwaarde</a:t>
             </a:r>
-            <a:endParaRPr lang="nl-NL" sz="2000" dirty="0">
-              <a:solidFill>
-                <a:schemeClr val="bg1"/>
-              </a:solidFill>
-            </a:endParaRPr>
           </a:p>
           <a:p>
             <a:pPr lvl="1"/>
@@ -5783,49 +5800,8 @@
                   <a:schemeClr val="bg1"/>
                 </a:solidFill>
               </a:rPr>
-              <a:t>Wat biedt het systeem aan de </a:t>
-            </a:r>
-            <a:r>
-              <a:rPr lang="nl-NL" sz="2000" dirty="0" smtClean="0">
-                <a:solidFill>
-                  <a:schemeClr val="bg1"/>
-                </a:solidFill>
-              </a:rPr>
-              <a:t>operators</a:t>
-            </a:r>
-          </a:p>
-          <a:p>
-            <a:pPr lvl="1"/>
-            <a:endParaRPr lang="nl-NL" sz="2000" dirty="0" smtClean="0">
-              <a:solidFill>
-                <a:schemeClr val="bg1"/>
-              </a:solidFill>
-            </a:endParaRPr>
-          </a:p>
-          <a:p>
-            <a:r>
-              <a:rPr lang="en-US" sz="2000" dirty="0" err="1" smtClean="0">
-                <a:solidFill>
-                  <a:schemeClr val="bg1"/>
-                </a:solidFill>
-              </a:rPr>
-              <a:t>Mogelijkheden</a:t>
-            </a:r>
-            <a:endParaRPr lang="en-US" sz="2000" dirty="0">
-              <a:solidFill>
-                <a:schemeClr val="bg1"/>
-              </a:solidFill>
-            </a:endParaRPr>
-          </a:p>
-          <a:p>
-            <a:pPr marL="457200" lvl="1" indent="0">
-              <a:buNone/>
-            </a:pPr>
-            <a:endParaRPr lang="nl-NL" sz="2000" b="1" dirty="0">
-              <a:solidFill>
-                <a:schemeClr val="bg1"/>
-              </a:solidFill>
-            </a:endParaRPr>
+              <a:t>Wat biedt het systeem aan de operators</a:t>
+            </a:r>
           </a:p>
         </p:txBody>
       </p:sp>
@@ -6007,7 +5983,7 @@
           <p:nvPr>
             <p:extLst>
               <p:ext uri="{386F3935-93C4-4BCD-93E2-E3B085C9AB24}">
-                <p16:designElem xmlns:p16="http://schemas.microsoft.com/office/powerpoint/2015/main" xmlns="" val="1"/>
+                <p16:designElem xmlns:p16="http://schemas.microsoft.com/office/powerpoint/2015/main" val="1"/>
               </p:ext>
             </p:extLst>
           </p:nvPr>
@@ -6122,7 +6098,7 @@
           <p:nvPr>
             <p:extLst>
               <p:ext uri="{386F3935-93C4-4BCD-93E2-E3B085C9AB24}">
-                <p16:designElem xmlns:p16="http://schemas.microsoft.com/office/powerpoint/2015/main" xmlns="" val="1"/>
+                <p16:designElem xmlns:p16="http://schemas.microsoft.com/office/powerpoint/2015/main" val="1"/>
               </p:ext>
             </p:extLst>
           </p:nvPr>
@@ -6549,7 +6525,7 @@
           <p:nvPr>
             <p:extLst>
               <p:ext uri="{386F3935-93C4-4BCD-93E2-E3B085C9AB24}">
-                <p16:designElem xmlns:p16="http://schemas.microsoft.com/office/powerpoint/2015/main" xmlns="" val="1"/>
+                <p16:designElem xmlns:p16="http://schemas.microsoft.com/office/powerpoint/2015/main" val="1"/>
               </p:ext>
             </p:extLst>
           </p:nvPr>
@@ -6664,7 +6640,7 @@
           <p:nvPr>
             <p:extLst>
               <p:ext uri="{386F3935-93C4-4BCD-93E2-E3B085C9AB24}">
-                <p16:designElem xmlns:p16="http://schemas.microsoft.com/office/powerpoint/2015/main" xmlns="" val="1"/>
+                <p16:designElem xmlns:p16="http://schemas.microsoft.com/office/powerpoint/2015/main" val="1"/>
               </p:ext>
             </p:extLst>
           </p:nvPr>
@@ -7029,7 +7005,7 @@
           <p:nvPr>
             <p:extLst>
               <p:ext uri="{386F3935-93C4-4BCD-93E2-E3B085C9AB24}">
-                <p16:designElem xmlns:p16="http://schemas.microsoft.com/office/powerpoint/2015/main" xmlns="" val="1"/>
+                <p16:designElem xmlns:p16="http://schemas.microsoft.com/office/powerpoint/2015/main" val="1"/>
               </p:ext>
             </p:extLst>
           </p:nvPr>
@@ -7144,7 +7120,7 @@
           <p:nvPr>
             <p:extLst>
               <p:ext uri="{386F3935-93C4-4BCD-93E2-E3B085C9AB24}">
-                <p16:designElem xmlns:p16="http://schemas.microsoft.com/office/powerpoint/2015/main" xmlns="" val="1"/>
+                <p16:designElem xmlns:p16="http://schemas.microsoft.com/office/powerpoint/2015/main" val="1"/>
               </p:ext>
             </p:extLst>
           </p:nvPr>
@@ -7547,7 +7523,7 @@
           <p:nvPr>
             <p:extLst>
               <p:ext uri="{386F3935-93C4-4BCD-93E2-E3B085C9AB24}">
-                <p16:designElem xmlns:p16="http://schemas.microsoft.com/office/powerpoint/2015/main" xmlns="" val="1"/>
+                <p16:designElem xmlns:p16="http://schemas.microsoft.com/office/powerpoint/2015/main" val="1"/>
               </p:ext>
             </p:extLst>
           </p:nvPr>
@@ -7662,7 +7638,7 @@
           <p:nvPr>
             <p:extLst>
               <p:ext uri="{386F3935-93C4-4BCD-93E2-E3B085C9AB24}">
-                <p16:designElem xmlns:p16="http://schemas.microsoft.com/office/powerpoint/2015/main" xmlns="" val="1"/>
+                <p16:designElem xmlns:p16="http://schemas.microsoft.com/office/powerpoint/2015/main" val="1"/>
               </p:ext>
             </p:extLst>
           </p:nvPr>
@@ -7991,7 +7967,7 @@
           <p:nvPr>
             <p:extLst>
               <p:ext uri="{386F3935-93C4-4BCD-93E2-E3B085C9AB24}">
-                <p16:designElem xmlns:p16="http://schemas.microsoft.com/office/powerpoint/2015/main" xmlns="" val="1"/>
+                <p16:designElem xmlns:p16="http://schemas.microsoft.com/office/powerpoint/2015/main" val="1"/>
               </p:ext>
             </p:extLst>
           </p:nvPr>
@@ -8106,7 +8082,7 @@
           <p:nvPr>
             <p:extLst>
               <p:ext uri="{386F3935-93C4-4BCD-93E2-E3B085C9AB24}">
-                <p16:designElem xmlns:p16="http://schemas.microsoft.com/office/powerpoint/2015/main" xmlns="" val="1"/>
+                <p16:designElem xmlns:p16="http://schemas.microsoft.com/office/powerpoint/2015/main" val="1"/>
               </p:ext>
             </p:extLst>
           </p:nvPr>
@@ -8676,7 +8652,7 @@
           <p:nvPr>
             <p:extLst>
               <p:ext uri="{386F3935-93C4-4BCD-93E2-E3B085C9AB24}">
-                <p16:designElem xmlns:p16="http://schemas.microsoft.com/office/powerpoint/2015/main" xmlns="" val="1"/>
+                <p16:designElem xmlns:p16="http://schemas.microsoft.com/office/powerpoint/2015/main" val="1"/>
               </p:ext>
             </p:extLst>
           </p:nvPr>
@@ -8791,7 +8767,7 @@
           <p:nvPr>
             <p:extLst>
               <p:ext uri="{386F3935-93C4-4BCD-93E2-E3B085C9AB24}">
-                <p16:designElem xmlns:p16="http://schemas.microsoft.com/office/powerpoint/2015/main" xmlns="" val="1"/>
+                <p16:designElem xmlns:p16="http://schemas.microsoft.com/office/powerpoint/2015/main" val="1"/>
               </p:ext>
             </p:extLst>
           </p:nvPr>
@@ -9411,7 +9387,7 @@
           <p:nvPr>
             <p:extLst>
               <p:ext uri="{386F3935-93C4-4BCD-93E2-E3B085C9AB24}">
-                <p16:designElem xmlns:p16="http://schemas.microsoft.com/office/powerpoint/2015/main" xmlns="" val="1"/>
+                <p16:designElem xmlns:p16="http://schemas.microsoft.com/office/powerpoint/2015/main" val="1"/>
               </p:ext>
             </p:extLst>
           </p:nvPr>
@@ -9526,7 +9502,7 @@
           <p:nvPr>
             <p:extLst>
               <p:ext uri="{386F3935-93C4-4BCD-93E2-E3B085C9AB24}">
-                <p16:designElem xmlns:p16="http://schemas.microsoft.com/office/powerpoint/2015/main" xmlns="" val="1"/>
+                <p16:designElem xmlns:p16="http://schemas.microsoft.com/office/powerpoint/2015/main" val="1"/>
               </p:ext>
             </p:extLst>
           </p:nvPr>
@@ -9965,7 +9941,7 @@
           <p:nvPr>
             <p:extLst>
               <p:ext uri="{386F3935-93C4-4BCD-93E2-E3B085C9AB24}">
-                <p16:designElem xmlns:p16="http://schemas.microsoft.com/office/powerpoint/2015/main" xmlns="" val="1"/>
+                <p16:designElem xmlns:p16="http://schemas.microsoft.com/office/powerpoint/2015/main" val="1"/>
               </p:ext>
             </p:extLst>
           </p:nvPr>
@@ -10080,7 +10056,7 @@
           <p:nvPr>
             <p:extLst>
               <p:ext uri="{386F3935-93C4-4BCD-93E2-E3B085C9AB24}">
-                <p16:designElem xmlns:p16="http://schemas.microsoft.com/office/powerpoint/2015/main" xmlns="" val="1"/>
+                <p16:designElem xmlns:p16="http://schemas.microsoft.com/office/powerpoint/2015/main" val="1"/>
               </p:ext>
             </p:extLst>
           </p:nvPr>
@@ -10535,7 +10511,7 @@
           <p:nvPr>
             <p:extLst>
               <p:ext uri="{386F3935-93C4-4BCD-93E2-E3B085C9AB24}">
-                <p16:designElem xmlns:p16="http://schemas.microsoft.com/office/powerpoint/2015/main" xmlns="" val="1"/>
+                <p16:designElem xmlns:p16="http://schemas.microsoft.com/office/powerpoint/2015/main" val="1"/>
               </p:ext>
             </p:extLst>
           </p:nvPr>
@@ -10650,7 +10626,7 @@
           <p:nvPr>
             <p:extLst>
               <p:ext uri="{386F3935-93C4-4BCD-93E2-E3B085C9AB24}">
-                <p16:designElem xmlns:p16="http://schemas.microsoft.com/office/powerpoint/2015/main" xmlns="" val="1"/>
+                <p16:designElem xmlns:p16="http://schemas.microsoft.com/office/powerpoint/2015/main" val="1"/>
               </p:ext>
             </p:extLst>
           </p:nvPr>
@@ -10750,7 +10726,7 @@
           <p:nvPr/>
         </p:nvPicPr>
         <p:blipFill>
-          <a:blip r:embed="rId3" cstate="print">
+          <a:blip r:embed="rId3">
             <a:extLst>
               <a:ext uri="{28A0092B-C50C-407E-A947-70E740481C1C}">
                 <a14:useLocalDpi xmlns:a14="http://schemas.microsoft.com/office/drawing/2010/main" val="0"/>

--- a/Plan van aanpak/presentatie.pptx
+++ b/Plan van aanpak/presentatie.pptx
@@ -214,7 +214,7 @@
           <a:p>
             <a:fld id="{40FD5536-45A9-4A0A-8973-D0AAC2308B84}" type="datetimeFigureOut">
               <a:rPr lang="nl-NL" smtClean="0"/>
-              <a:t>19-01-17</a:t>
+              <a:t>20-1-2017</a:t>
             </a:fld>
             <a:endParaRPr lang="nl-NL"/>
           </a:p>
@@ -526,10 +526,9 @@
           <a:lstStyle/>
           <a:p>
             <a:r>
-              <a:rPr lang="nl-NL" dirty="0" smtClean="0"/>
+              <a:rPr lang="nl-NL" dirty="0"/>
               <a:t>WOUTER</a:t>
             </a:r>
-            <a:endParaRPr lang="nl-NL" dirty="0"/>
           </a:p>
         </p:txBody>
       </p:sp>
@@ -614,10 +613,9 @@
           <a:lstStyle/>
           <a:p>
             <a:r>
-              <a:rPr lang="en-US" dirty="0" smtClean="0"/>
+              <a:rPr lang="en-US" dirty="0"/>
               <a:t>MAARTEN</a:t>
             </a:r>
-            <a:endParaRPr lang="en-US" dirty="0"/>
           </a:p>
           <a:p>
             <a:endParaRPr lang="nl-NL" dirty="0"/>
@@ -705,10 +703,9 @@
           <a:lstStyle/>
           <a:p>
             <a:r>
-              <a:rPr lang="nl-NL" dirty="0" smtClean="0"/>
+              <a:rPr lang="nl-NL" dirty="0"/>
               <a:t>MAARTEN</a:t>
             </a:r>
-            <a:endParaRPr lang="nl-NL" dirty="0"/>
           </a:p>
         </p:txBody>
       </p:sp>
@@ -793,10 +790,9 @@
           <a:lstStyle/>
           <a:p>
             <a:r>
-              <a:rPr lang="en-US" dirty="0" smtClean="0"/>
+              <a:rPr lang="en-US" dirty="0"/>
               <a:t>MAARTEN</a:t>
             </a:r>
-            <a:endParaRPr lang="en-US" dirty="0"/>
           </a:p>
           <a:p>
             <a:endParaRPr lang="nl-NL" dirty="0"/>
@@ -884,10 +880,9 @@
           <a:lstStyle/>
           <a:p>
             <a:r>
-              <a:rPr lang="nl-NL" dirty="0" smtClean="0"/>
+              <a:rPr lang="nl-NL" dirty="0"/>
               <a:t>PIM</a:t>
             </a:r>
-            <a:endParaRPr lang="nl-NL" dirty="0"/>
           </a:p>
         </p:txBody>
       </p:sp>
@@ -972,7 +967,7 @@
           <a:lstStyle/>
           <a:p>
             <a:r>
-              <a:rPr lang="en-US" dirty="0" smtClean="0"/>
+              <a:rPr lang="en-US" dirty="0"/>
               <a:t>PIM</a:t>
             </a:r>
             <a:endParaRPr lang="nl-NL" dirty="0"/>
@@ -1060,10 +1055,9 @@
           <a:lstStyle/>
           <a:p>
             <a:r>
-              <a:rPr lang="nl-NL" dirty="0" smtClean="0"/>
+              <a:rPr lang="nl-NL" dirty="0"/>
               <a:t>PIM</a:t>
             </a:r>
-            <a:endParaRPr lang="nl-NL" dirty="0"/>
           </a:p>
         </p:txBody>
       </p:sp>
@@ -1148,10 +1142,9 @@
           <a:lstStyle/>
           <a:p>
             <a:r>
-              <a:rPr lang="nl-NL" dirty="0" smtClean="0"/>
+              <a:rPr lang="nl-NL" dirty="0"/>
               <a:t>PIM</a:t>
             </a:r>
-            <a:endParaRPr lang="nl-NL" dirty="0"/>
           </a:p>
         </p:txBody>
       </p:sp>
@@ -1236,10 +1229,9 @@
           <a:lstStyle/>
           <a:p>
             <a:r>
-              <a:rPr lang="nl-NL" dirty="0" smtClean="0"/>
+              <a:rPr lang="nl-NL" dirty="0"/>
               <a:t>PIM</a:t>
             </a:r>
-            <a:endParaRPr lang="nl-NL" dirty="0"/>
           </a:p>
         </p:txBody>
       </p:sp>
@@ -1324,10 +1316,9 @@
           <a:lstStyle/>
           <a:p>
             <a:r>
-              <a:rPr lang="nl-NL" dirty="0" smtClean="0"/>
+              <a:rPr lang="nl-NL" dirty="0"/>
               <a:t>WOUTER</a:t>
             </a:r>
-            <a:endParaRPr lang="nl-NL" dirty="0"/>
           </a:p>
         </p:txBody>
       </p:sp>
@@ -1429,7 +1420,7 @@
               <a:defRPr/>
             </a:pPr>
             <a:r>
-              <a:rPr lang="nl-NL" dirty="0" smtClean="0"/>
+              <a:rPr lang="nl-NL" dirty="0"/>
               <a:t>WOUTER</a:t>
             </a:r>
           </a:p>
@@ -1519,10 +1510,9 @@
           <a:lstStyle/>
           <a:p>
             <a:r>
-              <a:rPr lang="nl-NL" dirty="0" smtClean="0"/>
+              <a:rPr lang="nl-NL" dirty="0"/>
               <a:t>WOUTER</a:t>
             </a:r>
-            <a:endParaRPr lang="nl-NL" dirty="0"/>
           </a:p>
         </p:txBody>
       </p:sp>
@@ -1607,10 +1597,9 @@
           <a:lstStyle/>
           <a:p>
             <a:r>
-              <a:rPr lang="en-US" dirty="0" smtClean="0"/>
+              <a:rPr lang="en-US" dirty="0"/>
               <a:t>WOUTER</a:t>
             </a:r>
-            <a:endParaRPr lang="en-US" dirty="0"/>
           </a:p>
         </p:txBody>
       </p:sp>
@@ -1695,10 +1684,9 @@
           <a:lstStyle/>
           <a:p>
             <a:r>
-              <a:rPr lang="nl-NL" dirty="0" smtClean="0"/>
+              <a:rPr lang="nl-NL" dirty="0"/>
               <a:t>PIM</a:t>
             </a:r>
-            <a:endParaRPr lang="nl-NL" dirty="0"/>
           </a:p>
         </p:txBody>
       </p:sp>
@@ -1783,10 +1771,9 @@
           <a:lstStyle/>
           <a:p>
             <a:r>
-              <a:rPr lang="nl-NL" dirty="0" smtClean="0"/>
+              <a:rPr lang="nl-NL" dirty="0"/>
               <a:t>PIM</a:t>
             </a:r>
-            <a:endParaRPr lang="nl-NL" dirty="0"/>
           </a:p>
         </p:txBody>
       </p:sp>
@@ -1871,10 +1858,9 @@
           <a:lstStyle/>
           <a:p>
             <a:r>
-              <a:rPr lang="nl-NL" dirty="0" smtClean="0"/>
+              <a:rPr lang="nl-NL" dirty="0"/>
               <a:t>PIM</a:t>
             </a:r>
-            <a:endParaRPr lang="nl-NL" dirty="0"/>
           </a:p>
         </p:txBody>
       </p:sp>
@@ -1959,10 +1945,9 @@
           <a:lstStyle/>
           <a:p>
             <a:r>
-              <a:rPr lang="nl-NL" dirty="0" smtClean="0"/>
+              <a:rPr lang="nl-NL" dirty="0"/>
               <a:t>PIM</a:t>
             </a:r>
-            <a:endParaRPr lang="nl-NL" dirty="0"/>
           </a:p>
         </p:txBody>
       </p:sp>
@@ -2047,10 +2032,9 @@
           <a:lstStyle/>
           <a:p>
             <a:r>
-              <a:rPr lang="nl-NL" dirty="0" smtClean="0"/>
+              <a:rPr lang="nl-NL" dirty="0"/>
               <a:t>MAARTEN</a:t>
             </a:r>
-            <a:endParaRPr lang="nl-NL" dirty="0"/>
           </a:p>
         </p:txBody>
       </p:sp>
@@ -2132,10 +2116,9 @@
           </a:lstStyle>
           <a:p>
             <a:r>
-              <a:rPr lang="nl-NL" smtClean="0"/>
+              <a:rPr lang="nl-NL"/>
               <a:t>Titelstijl van model bewerken</a:t>
             </a:r>
-            <a:endParaRPr lang="nl-NL"/>
           </a:p>
         </p:txBody>
       </p:sp>
@@ -2197,10 +2180,9 @@
           </a:lstStyle>
           <a:p>
             <a:r>
-              <a:rPr lang="nl-NL" smtClean="0"/>
+              <a:rPr lang="nl-NL"/>
               <a:t>Klik om de ondertitelstijl van het model te bewerken</a:t>
             </a:r>
-            <a:endParaRPr lang="nl-NL"/>
           </a:p>
         </p:txBody>
       </p:sp>
@@ -2221,7 +2203,7 @@
           <a:p>
             <a:fld id="{021453AD-7F2F-4858-ACFA-D0542B02A171}" type="datetimeFigureOut">
               <a:rPr lang="nl-NL" smtClean="0"/>
-              <a:t>19-01-17</a:t>
+              <a:t>20-1-2017</a:t>
             </a:fld>
             <a:endParaRPr lang="nl-NL"/>
           </a:p>
@@ -2310,10 +2292,9 @@
           <a:lstStyle/>
           <a:p>
             <a:r>
-              <a:rPr lang="nl-NL" smtClean="0"/>
+              <a:rPr lang="nl-NL"/>
               <a:t>Titelstijl van model bewerken</a:t>
             </a:r>
-            <a:endParaRPr lang="nl-NL"/>
           </a:p>
         </p:txBody>
       </p:sp>
@@ -2334,38 +2315,37 @@
           <a:p>
             <a:pPr lvl="0"/>
             <a:r>
-              <a:rPr lang="nl-NL" smtClean="0"/>
+              <a:rPr lang="nl-NL"/>
               <a:t>Klik om de tekststijl van het model te bewerken</a:t>
             </a:r>
           </a:p>
           <a:p>
             <a:pPr lvl="1"/>
             <a:r>
-              <a:rPr lang="nl-NL" smtClean="0"/>
+              <a:rPr lang="nl-NL"/>
               <a:t>Tweede niveau</a:t>
             </a:r>
           </a:p>
           <a:p>
             <a:pPr lvl="2"/>
             <a:r>
-              <a:rPr lang="nl-NL" smtClean="0"/>
+              <a:rPr lang="nl-NL"/>
               <a:t>Derde niveau</a:t>
             </a:r>
           </a:p>
           <a:p>
             <a:pPr lvl="3"/>
             <a:r>
-              <a:rPr lang="nl-NL" smtClean="0"/>
+              <a:rPr lang="nl-NL"/>
               <a:t>Vierde niveau</a:t>
             </a:r>
           </a:p>
           <a:p>
             <a:pPr lvl="4"/>
             <a:r>
-              <a:rPr lang="nl-NL" smtClean="0"/>
+              <a:rPr lang="nl-NL"/>
               <a:t>Vijfde niveau</a:t>
             </a:r>
-            <a:endParaRPr lang="nl-NL"/>
           </a:p>
         </p:txBody>
       </p:sp>
@@ -2386,7 +2366,7 @@
           <a:p>
             <a:fld id="{021453AD-7F2F-4858-ACFA-D0542B02A171}" type="datetimeFigureOut">
               <a:rPr lang="nl-NL" smtClean="0"/>
-              <a:t>19-01-17</a:t>
+              <a:t>20-1-2017</a:t>
             </a:fld>
             <a:endParaRPr lang="nl-NL"/>
           </a:p>
@@ -2480,10 +2460,9 @@
           <a:lstStyle/>
           <a:p>
             <a:r>
-              <a:rPr lang="nl-NL" smtClean="0"/>
+              <a:rPr lang="nl-NL"/>
               <a:t>Titelstijl van model bewerken</a:t>
             </a:r>
-            <a:endParaRPr lang="nl-NL"/>
           </a:p>
         </p:txBody>
       </p:sp>
@@ -2509,38 +2488,37 @@
           <a:p>
             <a:pPr lvl="0"/>
             <a:r>
-              <a:rPr lang="nl-NL" smtClean="0"/>
+              <a:rPr lang="nl-NL"/>
               <a:t>Klik om de tekststijl van het model te bewerken</a:t>
             </a:r>
           </a:p>
           <a:p>
             <a:pPr lvl="1"/>
             <a:r>
-              <a:rPr lang="nl-NL" smtClean="0"/>
+              <a:rPr lang="nl-NL"/>
               <a:t>Tweede niveau</a:t>
             </a:r>
           </a:p>
           <a:p>
             <a:pPr lvl="2"/>
             <a:r>
-              <a:rPr lang="nl-NL" smtClean="0"/>
+              <a:rPr lang="nl-NL"/>
               <a:t>Derde niveau</a:t>
             </a:r>
           </a:p>
           <a:p>
             <a:pPr lvl="3"/>
             <a:r>
-              <a:rPr lang="nl-NL" smtClean="0"/>
+              <a:rPr lang="nl-NL"/>
               <a:t>Vierde niveau</a:t>
             </a:r>
           </a:p>
           <a:p>
             <a:pPr lvl="4"/>
             <a:r>
-              <a:rPr lang="nl-NL" smtClean="0"/>
+              <a:rPr lang="nl-NL"/>
               <a:t>Vijfde niveau</a:t>
             </a:r>
-            <a:endParaRPr lang="nl-NL"/>
           </a:p>
         </p:txBody>
       </p:sp>
@@ -2561,7 +2539,7 @@
           <a:p>
             <a:fld id="{021453AD-7F2F-4858-ACFA-D0542B02A171}" type="datetimeFigureOut">
               <a:rPr lang="nl-NL" smtClean="0"/>
-              <a:t>19-01-17</a:t>
+              <a:t>20-1-2017</a:t>
             </a:fld>
             <a:endParaRPr lang="nl-NL"/>
           </a:p>
@@ -2650,10 +2628,9 @@
           <a:lstStyle/>
           <a:p>
             <a:r>
-              <a:rPr lang="nl-NL" smtClean="0"/>
+              <a:rPr lang="nl-NL"/>
               <a:t>Titelstijl van model bewerken</a:t>
             </a:r>
-            <a:endParaRPr lang="nl-NL"/>
           </a:p>
         </p:txBody>
       </p:sp>
@@ -2674,38 +2651,37 @@
           <a:p>
             <a:pPr lvl="0"/>
             <a:r>
-              <a:rPr lang="nl-NL" smtClean="0"/>
+              <a:rPr lang="nl-NL"/>
               <a:t>Klik om de tekststijl van het model te bewerken</a:t>
             </a:r>
           </a:p>
           <a:p>
             <a:pPr lvl="1"/>
             <a:r>
-              <a:rPr lang="nl-NL" smtClean="0"/>
+              <a:rPr lang="nl-NL"/>
               <a:t>Tweede niveau</a:t>
             </a:r>
           </a:p>
           <a:p>
             <a:pPr lvl="2"/>
             <a:r>
-              <a:rPr lang="nl-NL" smtClean="0"/>
+              <a:rPr lang="nl-NL"/>
               <a:t>Derde niveau</a:t>
             </a:r>
           </a:p>
           <a:p>
             <a:pPr lvl="3"/>
             <a:r>
-              <a:rPr lang="nl-NL" smtClean="0"/>
+              <a:rPr lang="nl-NL"/>
               <a:t>Vierde niveau</a:t>
             </a:r>
           </a:p>
           <a:p>
             <a:pPr lvl="4"/>
             <a:r>
-              <a:rPr lang="nl-NL" smtClean="0"/>
+              <a:rPr lang="nl-NL"/>
               <a:t>Vijfde niveau</a:t>
             </a:r>
-            <a:endParaRPr lang="nl-NL"/>
           </a:p>
         </p:txBody>
       </p:sp>
@@ -2726,7 +2702,7 @@
           <a:p>
             <a:fld id="{021453AD-7F2F-4858-ACFA-D0542B02A171}" type="datetimeFigureOut">
               <a:rPr lang="nl-NL" smtClean="0"/>
-              <a:t>19-01-17</a:t>
+              <a:t>20-1-2017</a:t>
             </a:fld>
             <a:endParaRPr lang="nl-NL"/>
           </a:p>
@@ -2824,10 +2800,9 @@
           </a:lstStyle>
           <a:p>
             <a:r>
-              <a:rPr lang="nl-NL" smtClean="0"/>
+              <a:rPr lang="nl-NL"/>
               <a:t>Titelstijl van model bewerken</a:t>
             </a:r>
-            <a:endParaRPr lang="nl-NL"/>
           </a:p>
         </p:txBody>
       </p:sp>
@@ -2944,7 +2919,7 @@
           <a:p>
             <a:pPr lvl="0"/>
             <a:r>
-              <a:rPr lang="nl-NL" smtClean="0"/>
+              <a:rPr lang="nl-NL"/>
               <a:t>Klik om de tekststijl van het model te bewerken</a:t>
             </a:r>
           </a:p>
@@ -2967,7 +2942,7 @@
           <a:p>
             <a:fld id="{021453AD-7F2F-4858-ACFA-D0542B02A171}" type="datetimeFigureOut">
               <a:rPr lang="nl-NL" smtClean="0"/>
-              <a:t>19-01-17</a:t>
+              <a:t>20-1-2017</a:t>
             </a:fld>
             <a:endParaRPr lang="nl-NL"/>
           </a:p>
@@ -3056,10 +3031,9 @@
           <a:lstStyle/>
           <a:p>
             <a:r>
-              <a:rPr lang="nl-NL" smtClean="0"/>
+              <a:rPr lang="nl-NL"/>
               <a:t>Titelstijl van model bewerken</a:t>
             </a:r>
-            <a:endParaRPr lang="nl-NL"/>
           </a:p>
         </p:txBody>
       </p:sp>
@@ -3085,38 +3059,37 @@
           <a:p>
             <a:pPr lvl="0"/>
             <a:r>
-              <a:rPr lang="nl-NL" smtClean="0"/>
+              <a:rPr lang="nl-NL"/>
               <a:t>Klik om de tekststijl van het model te bewerken</a:t>
             </a:r>
           </a:p>
           <a:p>
             <a:pPr lvl="1"/>
             <a:r>
-              <a:rPr lang="nl-NL" smtClean="0"/>
+              <a:rPr lang="nl-NL"/>
               <a:t>Tweede niveau</a:t>
             </a:r>
           </a:p>
           <a:p>
             <a:pPr lvl="2"/>
             <a:r>
-              <a:rPr lang="nl-NL" smtClean="0"/>
+              <a:rPr lang="nl-NL"/>
               <a:t>Derde niveau</a:t>
             </a:r>
           </a:p>
           <a:p>
             <a:pPr lvl="3"/>
             <a:r>
-              <a:rPr lang="nl-NL" smtClean="0"/>
+              <a:rPr lang="nl-NL"/>
               <a:t>Vierde niveau</a:t>
             </a:r>
           </a:p>
           <a:p>
             <a:pPr lvl="4"/>
             <a:r>
-              <a:rPr lang="nl-NL" smtClean="0"/>
+              <a:rPr lang="nl-NL"/>
               <a:t>Vijfde niveau</a:t>
             </a:r>
-            <a:endParaRPr lang="nl-NL"/>
           </a:p>
         </p:txBody>
       </p:sp>
@@ -3142,38 +3115,37 @@
           <a:p>
             <a:pPr lvl="0"/>
             <a:r>
-              <a:rPr lang="nl-NL" smtClean="0"/>
+              <a:rPr lang="nl-NL"/>
               <a:t>Klik om de tekststijl van het model te bewerken</a:t>
             </a:r>
           </a:p>
           <a:p>
             <a:pPr lvl="1"/>
             <a:r>
-              <a:rPr lang="nl-NL" smtClean="0"/>
+              <a:rPr lang="nl-NL"/>
               <a:t>Tweede niveau</a:t>
             </a:r>
           </a:p>
           <a:p>
             <a:pPr lvl="2"/>
             <a:r>
-              <a:rPr lang="nl-NL" smtClean="0"/>
+              <a:rPr lang="nl-NL"/>
               <a:t>Derde niveau</a:t>
             </a:r>
           </a:p>
           <a:p>
             <a:pPr lvl="3"/>
             <a:r>
-              <a:rPr lang="nl-NL" smtClean="0"/>
+              <a:rPr lang="nl-NL"/>
               <a:t>Vierde niveau</a:t>
             </a:r>
           </a:p>
           <a:p>
             <a:pPr lvl="4"/>
             <a:r>
-              <a:rPr lang="nl-NL" smtClean="0"/>
+              <a:rPr lang="nl-NL"/>
               <a:t>Vijfde niveau</a:t>
             </a:r>
-            <a:endParaRPr lang="nl-NL"/>
           </a:p>
         </p:txBody>
       </p:sp>
@@ -3194,7 +3166,7 @@
           <a:p>
             <a:fld id="{021453AD-7F2F-4858-ACFA-D0542B02A171}" type="datetimeFigureOut">
               <a:rPr lang="nl-NL" smtClean="0"/>
-              <a:t>19-01-17</a:t>
+              <a:t>20-1-2017</a:t>
             </a:fld>
             <a:endParaRPr lang="nl-NL"/>
           </a:p>
@@ -3288,10 +3260,9 @@
           <a:lstStyle/>
           <a:p>
             <a:r>
-              <a:rPr lang="nl-NL" smtClean="0"/>
+              <a:rPr lang="nl-NL"/>
               <a:t>Titelstijl van model bewerken</a:t>
             </a:r>
-            <a:endParaRPr lang="nl-NL"/>
           </a:p>
         </p:txBody>
       </p:sp>
@@ -3354,7 +3325,7 @@
           <a:p>
             <a:pPr lvl="0"/>
             <a:r>
-              <a:rPr lang="nl-NL" smtClean="0"/>
+              <a:rPr lang="nl-NL"/>
               <a:t>Klik om de tekststijl van het model te bewerken</a:t>
             </a:r>
           </a:p>
@@ -3382,38 +3353,37 @@
           <a:p>
             <a:pPr lvl="0"/>
             <a:r>
-              <a:rPr lang="nl-NL" smtClean="0"/>
+              <a:rPr lang="nl-NL"/>
               <a:t>Klik om de tekststijl van het model te bewerken</a:t>
             </a:r>
           </a:p>
           <a:p>
             <a:pPr lvl="1"/>
             <a:r>
-              <a:rPr lang="nl-NL" smtClean="0"/>
+              <a:rPr lang="nl-NL"/>
               <a:t>Tweede niveau</a:t>
             </a:r>
           </a:p>
           <a:p>
             <a:pPr lvl="2"/>
             <a:r>
-              <a:rPr lang="nl-NL" smtClean="0"/>
+              <a:rPr lang="nl-NL"/>
               <a:t>Derde niveau</a:t>
             </a:r>
           </a:p>
           <a:p>
             <a:pPr lvl="3"/>
             <a:r>
-              <a:rPr lang="nl-NL" smtClean="0"/>
+              <a:rPr lang="nl-NL"/>
               <a:t>Vierde niveau</a:t>
             </a:r>
           </a:p>
           <a:p>
             <a:pPr lvl="4"/>
             <a:r>
-              <a:rPr lang="nl-NL" smtClean="0"/>
+              <a:rPr lang="nl-NL"/>
               <a:t>Vijfde niveau</a:t>
             </a:r>
-            <a:endParaRPr lang="nl-NL"/>
           </a:p>
         </p:txBody>
       </p:sp>
@@ -3476,7 +3446,7 @@
           <a:p>
             <a:pPr lvl="0"/>
             <a:r>
-              <a:rPr lang="nl-NL" smtClean="0"/>
+              <a:rPr lang="nl-NL"/>
               <a:t>Klik om de tekststijl van het model te bewerken</a:t>
             </a:r>
           </a:p>
@@ -3504,38 +3474,37 @@
           <a:p>
             <a:pPr lvl="0"/>
             <a:r>
-              <a:rPr lang="nl-NL" smtClean="0"/>
+              <a:rPr lang="nl-NL"/>
               <a:t>Klik om de tekststijl van het model te bewerken</a:t>
             </a:r>
           </a:p>
           <a:p>
             <a:pPr lvl="1"/>
             <a:r>
-              <a:rPr lang="nl-NL" smtClean="0"/>
+              <a:rPr lang="nl-NL"/>
               <a:t>Tweede niveau</a:t>
             </a:r>
           </a:p>
           <a:p>
             <a:pPr lvl="2"/>
             <a:r>
-              <a:rPr lang="nl-NL" smtClean="0"/>
+              <a:rPr lang="nl-NL"/>
               <a:t>Derde niveau</a:t>
             </a:r>
           </a:p>
           <a:p>
             <a:pPr lvl="3"/>
             <a:r>
-              <a:rPr lang="nl-NL" smtClean="0"/>
+              <a:rPr lang="nl-NL"/>
               <a:t>Vierde niveau</a:t>
             </a:r>
           </a:p>
           <a:p>
             <a:pPr lvl="4"/>
             <a:r>
-              <a:rPr lang="nl-NL" smtClean="0"/>
+              <a:rPr lang="nl-NL"/>
               <a:t>Vijfde niveau</a:t>
             </a:r>
-            <a:endParaRPr lang="nl-NL"/>
           </a:p>
         </p:txBody>
       </p:sp>
@@ -3556,7 +3525,7 @@
           <a:p>
             <a:fld id="{021453AD-7F2F-4858-ACFA-D0542B02A171}" type="datetimeFigureOut">
               <a:rPr lang="nl-NL" smtClean="0"/>
-              <a:t>19-01-17</a:t>
+              <a:t>20-1-2017</a:t>
             </a:fld>
             <a:endParaRPr lang="nl-NL"/>
           </a:p>
@@ -3645,10 +3614,9 @@
           <a:lstStyle/>
           <a:p>
             <a:r>
-              <a:rPr lang="nl-NL" smtClean="0"/>
+              <a:rPr lang="nl-NL"/>
               <a:t>Titelstijl van model bewerken</a:t>
             </a:r>
-            <a:endParaRPr lang="nl-NL"/>
           </a:p>
         </p:txBody>
       </p:sp>
@@ -3669,7 +3637,7 @@
           <a:p>
             <a:fld id="{021453AD-7F2F-4858-ACFA-D0542B02A171}" type="datetimeFigureOut">
               <a:rPr lang="nl-NL" smtClean="0"/>
-              <a:t>19-01-17</a:t>
+              <a:t>20-1-2017</a:t>
             </a:fld>
             <a:endParaRPr lang="nl-NL"/>
           </a:p>
@@ -3759,7 +3727,7 @@
           <a:p>
             <a:fld id="{021453AD-7F2F-4858-ACFA-D0542B02A171}" type="datetimeFigureOut">
               <a:rPr lang="nl-NL" smtClean="0"/>
-              <a:t>19-01-17</a:t>
+              <a:t>20-1-2017</a:t>
             </a:fld>
             <a:endParaRPr lang="nl-NL"/>
           </a:p>
@@ -3857,10 +3825,9 @@
           </a:lstStyle>
           <a:p>
             <a:r>
-              <a:rPr lang="nl-NL" smtClean="0"/>
+              <a:rPr lang="nl-NL"/>
               <a:t>Titelstijl van model bewerken</a:t>
             </a:r>
-            <a:endParaRPr lang="nl-NL"/>
           </a:p>
         </p:txBody>
       </p:sp>
@@ -3914,38 +3881,37 @@
           <a:p>
             <a:pPr lvl="0"/>
             <a:r>
-              <a:rPr lang="nl-NL" smtClean="0"/>
+              <a:rPr lang="nl-NL"/>
               <a:t>Klik om de tekststijl van het model te bewerken</a:t>
             </a:r>
           </a:p>
           <a:p>
             <a:pPr lvl="1"/>
             <a:r>
-              <a:rPr lang="nl-NL" smtClean="0"/>
+              <a:rPr lang="nl-NL"/>
               <a:t>Tweede niveau</a:t>
             </a:r>
           </a:p>
           <a:p>
             <a:pPr lvl="2"/>
             <a:r>
-              <a:rPr lang="nl-NL" smtClean="0"/>
+              <a:rPr lang="nl-NL"/>
               <a:t>Derde niveau</a:t>
             </a:r>
           </a:p>
           <a:p>
             <a:pPr lvl="3"/>
             <a:r>
-              <a:rPr lang="nl-NL" smtClean="0"/>
+              <a:rPr lang="nl-NL"/>
               <a:t>Vierde niveau</a:t>
             </a:r>
           </a:p>
           <a:p>
             <a:pPr lvl="4"/>
             <a:r>
-              <a:rPr lang="nl-NL" smtClean="0"/>
+              <a:rPr lang="nl-NL"/>
               <a:t>Vijfde niveau</a:t>
             </a:r>
-            <a:endParaRPr lang="nl-NL"/>
           </a:p>
         </p:txBody>
       </p:sp>
@@ -4008,7 +3974,7 @@
           <a:p>
             <a:pPr lvl="0"/>
             <a:r>
-              <a:rPr lang="nl-NL" smtClean="0"/>
+              <a:rPr lang="nl-NL"/>
               <a:t>Klik om de tekststijl van het model te bewerken</a:t>
             </a:r>
           </a:p>
@@ -4031,7 +3997,7 @@
           <a:p>
             <a:fld id="{021453AD-7F2F-4858-ACFA-D0542B02A171}" type="datetimeFigureOut">
               <a:rPr lang="nl-NL" smtClean="0"/>
-              <a:t>19-01-17</a:t>
+              <a:t>20-1-2017</a:t>
             </a:fld>
             <a:endParaRPr lang="nl-NL"/>
           </a:p>
@@ -4129,10 +4095,9 @@
           </a:lstStyle>
           <a:p>
             <a:r>
-              <a:rPr lang="nl-NL" smtClean="0"/>
+              <a:rPr lang="nl-NL"/>
               <a:t>Titelstijl van model bewerken</a:t>
             </a:r>
-            <a:endParaRPr lang="nl-NL"/>
           </a:p>
         </p:txBody>
       </p:sp>
@@ -4256,7 +4221,7 @@
           <a:p>
             <a:pPr lvl="0"/>
             <a:r>
-              <a:rPr lang="nl-NL" smtClean="0"/>
+              <a:rPr lang="nl-NL"/>
               <a:t>Klik om de tekststijl van het model te bewerken</a:t>
             </a:r>
           </a:p>
@@ -4279,7 +4244,7 @@
           <a:p>
             <a:fld id="{021453AD-7F2F-4858-ACFA-D0542B02A171}" type="datetimeFigureOut">
               <a:rPr lang="nl-NL" smtClean="0"/>
-              <a:t>19-01-17</a:t>
+              <a:t>20-1-2017</a:t>
             </a:fld>
             <a:endParaRPr lang="nl-NL"/>
           </a:p>
@@ -4383,10 +4348,9 @@
           <a:lstStyle/>
           <a:p>
             <a:r>
-              <a:rPr lang="nl-NL" smtClean="0"/>
+              <a:rPr lang="nl-NL"/>
               <a:t>Titelstijl van model bewerken</a:t>
             </a:r>
-            <a:endParaRPr lang="nl-NL"/>
           </a:p>
         </p:txBody>
       </p:sp>
@@ -4417,38 +4381,37 @@
           <a:p>
             <a:pPr lvl="0"/>
             <a:r>
-              <a:rPr lang="nl-NL" smtClean="0"/>
+              <a:rPr lang="nl-NL"/>
               <a:t>Klik om de tekststijl van het model te bewerken</a:t>
             </a:r>
           </a:p>
           <a:p>
             <a:pPr lvl="1"/>
             <a:r>
-              <a:rPr lang="nl-NL" smtClean="0"/>
+              <a:rPr lang="nl-NL"/>
               <a:t>Tweede niveau</a:t>
             </a:r>
           </a:p>
           <a:p>
             <a:pPr lvl="2"/>
             <a:r>
-              <a:rPr lang="nl-NL" smtClean="0"/>
+              <a:rPr lang="nl-NL"/>
               <a:t>Derde niveau</a:t>
             </a:r>
           </a:p>
           <a:p>
             <a:pPr lvl="3"/>
             <a:r>
-              <a:rPr lang="nl-NL" smtClean="0"/>
+              <a:rPr lang="nl-NL"/>
               <a:t>Vierde niveau</a:t>
             </a:r>
           </a:p>
           <a:p>
             <a:pPr lvl="4"/>
             <a:r>
-              <a:rPr lang="nl-NL" smtClean="0"/>
+              <a:rPr lang="nl-NL"/>
               <a:t>Vijfde niveau</a:t>
             </a:r>
-            <a:endParaRPr lang="nl-NL"/>
           </a:p>
         </p:txBody>
       </p:sp>
@@ -4487,7 +4450,7 @@
           <a:p>
             <a:fld id="{021453AD-7F2F-4858-ACFA-D0542B02A171}" type="datetimeFigureOut">
               <a:rPr lang="nl-NL" smtClean="0"/>
-              <a:t>19-01-17</a:t>
+              <a:t>20-1-2017</a:t>
             </a:fld>
             <a:endParaRPr lang="nl-NL"/>
           </a:p>
@@ -5138,7 +5101,7 @@
           <a:lstStyle/>
           <a:p>
             <a:r>
-              <a:rPr lang="en-US" dirty="0" smtClean="0"/>
+              <a:rPr lang="en-US" dirty="0"/>
               <a:t>IDP Domotica 							V1B</a:t>
             </a:r>
             <a:endParaRPr lang="nl-NL" dirty="0"/>
@@ -5168,7 +5131,7 @@
           <a:lstStyle/>
           <a:p>
             <a:r>
-              <a:rPr lang="en-US" sz="2000" dirty="0" err="1" smtClean="0">
+              <a:rPr lang="en-US" sz="2000" dirty="0" err="1">
                 <a:solidFill>
                   <a:schemeClr val="bg1"/>
                 </a:solidFill>
@@ -5176,13 +5139,15 @@
               <a:t>Wouter</a:t>
             </a:r>
             <a:r>
-              <a:rPr lang="en-US" sz="2000" dirty="0" smtClean="0">
+              <a:rPr lang="en-US" sz="2000" dirty="0">
                 <a:solidFill>
                   <a:schemeClr val="bg1"/>
                 </a:solidFill>
               </a:rPr>
               <a:t> van Eden</a:t>
             </a:r>
+          </a:p>
+          <a:p>
             <a:endParaRPr lang="en-US" sz="2000" dirty="0">
               <a:solidFill>
                 <a:schemeClr val="bg1"/>
@@ -5190,6 +5155,39 @@
             </a:endParaRPr>
           </a:p>
           <a:p>
+            <a:r>
+              <a:rPr lang="nl-NL" sz="2000" dirty="0">
+                <a:solidFill>
+                  <a:schemeClr val="bg1"/>
+                </a:solidFill>
+              </a:rPr>
+              <a:t>Pim Smits</a:t>
+            </a:r>
+          </a:p>
+          <a:p>
+            <a:endParaRPr lang="nl-NL" sz="2000" dirty="0">
+              <a:solidFill>
+                <a:schemeClr val="bg1"/>
+              </a:solidFill>
+            </a:endParaRPr>
+          </a:p>
+          <a:p>
+            <a:r>
+              <a:rPr lang="en-US" sz="2000" dirty="0">
+                <a:solidFill>
+                  <a:schemeClr val="bg1"/>
+                </a:solidFill>
+              </a:rPr>
+              <a:t>Max </a:t>
+            </a:r>
+            <a:r>
+              <a:rPr lang="en-US" sz="2000" dirty="0" err="1">
+                <a:solidFill>
+                  <a:schemeClr val="bg1"/>
+                </a:solidFill>
+              </a:rPr>
+              <a:t>Weggemans</a:t>
+            </a:r>
             <a:endParaRPr lang="en-US" sz="2000" dirty="0">
               <a:solidFill>
                 <a:schemeClr val="bg1"/>
@@ -5197,14 +5195,36 @@
             </a:endParaRPr>
           </a:p>
           <a:p>
-            <a:r>
-              <a:rPr lang="nl-NL" sz="2000" dirty="0" smtClean="0">
+            <a:endParaRPr lang="en-US" sz="2000" dirty="0">
+              <a:solidFill>
+                <a:schemeClr val="bg1"/>
+              </a:solidFill>
+            </a:endParaRPr>
+          </a:p>
+          <a:p>
+            <a:r>
+              <a:rPr lang="en-US" sz="2000" dirty="0">
                 <a:solidFill>
                   <a:schemeClr val="bg1"/>
                 </a:solidFill>
               </a:rPr>
-              <a:t>Pim Smits</a:t>
-            </a:r>
+              <a:t>Maarten van </a:t>
+            </a:r>
+            <a:r>
+              <a:rPr lang="en-US" sz="2000" dirty="0" err="1">
+                <a:solidFill>
+                  <a:schemeClr val="bg1"/>
+                </a:solidFill>
+              </a:rPr>
+              <a:t>Dijk</a:t>
+            </a:r>
+            <a:endParaRPr lang="en-US" sz="2000" dirty="0">
+              <a:solidFill>
+                <a:schemeClr val="bg1"/>
+              </a:solidFill>
+            </a:endParaRPr>
+          </a:p>
+          <a:p>
             <a:endParaRPr lang="nl-NL" sz="2000" dirty="0">
               <a:solidFill>
                 <a:schemeClr val="bg1"/>
@@ -5212,6 +5232,22 @@
             </a:endParaRPr>
           </a:p>
           <a:p>
+            <a:r>
+              <a:rPr lang="nl-NL" sz="2000" dirty="0">
+                <a:solidFill>
+                  <a:schemeClr val="bg1"/>
+                </a:solidFill>
+              </a:rPr>
+              <a:t>Tony </a:t>
+            </a:r>
+            <a:r>
+              <a:rPr lang="nl-NL" sz="2000" dirty="0" err="1">
+                <a:solidFill>
+                  <a:schemeClr val="bg1"/>
+                </a:solidFill>
+              </a:rPr>
+              <a:t>Tran</a:t>
+            </a:r>
             <a:endParaRPr lang="nl-NL" sz="2000" dirty="0">
               <a:solidFill>
                 <a:schemeClr val="bg1"/>
@@ -5219,59 +5255,6 @@
             </a:endParaRPr>
           </a:p>
           <a:p>
-            <a:r>
-              <a:rPr lang="en-US" sz="2000" dirty="0" smtClean="0">
-                <a:solidFill>
-                  <a:schemeClr val="bg1"/>
-                </a:solidFill>
-              </a:rPr>
-              <a:t>Max </a:t>
-            </a:r>
-            <a:r>
-              <a:rPr lang="en-US" sz="2000" dirty="0" err="1" smtClean="0">
-                <a:solidFill>
-                  <a:schemeClr val="bg1"/>
-                </a:solidFill>
-              </a:rPr>
-              <a:t>Weggemans</a:t>
-            </a:r>
-            <a:endParaRPr lang="en-US" sz="2000" dirty="0">
-              <a:solidFill>
-                <a:schemeClr val="bg1"/>
-              </a:solidFill>
-            </a:endParaRPr>
-          </a:p>
-          <a:p>
-            <a:endParaRPr lang="en-US" sz="2000" dirty="0">
-              <a:solidFill>
-                <a:schemeClr val="bg1"/>
-              </a:solidFill>
-            </a:endParaRPr>
-          </a:p>
-          <a:p>
-            <a:r>
-              <a:rPr lang="en-US" sz="2000" dirty="0" smtClean="0">
-                <a:solidFill>
-                  <a:schemeClr val="bg1"/>
-                </a:solidFill>
-              </a:rPr>
-              <a:t>Maarten van </a:t>
-            </a:r>
-            <a:r>
-              <a:rPr lang="en-US" sz="2000" dirty="0" err="1" smtClean="0">
-                <a:solidFill>
-                  <a:schemeClr val="bg1"/>
-                </a:solidFill>
-              </a:rPr>
-              <a:t>Dijk</a:t>
-            </a:r>
-            <a:endParaRPr lang="en-US" sz="2000" dirty="0">
-              <a:solidFill>
-                <a:schemeClr val="bg1"/>
-              </a:solidFill>
-            </a:endParaRPr>
-          </a:p>
-          <a:p>
             <a:endParaRPr lang="nl-NL" sz="2000" dirty="0">
               <a:solidFill>
                 <a:schemeClr val="bg1"/>
@@ -5280,37 +5263,7 @@
           </a:p>
           <a:p>
             <a:r>
-              <a:rPr lang="nl-NL" sz="2000" dirty="0" smtClean="0">
-                <a:solidFill>
-                  <a:schemeClr val="bg1"/>
-                </a:solidFill>
-              </a:rPr>
-              <a:t>Tony </a:t>
-            </a:r>
-            <a:r>
-              <a:rPr lang="nl-NL" sz="2000" dirty="0" err="1" smtClean="0">
-                <a:solidFill>
-                  <a:schemeClr val="bg1"/>
-                </a:solidFill>
-              </a:rPr>
-              <a:t>Tran</a:t>
-            </a:r>
-            <a:endParaRPr lang="nl-NL" sz="2000" dirty="0" smtClean="0">
-              <a:solidFill>
-                <a:schemeClr val="bg1"/>
-              </a:solidFill>
-            </a:endParaRPr>
-          </a:p>
-          <a:p>
-            <a:endParaRPr lang="nl-NL" sz="2000" dirty="0">
-              <a:solidFill>
-                <a:schemeClr val="bg1"/>
-              </a:solidFill>
-            </a:endParaRPr>
-          </a:p>
-          <a:p>
-            <a:r>
-              <a:rPr lang="nl-NL" sz="2000" dirty="0" smtClean="0">
+              <a:rPr lang="nl-NL" sz="2000" dirty="0">
                 <a:solidFill>
                   <a:schemeClr val="bg1"/>
                 </a:solidFill>
@@ -5318,7 +5271,7 @@
               <a:t>Donald </a:t>
             </a:r>
             <a:r>
-              <a:rPr lang="nl-NL" sz="2000" dirty="0" err="1" smtClean="0">
+              <a:rPr lang="nl-NL" sz="2000" dirty="0" err="1">
                 <a:solidFill>
                   <a:schemeClr val="bg1"/>
                 </a:solidFill>
@@ -5350,13 +5303,6 @@
   <p:clrMapOvr>
     <a:masterClrMapping/>
   </p:clrMapOvr>
-  <p:timing>
-    <p:tnLst>
-      <p:par>
-        <p:cTn id="1" dur="indefinite" restart="never" nodeType="tmRoot"/>
-      </p:par>
-    </p:tnLst>
-  </p:timing>
 </p:sld>
 </file>
 
@@ -5729,36 +5675,14 @@
               <a:t>Het </a:t>
             </a:r>
             <a:r>
-              <a:rPr lang="en-US" sz="2000" dirty="0" err="1" smtClean="0">
+              <a:rPr lang="en-US" sz="2000" dirty="0" err="1">
                 <a:solidFill>
                   <a:schemeClr val="bg1"/>
                 </a:solidFill>
               </a:rPr>
               <a:t>systeem</a:t>
             </a:r>
-            <a:endParaRPr lang="en-US" sz="2000" dirty="0" smtClean="0">
-              <a:solidFill>
-                <a:schemeClr val="bg1"/>
-              </a:solidFill>
-            </a:endParaRPr>
-          </a:p>
-          <a:p>
             <a:endParaRPr lang="en-US" sz="2000" dirty="0">
-              <a:solidFill>
-                <a:schemeClr val="bg1"/>
-              </a:solidFill>
-            </a:endParaRPr>
-          </a:p>
-          <a:p>
-            <a:r>
-              <a:rPr lang="en-US" sz="2000" dirty="0" err="1" smtClean="0">
-                <a:solidFill>
-                  <a:schemeClr val="bg1"/>
-                </a:solidFill>
-              </a:rPr>
-              <a:t>Mogelijkheden</a:t>
-            </a:r>
-            <a:endParaRPr lang="en-US" sz="2000" dirty="0" smtClean="0">
               <a:solidFill>
                 <a:schemeClr val="bg1"/>
               </a:solidFill>
@@ -5802,6 +5726,28 @@
               </a:rPr>
               <a:t>Wat biedt het systeem aan de operators</a:t>
             </a:r>
+          </a:p>
+          <a:p>
+            <a:r>
+              <a:rPr lang="en-US" sz="2000" dirty="0" err="1">
+                <a:solidFill>
+                  <a:schemeClr val="bg1"/>
+                </a:solidFill>
+              </a:rPr>
+              <a:t>Mogelijkheden</a:t>
+            </a:r>
+            <a:endParaRPr lang="en-US" sz="2000" dirty="0">
+              <a:solidFill>
+                <a:schemeClr val="bg1"/>
+              </a:solidFill>
+            </a:endParaRPr>
+          </a:p>
+          <a:p>
+            <a:endParaRPr lang="en-US" sz="2000" dirty="0">
+              <a:solidFill>
+                <a:schemeClr val="bg1"/>
+              </a:solidFill>
+            </a:endParaRPr>
           </a:p>
         </p:txBody>
       </p:sp>
@@ -5815,13 +5761,6 @@
   <p:clrMapOvr>
     <a:masterClrMapping/>
   </p:clrMapOvr>
-  <p:timing>
-    <p:tnLst>
-      <p:par>
-        <p:cTn id="1" dur="indefinite" restart="never" nodeType="tmRoot"/>
-      </p:par>
-    </p:tnLst>
-  </p:timing>
 </p:sld>
 </file>
 
@@ -5914,7 +5853,7 @@
               <a:buNone/>
             </a:pPr>
             <a:r>
-              <a:rPr lang="nl-NL" sz="4800" dirty="0" smtClean="0">
+              <a:rPr lang="nl-NL" sz="4800" dirty="0">
                 <a:solidFill>
                   <a:srgbClr val="FFFFFF"/>
                 </a:solidFill>
@@ -5947,13 +5886,6 @@
   <p:clrMapOvr>
     <a:masterClrMapping/>
   </p:clrMapOvr>
-  <p:timing>
-    <p:tnLst>
-      <p:par>
-        <p:cTn id="1" dur="indefinite" restart="never" nodeType="tmRoot"/>
-      </p:par>
-    </p:tnLst>
-  </p:timing>
 </p:sld>
 </file>
 
@@ -6212,10 +6144,9 @@
           <a:lstStyle/>
           <a:p>
             <a:r>
-              <a:rPr lang="nl-NL" dirty="0" smtClean="0"/>
+              <a:rPr lang="nl-NL" dirty="0"/>
               <a:t>Risico’s</a:t>
             </a:r>
-            <a:endParaRPr lang="nl-NL" dirty="0"/>
           </a:p>
         </p:txBody>
       </p:sp>
@@ -6242,7 +6173,7 @@
           <a:lstStyle/>
           <a:p>
             <a:r>
-              <a:rPr lang="en-US" sz="2000" dirty="0" smtClean="0">
+              <a:rPr lang="en-US" sz="2000" dirty="0">
                 <a:solidFill>
                   <a:schemeClr val="bg1"/>
                 </a:solidFill>
@@ -6250,7 +6181,7 @@
               <a:t>De </a:t>
             </a:r>
             <a:r>
-              <a:rPr lang="en-US" sz="2000" dirty="0" err="1" smtClean="0">
+              <a:rPr lang="en-US" sz="2000" dirty="0" err="1">
                 <a:solidFill>
                   <a:schemeClr val="bg1"/>
                 </a:solidFill>
@@ -6258,7 +6189,7 @@
               <a:t>mogelijke</a:t>
             </a:r>
             <a:r>
-              <a:rPr lang="en-US" sz="2000" dirty="0" smtClean="0">
+              <a:rPr lang="en-US" sz="2000" dirty="0">
                 <a:solidFill>
                   <a:schemeClr val="bg1"/>
                 </a:solidFill>
@@ -6266,20 +6197,13 @@
               <a:t> </a:t>
             </a:r>
             <a:r>
-              <a:rPr lang="en-US" sz="2000" dirty="0" err="1" smtClean="0">
+              <a:rPr lang="en-US" sz="2000" dirty="0" err="1">
                 <a:solidFill>
                   <a:schemeClr val="bg1"/>
                 </a:solidFill>
               </a:rPr>
               <a:t>risico’s</a:t>
             </a:r>
-            <a:endParaRPr lang="en-US" sz="2000" dirty="0" smtClean="0">
-              <a:solidFill>
-                <a:schemeClr val="bg1"/>
-              </a:solidFill>
-            </a:endParaRPr>
-          </a:p>
-          <a:p>
             <a:endParaRPr lang="en-US" sz="2000" dirty="0">
               <a:solidFill>
                 <a:schemeClr val="bg1"/>
@@ -6287,15 +6211,22 @@
             </a:endParaRPr>
           </a:p>
           <a:p>
-            <a:r>
-              <a:rPr lang="en-US" sz="2000" dirty="0" err="1" smtClean="0">
+            <a:endParaRPr lang="en-US" sz="2000" dirty="0">
+              <a:solidFill>
+                <a:schemeClr val="bg1"/>
+              </a:solidFill>
+            </a:endParaRPr>
+          </a:p>
+          <a:p>
+            <a:r>
+              <a:rPr lang="en-US" sz="2000" dirty="0" err="1">
                 <a:solidFill>
                   <a:schemeClr val="bg1"/>
                 </a:solidFill>
               </a:rPr>
               <a:t>Maatregelen</a:t>
             </a:r>
-            <a:endParaRPr lang="en-US" sz="2000" dirty="0" smtClean="0">
+            <a:endParaRPr lang="en-US" sz="2000" dirty="0">
               <a:solidFill>
                 <a:schemeClr val="bg1"/>
               </a:solidFill>
@@ -6357,13 +6288,6 @@
   <p:clrMapOvr>
     <a:masterClrMapping/>
   </p:clrMapOvr>
-  <p:timing>
-    <p:tnLst>
-      <p:par>
-        <p:cTn id="1" dur="indefinite" restart="never" nodeType="tmRoot"/>
-      </p:par>
-    </p:tnLst>
-  </p:timing>
 </p:sld>
 </file>
 
@@ -6456,7 +6380,7 @@
               <a:buNone/>
             </a:pPr>
             <a:r>
-              <a:rPr lang="nl-NL" sz="4800" dirty="0" smtClean="0">
+              <a:rPr lang="nl-NL" sz="4800" dirty="0">
                 <a:solidFill>
                   <a:srgbClr val="FFFFFF"/>
                 </a:solidFill>
@@ -6489,13 +6413,6 @@
   <p:clrMapOvr>
     <a:masterClrMapping/>
   </p:clrMapOvr>
-  <p:timing>
-    <p:tnLst>
-      <p:par>
-        <p:cTn id="1" dur="indefinite" restart="never" nodeType="tmRoot"/>
-      </p:par>
-    </p:tnLst>
-  </p:timing>
 </p:sld>
 </file>
 
@@ -6838,10 +6755,6 @@
             <a:br>
               <a:rPr lang="nl-NL" sz="3700" dirty="0"/>
             </a:br>
-            <a:r>
-              <a:rPr lang="nl-NL" sz="3700" dirty="0"/>
-              <a:t/>
-            </a:r>
             <a:br>
               <a:rPr lang="nl-NL" sz="3700" dirty="0"/>
             </a:br>
@@ -6899,14 +6812,14 @@
               <a:t>Maarten van </a:t>
             </a:r>
             <a:r>
-              <a:rPr lang="en-US" sz="2000" dirty="0" err="1" smtClean="0">
+              <a:rPr lang="en-US" sz="2000" dirty="0" err="1">
                 <a:solidFill>
                   <a:schemeClr val="bg1"/>
                 </a:solidFill>
               </a:rPr>
               <a:t>Dijk</a:t>
             </a:r>
-            <a:endParaRPr lang="en-US" sz="2000" dirty="0" smtClean="0">
+            <a:endParaRPr lang="en-US" sz="2000" dirty="0">
               <a:solidFill>
                 <a:schemeClr val="bg1"/>
               </a:solidFill>
@@ -6969,13 +6882,6 @@
   <p:clrMapOvr>
     <a:masterClrMapping/>
   </p:clrMapOvr>
-  <p:timing>
-    <p:tnLst>
-      <p:par>
-        <p:cTn id="1" dur="indefinite" restart="never" nodeType="tmRoot"/>
-      </p:par>
-    </p:tnLst>
-  </p:timing>
 </p:sld>
 </file>
 
@@ -7393,15 +7299,7 @@
                   <a:schemeClr val="bg1"/>
                 </a:solidFill>
               </a:rPr>
-              <a:t> </a:t>
-            </a:r>
-            <a:r>
-              <a:rPr lang="en-US" sz="2000" dirty="0" smtClean="0">
-                <a:solidFill>
-                  <a:schemeClr val="bg1"/>
-                </a:solidFill>
-              </a:rPr>
-              <a:t>Smits</a:t>
+              <a:t> Smits</a:t>
             </a:r>
           </a:p>
           <a:p>
@@ -7487,13 +7385,6 @@
   <p:clrMapOvr>
     <a:masterClrMapping/>
   </p:clrMapOvr>
-  <p:timing>
-    <p:tnLst>
-      <p:par>
-        <p:cTn id="1" dur="indefinite" restart="never" nodeType="tmRoot"/>
-      </p:par>
-    </p:tnLst>
-  </p:timing>
 </p:sld>
 </file>
 
@@ -7931,13 +7822,6 @@
   <p:clrMapOvr>
     <a:masterClrMapping/>
   </p:clrMapOvr>
-  <p:timing>
-    <p:tnLst>
-      <p:par>
-        <p:cTn id="1" dur="indefinite" restart="never" nodeType="tmRoot"/>
-      </p:par>
-    </p:tnLst>
-  </p:timing>
 </p:sld>
 </file>
 
@@ -8348,14 +8232,14 @@
               <a:t>Max </a:t>
             </a:r>
             <a:r>
-              <a:rPr lang="en-US" sz="2000" dirty="0" err="1" smtClean="0">
+              <a:rPr lang="en-US" sz="2000" dirty="0" err="1">
                 <a:solidFill>
                   <a:schemeClr val="bg1"/>
                 </a:solidFill>
               </a:rPr>
               <a:t>Weggemans</a:t>
             </a:r>
-            <a:endParaRPr lang="en-US" sz="2000" dirty="0" smtClean="0">
+            <a:endParaRPr lang="en-US" sz="2000" dirty="0">
               <a:solidFill>
                 <a:schemeClr val="bg1"/>
               </a:solidFill>
@@ -8476,13 +8360,6 @@
   <p:clrMapOvr>
     <a:masterClrMapping/>
   </p:clrMapOvr>
-  <p:timing>
-    <p:tnLst>
-      <p:par>
-        <p:cTn id="1" dur="indefinite" restart="never" nodeType="tmRoot"/>
-      </p:par>
-    </p:tnLst>
-  </p:timing>
 </p:sld>
 </file>
 
@@ -8575,7 +8452,7 @@
               <a:buNone/>
             </a:pPr>
             <a:r>
-              <a:rPr lang="nl-NL" sz="4800" dirty="0" smtClean="0">
+              <a:rPr lang="nl-NL" sz="4800" dirty="0">
                 <a:solidFill>
                   <a:srgbClr val="FFFFFF"/>
                 </a:solidFill>
@@ -8608,13 +8485,6 @@
   <p:clrMapOvr>
     <a:masterClrMapping/>
   </p:clrMapOvr>
-  <p:timing>
-    <p:tnLst>
-      <p:par>
-        <p:cTn id="1" dur="indefinite" restart="never" nodeType="tmRoot"/>
-      </p:par>
-    </p:tnLst>
-  </p:timing>
 </p:sld>
 </file>
 
@@ -9082,15 +8952,7 @@
                   <a:schemeClr val="bg1"/>
                 </a:solidFill>
               </a:rPr>
-              <a:t>Proof of </a:t>
-            </a:r>
-            <a:r>
-              <a:rPr lang="en-US" sz="2000" dirty="0" smtClean="0">
-                <a:solidFill>
-                  <a:schemeClr val="bg1"/>
-                </a:solidFill>
-              </a:rPr>
-              <a:t>concept</a:t>
+              <a:t>Proof of concept</a:t>
             </a:r>
           </a:p>
           <a:p>
@@ -9102,7 +8964,7 @@
           </a:p>
           <a:p>
             <a:r>
-              <a:rPr lang="en-US" sz="2000" dirty="0" err="1" smtClean="0">
+              <a:rPr lang="en-US" sz="2000" dirty="0" err="1">
                 <a:solidFill>
                   <a:schemeClr val="bg1"/>
                 </a:solidFill>
@@ -9208,13 +9070,6 @@
   <p:clrMapOvr>
     <a:masterClrMapping/>
   </p:clrMapOvr>
-  <p:timing>
-    <p:tnLst>
-      <p:par>
-        <p:cTn id="1" dur="indefinite" restart="never" nodeType="tmRoot"/>
-      </p:par>
-    </p:tnLst>
-  </p:timing>
 </p:sld>
 </file>
 
@@ -9307,7 +9162,7 @@
               <a:buNone/>
             </a:pPr>
             <a:r>
-              <a:rPr lang="nl-NL" sz="4800" dirty="0" smtClean="0">
+              <a:rPr lang="nl-NL" sz="4800" dirty="0">
                 <a:solidFill>
                   <a:srgbClr val="FFFFFF"/>
                 </a:solidFill>
@@ -9319,7 +9174,7 @@
               <a:t>Huidige situatie </a:t>
             </a:r>
             <a:br>
-              <a:rPr lang="nl-NL" sz="4800" dirty="0" smtClean="0">
+              <a:rPr lang="nl-NL" sz="4800" dirty="0">
                 <a:solidFill>
                   <a:srgbClr val="FFFFFF"/>
                 </a:solidFill>
@@ -9351,13 +9206,6 @@
   <p:clrMapOvr>
     <a:masterClrMapping/>
   </p:clrMapOvr>
-  <p:timing>
-    <p:tnLst>
-      <p:par>
-        <p:cTn id="1" dur="indefinite" restart="never" nodeType="tmRoot"/>
-      </p:par>
-    </p:tnLst>
-  </p:timing>
 </p:sld>
 </file>
 
@@ -9773,13 +9621,6 @@
   <p:clrMapOvr>
     <a:masterClrMapping/>
   </p:clrMapOvr>
-  <p:timing>
-    <p:tnLst>
-      <p:par>
-        <p:cTn id="1" dur="indefinite" restart="never" nodeType="tmRoot"/>
-      </p:par>
-    </p:tnLst>
-  </p:timing>
 </p:sld>
 </file>
 
@@ -9872,7 +9713,7 @@
               <a:buNone/>
             </a:pPr>
             <a:r>
-              <a:rPr lang="nl-NL" sz="4800" dirty="0" smtClean="0">
+              <a:rPr lang="nl-NL" sz="4800" dirty="0">
                 <a:solidFill>
                   <a:srgbClr val="FFFFFF"/>
                 </a:solidFill>
@@ -9905,13 +9746,6 @@
   <p:clrMapOvr>
     <a:masterClrMapping/>
   </p:clrMapOvr>
-  <p:timing>
-    <p:tnLst>
-      <p:par>
-        <p:cTn id="1" dur="indefinite" restart="never" nodeType="tmRoot"/>
-      </p:par>
-    </p:tnLst>
-  </p:timing>
 </p:sld>
 </file>
 
@@ -10332,13 +10166,6 @@
   <p:clrMapOvr>
     <a:masterClrMapping/>
   </p:clrMapOvr>
-  <p:timing>
-    <p:tnLst>
-      <p:par>
-        <p:cTn id="1" dur="indefinite" restart="never" nodeType="tmRoot"/>
-      </p:par>
-    </p:tnLst>
-  </p:timing>
 </p:sld>
 </file>
 
@@ -10431,7 +10258,7 @@
               <a:buNone/>
             </a:pPr>
             <a:r>
-              <a:rPr lang="nl-NL" sz="4800" dirty="0" smtClean="0">
+              <a:rPr lang="nl-NL" sz="4800" dirty="0">
                 <a:solidFill>
                   <a:srgbClr val="FFFFFF"/>
                 </a:solidFill>
@@ -10443,7 +10270,7 @@
               <a:t>Gewenste situatie</a:t>
             </a:r>
             <a:br>
-              <a:rPr lang="nl-NL" sz="4800" dirty="0" smtClean="0">
+              <a:rPr lang="nl-NL" sz="4800" dirty="0">
                 <a:solidFill>
                   <a:srgbClr val="FFFFFF"/>
                 </a:solidFill>
@@ -10475,13 +10302,6 @@
   <p:clrMapOvr>
     <a:masterClrMapping/>
   </p:clrMapOvr>
-  <p:timing>
-    <p:tnLst>
-      <p:par>
-        <p:cTn id="1" dur="indefinite" restart="never" nodeType="tmRoot"/>
-      </p:par>
-    </p:tnLst>
-  </p:timing>
 </p:sld>
 </file>
 
@@ -10824,10 +10644,6 @@
               <a:rPr lang="en-US" dirty="0" err="1"/>
               <a:t>situatie</a:t>
             </a:r>
-            <a:r>
-              <a:rPr lang="en-US" dirty="0"/>
-              <a:t/>
-            </a:r>
             <a:br>
               <a:rPr lang="en-US" dirty="0"/>
             </a:br>
@@ -10912,13 +10728,6 @@
   <p:clrMapOvr>
     <a:masterClrMapping/>
   </p:clrMapOvr>
-  <p:timing>
-    <p:tnLst>
-      <p:par>
-        <p:cTn id="1" dur="indefinite" restart="never" nodeType="tmRoot"/>
-      </p:par>
-    </p:tnLst>
-  </p:timing>
 </p:sld>
 </file>
 
@@ -11011,7 +10820,7 @@
               <a:buNone/>
             </a:pPr>
             <a:r>
-              <a:rPr lang="nl-NL" sz="4800" dirty="0" smtClean="0">
+              <a:rPr lang="nl-NL" sz="4800" dirty="0">
                 <a:solidFill>
                   <a:srgbClr val="FFFFFF"/>
                 </a:solidFill>
@@ -11044,13 +10853,6 @@
   <p:clrMapOvr>
     <a:masterClrMapping/>
   </p:clrMapOvr>
-  <p:timing>
-    <p:tnLst>
-      <p:par>
-        <p:cTn id="1" dur="indefinite" restart="never" nodeType="tmRoot"/>
-      </p:par>
-    </p:tnLst>
-  </p:timing>
 </p:sld>
 </file>
 
